--- a/week10/MSDSP-420-Group6_Week10.pptx
+++ b/week10/MSDSP-420-Group6_Week10.pptx
@@ -5,41 +5,51 @@
     <p:sldMasterId id="2147483742" r:id="rId1"/>
   </p:sldMasterIdLst>
   <p:notesMasterIdLst>
-    <p:notesMasterId r:id="rId34"/>
+    <p:notesMasterId r:id="rId44"/>
   </p:notesMasterIdLst>
   <p:sldIdLst>
     <p:sldId id="256" r:id="rId2"/>
     <p:sldId id="257" r:id="rId3"/>
     <p:sldId id="283" r:id="rId4"/>
-    <p:sldId id="284" r:id="rId5"/>
-    <p:sldId id="286" r:id="rId6"/>
-    <p:sldId id="285" r:id="rId7"/>
-    <p:sldId id="288" r:id="rId8"/>
-    <p:sldId id="287" r:id="rId9"/>
-    <p:sldId id="289" r:id="rId10"/>
-    <p:sldId id="281" r:id="rId11"/>
-    <p:sldId id="271" r:id="rId12"/>
-    <p:sldId id="269" r:id="rId13"/>
-    <p:sldId id="282" r:id="rId14"/>
-    <p:sldId id="259" r:id="rId15"/>
-    <p:sldId id="260" r:id="rId16"/>
-    <p:sldId id="261" r:id="rId17"/>
-    <p:sldId id="258" r:id="rId18"/>
-    <p:sldId id="268" r:id="rId19"/>
-    <p:sldId id="262" r:id="rId20"/>
-    <p:sldId id="263" r:id="rId21"/>
-    <p:sldId id="264" r:id="rId22"/>
-    <p:sldId id="266" r:id="rId23"/>
-    <p:sldId id="272" r:id="rId24"/>
-    <p:sldId id="273" r:id="rId25"/>
-    <p:sldId id="274" r:id="rId26"/>
-    <p:sldId id="275" r:id="rId27"/>
-    <p:sldId id="276" r:id="rId28"/>
-    <p:sldId id="277" r:id="rId29"/>
-    <p:sldId id="265" r:id="rId30"/>
-    <p:sldId id="280" r:id="rId31"/>
-    <p:sldId id="278" r:id="rId32"/>
-    <p:sldId id="270" r:id="rId33"/>
+    <p:sldId id="299" r:id="rId5"/>
+    <p:sldId id="284" r:id="rId6"/>
+    <p:sldId id="286" r:id="rId7"/>
+    <p:sldId id="285" r:id="rId8"/>
+    <p:sldId id="288" r:id="rId9"/>
+    <p:sldId id="287" r:id="rId10"/>
+    <p:sldId id="289" r:id="rId11"/>
+    <p:sldId id="297" r:id="rId12"/>
+    <p:sldId id="281" r:id="rId13"/>
+    <p:sldId id="300" r:id="rId14"/>
+    <p:sldId id="298" r:id="rId15"/>
+    <p:sldId id="296" r:id="rId16"/>
+    <p:sldId id="290" r:id="rId17"/>
+    <p:sldId id="301" r:id="rId18"/>
+    <p:sldId id="291" r:id="rId19"/>
+    <p:sldId id="292" r:id="rId20"/>
+    <p:sldId id="293" r:id="rId21"/>
+    <p:sldId id="271" r:id="rId22"/>
+    <p:sldId id="269" r:id="rId23"/>
+    <p:sldId id="282" r:id="rId24"/>
+    <p:sldId id="259" r:id="rId25"/>
+    <p:sldId id="260" r:id="rId26"/>
+    <p:sldId id="261" r:id="rId27"/>
+    <p:sldId id="258" r:id="rId28"/>
+    <p:sldId id="268" r:id="rId29"/>
+    <p:sldId id="262" r:id="rId30"/>
+    <p:sldId id="263" r:id="rId31"/>
+    <p:sldId id="264" r:id="rId32"/>
+    <p:sldId id="266" r:id="rId33"/>
+    <p:sldId id="272" r:id="rId34"/>
+    <p:sldId id="273" r:id="rId35"/>
+    <p:sldId id="274" r:id="rId36"/>
+    <p:sldId id="275" r:id="rId37"/>
+    <p:sldId id="276" r:id="rId38"/>
+    <p:sldId id="277" r:id="rId39"/>
+    <p:sldId id="265" r:id="rId40"/>
+    <p:sldId id="280" r:id="rId41"/>
+    <p:sldId id="278" r:id="rId42"/>
+    <p:sldId id="270" r:id="rId43"/>
   </p:sldIdLst>
   <p:sldSz cx="12192000" cy="6858000"/>
   <p:notesSz cx="6858000" cy="9144000"/>
@@ -146,6 +156,3465 @@
 </p:presentation>
 </file>
 
+<file path=ppt/charts/chart1.xml><?xml version="1.0" encoding="utf-8"?>
+<c:chartSpace xmlns:c="http://schemas.openxmlformats.org/drawingml/2006/chart" xmlns:a="http://schemas.openxmlformats.org/drawingml/2006/main" xmlns:r="http://schemas.openxmlformats.org/officeDocument/2006/relationships" xmlns:c16r2="http://schemas.microsoft.com/office/drawing/2015/06/chart">
+  <c:date1904 val="0"/>
+  <c:lang val="en-GB"/>
+  <c:roundedCorners val="0"/>
+  <mc:AlternateContent xmlns:mc="http://schemas.openxmlformats.org/markup-compatibility/2006">
+    <mc:Choice xmlns:c14="http://schemas.microsoft.com/office/drawing/2007/8/2/chart" Requires="c14">
+      <c14:style val="102"/>
+    </mc:Choice>
+    <mc:Fallback>
+      <c:style val="2"/>
+    </mc:Fallback>
+  </mc:AlternateContent>
+  <c:chart>
+    <c:autoTitleDeleted val="1"/>
+    <c:plotArea>
+      <c:layout/>
+      <c:barChart>
+        <c:barDir val="bar"/>
+        <c:grouping val="clustered"/>
+        <c:varyColors val="0"/>
+        <c:ser>
+          <c:idx val="0"/>
+          <c:order val="0"/>
+          <c:tx>
+            <c:strRef>
+              <c:f>Sheet1!$B$1</c:f>
+              <c:strCache>
+                <c:ptCount val="1"/>
+                <c:pt idx="0">
+                  <c:v>SQL Server</c:v>
+                </c:pt>
+              </c:strCache>
+            </c:strRef>
+          </c:tx>
+          <c:spPr>
+            <a:solidFill>
+              <a:schemeClr val="accent1"/>
+            </a:solidFill>
+            <a:ln>
+              <a:noFill/>
+            </a:ln>
+            <a:effectLst/>
+          </c:spPr>
+          <c:invertIfNegative val="0"/>
+          <c:cat>
+            <c:strRef>
+              <c:f>Sheet1!$A$2</c:f>
+              <c:strCache>
+                <c:ptCount val="1"/>
+                <c:pt idx="0">
+                  <c:v>Load Time (sec)</c:v>
+                </c:pt>
+              </c:strCache>
+            </c:strRef>
+          </c:cat>
+          <c:val>
+            <c:numRef>
+              <c:f>Sheet1!$B$2</c:f>
+              <c:numCache>
+                <c:formatCode>General</c:formatCode>
+                <c:ptCount val="1"/>
+                <c:pt idx="0">
+                  <c:v>486.2</c:v>
+                </c:pt>
+              </c:numCache>
+            </c:numRef>
+          </c:val>
+          <c:extLst>
+            <c:ext xmlns:c16="http://schemas.microsoft.com/office/drawing/2014/chart" uri="{C3380CC4-5D6E-409C-BE32-E72D297353CC}">
+              <c16:uniqueId val="{00000000-6E88-4621-A329-325EF43C4707}"/>
+            </c:ext>
+          </c:extLst>
+        </c:ser>
+        <c:ser>
+          <c:idx val="1"/>
+          <c:order val="1"/>
+          <c:tx>
+            <c:strRef>
+              <c:f>Sheet1!$C$1</c:f>
+              <c:strCache>
+                <c:ptCount val="1"/>
+                <c:pt idx="0">
+                  <c:v>PostgreSQL</c:v>
+                </c:pt>
+              </c:strCache>
+            </c:strRef>
+          </c:tx>
+          <c:spPr>
+            <a:solidFill>
+              <a:schemeClr val="accent2"/>
+            </a:solidFill>
+            <a:ln>
+              <a:noFill/>
+            </a:ln>
+            <a:effectLst/>
+          </c:spPr>
+          <c:invertIfNegative val="0"/>
+          <c:cat>
+            <c:strRef>
+              <c:f>Sheet1!$A$2</c:f>
+              <c:strCache>
+                <c:ptCount val="1"/>
+                <c:pt idx="0">
+                  <c:v>Load Time (sec)</c:v>
+                </c:pt>
+              </c:strCache>
+            </c:strRef>
+          </c:cat>
+          <c:val>
+            <c:numRef>
+              <c:f>Sheet1!$C$2</c:f>
+              <c:numCache>
+                <c:formatCode>General</c:formatCode>
+                <c:ptCount val="1"/>
+                <c:pt idx="0">
+                  <c:v>644.29999999999995</c:v>
+                </c:pt>
+              </c:numCache>
+            </c:numRef>
+          </c:val>
+          <c:extLst>
+            <c:ext xmlns:c16="http://schemas.microsoft.com/office/drawing/2014/chart" uri="{C3380CC4-5D6E-409C-BE32-E72D297353CC}">
+              <c16:uniqueId val="{00000001-6E88-4621-A329-325EF43C4707}"/>
+            </c:ext>
+          </c:extLst>
+        </c:ser>
+        <c:dLbls>
+          <c:showLegendKey val="0"/>
+          <c:showVal val="0"/>
+          <c:showCatName val="0"/>
+          <c:showSerName val="0"/>
+          <c:showPercent val="0"/>
+          <c:showBubbleSize val="0"/>
+        </c:dLbls>
+        <c:gapWidth val="182"/>
+        <c:axId val="833784960"/>
+        <c:axId val="833771520"/>
+      </c:barChart>
+      <c:catAx>
+        <c:axId val="833784960"/>
+        <c:scaling>
+          <c:orientation val="minMax"/>
+        </c:scaling>
+        <c:delete val="0"/>
+        <c:axPos val="l"/>
+        <c:numFmt formatCode="General" sourceLinked="1"/>
+        <c:majorTickMark val="none"/>
+        <c:minorTickMark val="none"/>
+        <c:tickLblPos val="nextTo"/>
+        <c:spPr>
+          <a:noFill/>
+          <a:ln w="9525" cap="flat" cmpd="sng" algn="ctr">
+            <a:solidFill>
+              <a:schemeClr val="tx1">
+                <a:lumMod val="15000"/>
+                <a:lumOff val="85000"/>
+              </a:schemeClr>
+            </a:solidFill>
+            <a:round/>
+          </a:ln>
+          <a:effectLst/>
+        </c:spPr>
+        <c:txPr>
+          <a:bodyPr rot="-60000000" spcFirstLastPara="1" vertOverflow="ellipsis" vert="horz" wrap="square" anchor="ctr" anchorCtr="1"/>
+          <a:lstStyle/>
+          <a:p>
+            <a:pPr>
+              <a:defRPr sz="1197" b="0" i="0" u="none" strike="noStrike" kern="1200" baseline="0">
+                <a:solidFill>
+                  <a:schemeClr val="tx1">
+                    <a:lumMod val="65000"/>
+                    <a:lumOff val="35000"/>
+                  </a:schemeClr>
+                </a:solidFill>
+                <a:latin typeface="+mn-lt"/>
+                <a:ea typeface="+mn-ea"/>
+                <a:cs typeface="+mn-cs"/>
+              </a:defRPr>
+            </a:pPr>
+            <a:endParaRPr lang="en-US"/>
+          </a:p>
+        </c:txPr>
+        <c:crossAx val="833771520"/>
+        <c:crosses val="autoZero"/>
+        <c:auto val="1"/>
+        <c:lblAlgn val="ctr"/>
+        <c:lblOffset val="100"/>
+        <c:noMultiLvlLbl val="0"/>
+      </c:catAx>
+      <c:valAx>
+        <c:axId val="833771520"/>
+        <c:scaling>
+          <c:orientation val="minMax"/>
+        </c:scaling>
+        <c:delete val="0"/>
+        <c:axPos val="b"/>
+        <c:majorGridlines>
+          <c:spPr>
+            <a:ln w="9525" cap="flat" cmpd="sng" algn="ctr">
+              <a:solidFill>
+                <a:schemeClr val="tx1">
+                  <a:lumMod val="15000"/>
+                  <a:lumOff val="85000"/>
+                </a:schemeClr>
+              </a:solidFill>
+              <a:round/>
+            </a:ln>
+            <a:effectLst/>
+          </c:spPr>
+        </c:majorGridlines>
+        <c:numFmt formatCode="General" sourceLinked="1"/>
+        <c:majorTickMark val="none"/>
+        <c:minorTickMark val="none"/>
+        <c:tickLblPos val="nextTo"/>
+        <c:spPr>
+          <a:noFill/>
+          <a:ln>
+            <a:noFill/>
+          </a:ln>
+          <a:effectLst/>
+        </c:spPr>
+        <c:txPr>
+          <a:bodyPr rot="-60000000" spcFirstLastPara="1" vertOverflow="ellipsis" vert="horz" wrap="square" anchor="ctr" anchorCtr="1"/>
+          <a:lstStyle/>
+          <a:p>
+            <a:pPr>
+              <a:defRPr sz="1197" b="0" i="0" u="none" strike="noStrike" kern="1200" baseline="0">
+                <a:solidFill>
+                  <a:schemeClr val="tx1">
+                    <a:lumMod val="65000"/>
+                    <a:lumOff val="35000"/>
+                  </a:schemeClr>
+                </a:solidFill>
+                <a:latin typeface="+mn-lt"/>
+                <a:ea typeface="+mn-ea"/>
+                <a:cs typeface="+mn-cs"/>
+              </a:defRPr>
+            </a:pPr>
+            <a:endParaRPr lang="en-US"/>
+          </a:p>
+        </c:txPr>
+        <c:crossAx val="833784960"/>
+        <c:crosses val="autoZero"/>
+        <c:crossBetween val="between"/>
+      </c:valAx>
+      <c:spPr>
+        <a:noFill/>
+        <a:ln>
+          <a:noFill/>
+        </a:ln>
+        <a:effectLst/>
+      </c:spPr>
+    </c:plotArea>
+    <c:legend>
+      <c:legendPos val="b"/>
+      <c:overlay val="0"/>
+      <c:spPr>
+        <a:noFill/>
+        <a:ln>
+          <a:noFill/>
+        </a:ln>
+        <a:effectLst/>
+      </c:spPr>
+      <c:txPr>
+        <a:bodyPr rot="0" spcFirstLastPara="1" vertOverflow="ellipsis" vert="horz" wrap="square" anchor="ctr" anchorCtr="1"/>
+        <a:lstStyle/>
+        <a:p>
+          <a:pPr>
+            <a:defRPr sz="1197" b="0" i="0" u="none" strike="noStrike" kern="1200" baseline="0">
+              <a:solidFill>
+                <a:schemeClr val="tx1">
+                  <a:lumMod val="65000"/>
+                  <a:lumOff val="35000"/>
+                </a:schemeClr>
+              </a:solidFill>
+              <a:latin typeface="+mn-lt"/>
+              <a:ea typeface="+mn-ea"/>
+              <a:cs typeface="+mn-cs"/>
+            </a:defRPr>
+          </a:pPr>
+          <a:endParaRPr lang="en-US"/>
+        </a:p>
+      </c:txPr>
+    </c:legend>
+    <c:plotVisOnly val="1"/>
+    <c:dispBlanksAs val="gap"/>
+    <c:showDLblsOverMax val="0"/>
+    <c:extLst>
+      <c:ext xmlns:c16r3="http://schemas.microsoft.com/office/drawing/2017/03/chart" uri="{56B9EC1D-385E-4148-901F-78D8002777C0}">
+        <c16r3:dataDisplayOptions16>
+          <c16r3:dispNaAsBlank val="1"/>
+        </c16r3:dataDisplayOptions16>
+      </c:ext>
+    </c:extLst>
+  </c:chart>
+  <c:spPr>
+    <a:noFill/>
+    <a:ln>
+      <a:noFill/>
+    </a:ln>
+    <a:effectLst/>
+  </c:spPr>
+  <c:txPr>
+    <a:bodyPr/>
+    <a:lstStyle/>
+    <a:p>
+      <a:pPr>
+        <a:defRPr/>
+      </a:pPr>
+      <a:endParaRPr lang="en-US"/>
+    </a:p>
+  </c:txPr>
+  <c:externalData r:id="rId3">
+    <c:autoUpdate val="0"/>
+  </c:externalData>
+</c:chartSpace>
+</file>
+
+<file path=ppt/charts/chart2.xml><?xml version="1.0" encoding="utf-8"?>
+<c:chartSpace xmlns:c="http://schemas.openxmlformats.org/drawingml/2006/chart" xmlns:a="http://schemas.openxmlformats.org/drawingml/2006/main" xmlns:r="http://schemas.openxmlformats.org/officeDocument/2006/relationships" xmlns:c16r2="http://schemas.microsoft.com/office/drawing/2015/06/chart">
+  <c:date1904 val="0"/>
+  <c:lang val="en-GB"/>
+  <c:roundedCorners val="0"/>
+  <mc:AlternateContent xmlns:mc="http://schemas.openxmlformats.org/markup-compatibility/2006">
+    <mc:Choice xmlns:c14="http://schemas.microsoft.com/office/drawing/2007/8/2/chart" Requires="c14">
+      <c14:style val="102"/>
+    </mc:Choice>
+    <mc:Fallback>
+      <c:style val="2"/>
+    </mc:Fallback>
+  </mc:AlternateContent>
+  <c:chart>
+    <c:autoTitleDeleted val="1"/>
+    <c:plotArea>
+      <c:layout/>
+      <c:barChart>
+        <c:barDir val="bar"/>
+        <c:grouping val="clustered"/>
+        <c:varyColors val="0"/>
+        <c:ser>
+          <c:idx val="0"/>
+          <c:order val="0"/>
+          <c:tx>
+            <c:strRef>
+              <c:f>Sheet1!$B$1</c:f>
+              <c:strCache>
+                <c:ptCount val="1"/>
+                <c:pt idx="0">
+                  <c:v>SQL Server</c:v>
+                </c:pt>
+              </c:strCache>
+            </c:strRef>
+          </c:tx>
+          <c:spPr>
+            <a:solidFill>
+              <a:schemeClr val="accent1"/>
+            </a:solidFill>
+            <a:ln>
+              <a:noFill/>
+            </a:ln>
+            <a:effectLst/>
+          </c:spPr>
+          <c:invertIfNegative val="0"/>
+          <c:cat>
+            <c:strRef>
+              <c:f>Sheet1!$A$2</c:f>
+              <c:strCache>
+                <c:ptCount val="1"/>
+                <c:pt idx="0">
+                  <c:v>Database size (GiB): </c:v>
+                </c:pt>
+              </c:strCache>
+            </c:strRef>
+          </c:cat>
+          <c:val>
+            <c:numRef>
+              <c:f>Sheet1!$B$2</c:f>
+              <c:numCache>
+                <c:formatCode>General</c:formatCode>
+                <c:ptCount val="1"/>
+                <c:pt idx="0">
+                  <c:v>2.7</c:v>
+                </c:pt>
+              </c:numCache>
+            </c:numRef>
+          </c:val>
+          <c:extLst>
+            <c:ext xmlns:c16="http://schemas.microsoft.com/office/drawing/2014/chart" uri="{C3380CC4-5D6E-409C-BE32-E72D297353CC}">
+              <c16:uniqueId val="{00000000-1F4C-4F1B-9BC1-AFB9582A9B1B}"/>
+            </c:ext>
+          </c:extLst>
+        </c:ser>
+        <c:ser>
+          <c:idx val="1"/>
+          <c:order val="1"/>
+          <c:tx>
+            <c:strRef>
+              <c:f>Sheet1!$C$1</c:f>
+              <c:strCache>
+                <c:ptCount val="1"/>
+                <c:pt idx="0">
+                  <c:v>PostgreSQL</c:v>
+                </c:pt>
+              </c:strCache>
+            </c:strRef>
+          </c:tx>
+          <c:spPr>
+            <a:solidFill>
+              <a:schemeClr val="accent2"/>
+            </a:solidFill>
+            <a:ln>
+              <a:noFill/>
+            </a:ln>
+            <a:effectLst/>
+          </c:spPr>
+          <c:invertIfNegative val="0"/>
+          <c:cat>
+            <c:strRef>
+              <c:f>Sheet1!$A$2</c:f>
+              <c:strCache>
+                <c:ptCount val="1"/>
+                <c:pt idx="0">
+                  <c:v>Database size (GiB): </c:v>
+                </c:pt>
+              </c:strCache>
+            </c:strRef>
+          </c:cat>
+          <c:val>
+            <c:numRef>
+              <c:f>Sheet1!$C$2</c:f>
+              <c:numCache>
+                <c:formatCode>General</c:formatCode>
+                <c:ptCount val="1"/>
+                <c:pt idx="0">
+                  <c:v>2.39</c:v>
+                </c:pt>
+              </c:numCache>
+            </c:numRef>
+          </c:val>
+          <c:extLst>
+            <c:ext xmlns:c16="http://schemas.microsoft.com/office/drawing/2014/chart" uri="{C3380CC4-5D6E-409C-BE32-E72D297353CC}">
+              <c16:uniqueId val="{00000001-1F4C-4F1B-9BC1-AFB9582A9B1B}"/>
+            </c:ext>
+          </c:extLst>
+        </c:ser>
+        <c:dLbls>
+          <c:showLegendKey val="0"/>
+          <c:showVal val="0"/>
+          <c:showCatName val="0"/>
+          <c:showSerName val="0"/>
+          <c:showPercent val="0"/>
+          <c:showBubbleSize val="0"/>
+        </c:dLbls>
+        <c:gapWidth val="182"/>
+        <c:axId val="833784960"/>
+        <c:axId val="833771520"/>
+      </c:barChart>
+      <c:catAx>
+        <c:axId val="833784960"/>
+        <c:scaling>
+          <c:orientation val="minMax"/>
+        </c:scaling>
+        <c:delete val="0"/>
+        <c:axPos val="l"/>
+        <c:numFmt formatCode="General" sourceLinked="1"/>
+        <c:majorTickMark val="none"/>
+        <c:minorTickMark val="none"/>
+        <c:tickLblPos val="nextTo"/>
+        <c:spPr>
+          <a:noFill/>
+          <a:ln w="9525" cap="flat" cmpd="sng" algn="ctr">
+            <a:solidFill>
+              <a:schemeClr val="tx1">
+                <a:lumMod val="15000"/>
+                <a:lumOff val="85000"/>
+              </a:schemeClr>
+            </a:solidFill>
+            <a:round/>
+          </a:ln>
+          <a:effectLst/>
+        </c:spPr>
+        <c:txPr>
+          <a:bodyPr rot="-60000000" spcFirstLastPara="1" vertOverflow="ellipsis" vert="horz" wrap="square" anchor="ctr" anchorCtr="1"/>
+          <a:lstStyle/>
+          <a:p>
+            <a:pPr>
+              <a:defRPr sz="1197" b="0" i="0" u="none" strike="noStrike" kern="1200" baseline="0">
+                <a:solidFill>
+                  <a:schemeClr val="tx1">
+                    <a:lumMod val="65000"/>
+                    <a:lumOff val="35000"/>
+                  </a:schemeClr>
+                </a:solidFill>
+                <a:latin typeface="+mn-lt"/>
+                <a:ea typeface="+mn-ea"/>
+                <a:cs typeface="+mn-cs"/>
+              </a:defRPr>
+            </a:pPr>
+            <a:endParaRPr lang="en-US"/>
+          </a:p>
+        </c:txPr>
+        <c:crossAx val="833771520"/>
+        <c:crosses val="autoZero"/>
+        <c:auto val="1"/>
+        <c:lblAlgn val="ctr"/>
+        <c:lblOffset val="100"/>
+        <c:noMultiLvlLbl val="0"/>
+      </c:catAx>
+      <c:valAx>
+        <c:axId val="833771520"/>
+        <c:scaling>
+          <c:orientation val="minMax"/>
+          <c:min val="0"/>
+        </c:scaling>
+        <c:delete val="0"/>
+        <c:axPos val="b"/>
+        <c:majorGridlines>
+          <c:spPr>
+            <a:ln w="9525" cap="flat" cmpd="sng" algn="ctr">
+              <a:solidFill>
+                <a:schemeClr val="tx1">
+                  <a:lumMod val="15000"/>
+                  <a:lumOff val="85000"/>
+                </a:schemeClr>
+              </a:solidFill>
+              <a:round/>
+            </a:ln>
+            <a:effectLst/>
+          </c:spPr>
+        </c:majorGridlines>
+        <c:numFmt formatCode="General" sourceLinked="1"/>
+        <c:majorTickMark val="none"/>
+        <c:minorTickMark val="none"/>
+        <c:tickLblPos val="nextTo"/>
+        <c:spPr>
+          <a:noFill/>
+          <a:ln>
+            <a:noFill/>
+          </a:ln>
+          <a:effectLst/>
+        </c:spPr>
+        <c:txPr>
+          <a:bodyPr rot="-60000000" spcFirstLastPara="1" vertOverflow="ellipsis" vert="horz" wrap="square" anchor="ctr" anchorCtr="1"/>
+          <a:lstStyle/>
+          <a:p>
+            <a:pPr>
+              <a:defRPr sz="1197" b="0" i="0" u="none" strike="noStrike" kern="1200" baseline="0">
+                <a:solidFill>
+                  <a:schemeClr val="tx1">
+                    <a:lumMod val="65000"/>
+                    <a:lumOff val="35000"/>
+                  </a:schemeClr>
+                </a:solidFill>
+                <a:latin typeface="+mn-lt"/>
+                <a:ea typeface="+mn-ea"/>
+                <a:cs typeface="+mn-cs"/>
+              </a:defRPr>
+            </a:pPr>
+            <a:endParaRPr lang="en-US"/>
+          </a:p>
+        </c:txPr>
+        <c:crossAx val="833784960"/>
+        <c:crosses val="autoZero"/>
+        <c:crossBetween val="between"/>
+      </c:valAx>
+      <c:spPr>
+        <a:noFill/>
+        <a:ln>
+          <a:noFill/>
+        </a:ln>
+        <a:effectLst/>
+      </c:spPr>
+    </c:plotArea>
+    <c:legend>
+      <c:legendPos val="b"/>
+      <c:overlay val="0"/>
+      <c:spPr>
+        <a:noFill/>
+        <a:ln>
+          <a:noFill/>
+        </a:ln>
+        <a:effectLst/>
+      </c:spPr>
+      <c:txPr>
+        <a:bodyPr rot="0" spcFirstLastPara="1" vertOverflow="ellipsis" vert="horz" wrap="square" anchor="ctr" anchorCtr="1"/>
+        <a:lstStyle/>
+        <a:p>
+          <a:pPr>
+            <a:defRPr sz="1197" b="0" i="0" u="none" strike="noStrike" kern="1200" baseline="0">
+              <a:solidFill>
+                <a:schemeClr val="tx1">
+                  <a:lumMod val="65000"/>
+                  <a:lumOff val="35000"/>
+                </a:schemeClr>
+              </a:solidFill>
+              <a:latin typeface="+mn-lt"/>
+              <a:ea typeface="+mn-ea"/>
+              <a:cs typeface="+mn-cs"/>
+            </a:defRPr>
+          </a:pPr>
+          <a:endParaRPr lang="en-US"/>
+        </a:p>
+      </c:txPr>
+    </c:legend>
+    <c:plotVisOnly val="1"/>
+    <c:dispBlanksAs val="gap"/>
+    <c:showDLblsOverMax val="0"/>
+    <c:extLst>
+      <c:ext xmlns:c16r3="http://schemas.microsoft.com/office/drawing/2017/03/chart" uri="{56B9EC1D-385E-4148-901F-78D8002777C0}">
+        <c16r3:dataDisplayOptions16>
+          <c16r3:dispNaAsBlank val="1"/>
+        </c16r3:dataDisplayOptions16>
+      </c:ext>
+    </c:extLst>
+  </c:chart>
+  <c:spPr>
+    <a:noFill/>
+    <a:ln>
+      <a:noFill/>
+    </a:ln>
+    <a:effectLst/>
+  </c:spPr>
+  <c:txPr>
+    <a:bodyPr/>
+    <a:lstStyle/>
+    <a:p>
+      <a:pPr>
+        <a:defRPr/>
+      </a:pPr>
+      <a:endParaRPr lang="en-US"/>
+    </a:p>
+  </c:txPr>
+  <c:externalData r:id="rId3">
+    <c:autoUpdate val="0"/>
+  </c:externalData>
+</c:chartSpace>
+</file>
+
+<file path=ppt/charts/chart3.xml><?xml version="1.0" encoding="utf-8"?>
+<c:chartSpace xmlns:c="http://schemas.openxmlformats.org/drawingml/2006/chart" xmlns:a="http://schemas.openxmlformats.org/drawingml/2006/main" xmlns:r="http://schemas.openxmlformats.org/officeDocument/2006/relationships" xmlns:c16r2="http://schemas.microsoft.com/office/drawing/2015/06/chart">
+  <c:date1904 val="0"/>
+  <c:lang val="en-GB"/>
+  <c:roundedCorners val="0"/>
+  <mc:AlternateContent xmlns:mc="http://schemas.openxmlformats.org/markup-compatibility/2006">
+    <mc:Choice xmlns:c14="http://schemas.microsoft.com/office/drawing/2007/8/2/chart" Requires="c14">
+      <c14:style val="102"/>
+    </mc:Choice>
+    <mc:Fallback>
+      <c:style val="2"/>
+    </mc:Fallback>
+  </mc:AlternateContent>
+  <c:chart>
+    <c:autoTitleDeleted val="1"/>
+    <c:plotArea>
+      <c:layout/>
+      <c:barChart>
+        <c:barDir val="bar"/>
+        <c:grouping val="clustered"/>
+        <c:varyColors val="0"/>
+        <c:ser>
+          <c:idx val="0"/>
+          <c:order val="0"/>
+          <c:tx>
+            <c:strRef>
+              <c:f>Sheet1!$B$1</c:f>
+              <c:strCache>
+                <c:ptCount val="1"/>
+                <c:pt idx="0">
+                  <c:v>SQL Server</c:v>
+                </c:pt>
+              </c:strCache>
+            </c:strRef>
+          </c:tx>
+          <c:spPr>
+            <a:solidFill>
+              <a:schemeClr val="accent1"/>
+            </a:solidFill>
+            <a:ln>
+              <a:noFill/>
+            </a:ln>
+            <a:effectLst/>
+          </c:spPr>
+          <c:invertIfNegative val="0"/>
+          <c:cat>
+            <c:strRef>
+              <c:f>Sheet1!$A$2</c:f>
+              <c:strCache>
+                <c:ptCount val="1"/>
+                <c:pt idx="0">
+                  <c:v>Throughput (TPS)</c:v>
+                </c:pt>
+              </c:strCache>
+            </c:strRef>
+          </c:cat>
+          <c:val>
+            <c:numRef>
+              <c:f>Sheet1!$B$2</c:f>
+              <c:numCache>
+                <c:formatCode>General</c:formatCode>
+                <c:ptCount val="1"/>
+                <c:pt idx="0">
+                  <c:v>2599.6</c:v>
+                </c:pt>
+              </c:numCache>
+            </c:numRef>
+          </c:val>
+          <c:extLst>
+            <c:ext xmlns:c16="http://schemas.microsoft.com/office/drawing/2014/chart" uri="{C3380CC4-5D6E-409C-BE32-E72D297353CC}">
+              <c16:uniqueId val="{00000000-6E88-4621-A329-325EF43C4707}"/>
+            </c:ext>
+          </c:extLst>
+        </c:ser>
+        <c:ser>
+          <c:idx val="1"/>
+          <c:order val="1"/>
+          <c:tx>
+            <c:strRef>
+              <c:f>Sheet1!$C$1</c:f>
+              <c:strCache>
+                <c:ptCount val="1"/>
+                <c:pt idx="0">
+                  <c:v>PostgreSQL</c:v>
+                </c:pt>
+              </c:strCache>
+            </c:strRef>
+          </c:tx>
+          <c:spPr>
+            <a:solidFill>
+              <a:schemeClr val="accent2"/>
+            </a:solidFill>
+            <a:ln>
+              <a:noFill/>
+            </a:ln>
+            <a:effectLst/>
+          </c:spPr>
+          <c:invertIfNegative val="0"/>
+          <c:cat>
+            <c:strRef>
+              <c:f>Sheet1!$A$2</c:f>
+              <c:strCache>
+                <c:ptCount val="1"/>
+                <c:pt idx="0">
+                  <c:v>Throughput (TPS)</c:v>
+                </c:pt>
+              </c:strCache>
+            </c:strRef>
+          </c:cat>
+          <c:val>
+            <c:numRef>
+              <c:f>Sheet1!$C$2</c:f>
+              <c:numCache>
+                <c:formatCode>General</c:formatCode>
+                <c:ptCount val="1"/>
+                <c:pt idx="0">
+                  <c:v>2779.4</c:v>
+                </c:pt>
+              </c:numCache>
+            </c:numRef>
+          </c:val>
+          <c:extLst>
+            <c:ext xmlns:c16="http://schemas.microsoft.com/office/drawing/2014/chart" uri="{C3380CC4-5D6E-409C-BE32-E72D297353CC}">
+              <c16:uniqueId val="{00000001-6E88-4621-A329-325EF43C4707}"/>
+            </c:ext>
+          </c:extLst>
+        </c:ser>
+        <c:dLbls>
+          <c:showLegendKey val="0"/>
+          <c:showVal val="0"/>
+          <c:showCatName val="0"/>
+          <c:showSerName val="0"/>
+          <c:showPercent val="0"/>
+          <c:showBubbleSize val="0"/>
+        </c:dLbls>
+        <c:gapWidth val="182"/>
+        <c:axId val="833784960"/>
+        <c:axId val="833771520"/>
+      </c:barChart>
+      <c:catAx>
+        <c:axId val="833784960"/>
+        <c:scaling>
+          <c:orientation val="minMax"/>
+        </c:scaling>
+        <c:delete val="0"/>
+        <c:axPos val="l"/>
+        <c:numFmt formatCode="General" sourceLinked="1"/>
+        <c:majorTickMark val="none"/>
+        <c:minorTickMark val="none"/>
+        <c:tickLblPos val="nextTo"/>
+        <c:spPr>
+          <a:noFill/>
+          <a:ln w="9525" cap="flat" cmpd="sng" algn="ctr">
+            <a:solidFill>
+              <a:schemeClr val="tx1">
+                <a:lumMod val="15000"/>
+                <a:lumOff val="85000"/>
+              </a:schemeClr>
+            </a:solidFill>
+            <a:round/>
+          </a:ln>
+          <a:effectLst/>
+        </c:spPr>
+        <c:txPr>
+          <a:bodyPr rot="-60000000" spcFirstLastPara="1" vertOverflow="ellipsis" vert="horz" wrap="square" anchor="ctr" anchorCtr="1"/>
+          <a:lstStyle/>
+          <a:p>
+            <a:pPr>
+              <a:defRPr sz="1197" b="0" i="0" u="none" strike="noStrike" kern="1200" baseline="0">
+                <a:solidFill>
+                  <a:schemeClr val="tx1">
+                    <a:lumMod val="65000"/>
+                    <a:lumOff val="35000"/>
+                  </a:schemeClr>
+                </a:solidFill>
+                <a:latin typeface="+mn-lt"/>
+                <a:ea typeface="+mn-ea"/>
+                <a:cs typeface="+mn-cs"/>
+              </a:defRPr>
+            </a:pPr>
+            <a:endParaRPr lang="en-US"/>
+          </a:p>
+        </c:txPr>
+        <c:crossAx val="833771520"/>
+        <c:crosses val="autoZero"/>
+        <c:auto val="1"/>
+        <c:lblAlgn val="ctr"/>
+        <c:lblOffset val="100"/>
+        <c:noMultiLvlLbl val="0"/>
+      </c:catAx>
+      <c:valAx>
+        <c:axId val="833771520"/>
+        <c:scaling>
+          <c:orientation val="minMax"/>
+          <c:min val="0"/>
+        </c:scaling>
+        <c:delete val="0"/>
+        <c:axPos val="b"/>
+        <c:majorGridlines>
+          <c:spPr>
+            <a:ln w="9525" cap="flat" cmpd="sng" algn="ctr">
+              <a:solidFill>
+                <a:schemeClr val="tx1">
+                  <a:lumMod val="15000"/>
+                  <a:lumOff val="85000"/>
+                </a:schemeClr>
+              </a:solidFill>
+              <a:round/>
+            </a:ln>
+            <a:effectLst/>
+          </c:spPr>
+        </c:majorGridlines>
+        <c:numFmt formatCode="General" sourceLinked="1"/>
+        <c:majorTickMark val="none"/>
+        <c:minorTickMark val="none"/>
+        <c:tickLblPos val="nextTo"/>
+        <c:spPr>
+          <a:noFill/>
+          <a:ln>
+            <a:noFill/>
+          </a:ln>
+          <a:effectLst/>
+        </c:spPr>
+        <c:txPr>
+          <a:bodyPr rot="-60000000" spcFirstLastPara="1" vertOverflow="ellipsis" vert="horz" wrap="square" anchor="ctr" anchorCtr="1"/>
+          <a:lstStyle/>
+          <a:p>
+            <a:pPr>
+              <a:defRPr sz="1197" b="0" i="0" u="none" strike="noStrike" kern="1200" baseline="0">
+                <a:solidFill>
+                  <a:schemeClr val="tx1">
+                    <a:lumMod val="65000"/>
+                    <a:lumOff val="35000"/>
+                  </a:schemeClr>
+                </a:solidFill>
+                <a:latin typeface="+mn-lt"/>
+                <a:ea typeface="+mn-ea"/>
+                <a:cs typeface="+mn-cs"/>
+              </a:defRPr>
+            </a:pPr>
+            <a:endParaRPr lang="en-US"/>
+          </a:p>
+        </c:txPr>
+        <c:crossAx val="833784960"/>
+        <c:crosses val="autoZero"/>
+        <c:crossBetween val="between"/>
+      </c:valAx>
+      <c:spPr>
+        <a:noFill/>
+        <a:ln>
+          <a:noFill/>
+        </a:ln>
+        <a:effectLst/>
+      </c:spPr>
+    </c:plotArea>
+    <c:legend>
+      <c:legendPos val="b"/>
+      <c:overlay val="0"/>
+      <c:spPr>
+        <a:noFill/>
+        <a:ln>
+          <a:noFill/>
+        </a:ln>
+        <a:effectLst/>
+      </c:spPr>
+      <c:txPr>
+        <a:bodyPr rot="0" spcFirstLastPara="1" vertOverflow="ellipsis" vert="horz" wrap="square" anchor="ctr" anchorCtr="1"/>
+        <a:lstStyle/>
+        <a:p>
+          <a:pPr>
+            <a:defRPr sz="1197" b="0" i="0" u="none" strike="noStrike" kern="1200" baseline="0">
+              <a:solidFill>
+                <a:schemeClr val="tx1">
+                  <a:lumMod val="65000"/>
+                  <a:lumOff val="35000"/>
+                </a:schemeClr>
+              </a:solidFill>
+              <a:latin typeface="+mn-lt"/>
+              <a:ea typeface="+mn-ea"/>
+              <a:cs typeface="+mn-cs"/>
+            </a:defRPr>
+          </a:pPr>
+          <a:endParaRPr lang="en-US"/>
+        </a:p>
+      </c:txPr>
+    </c:legend>
+    <c:plotVisOnly val="1"/>
+    <c:dispBlanksAs val="gap"/>
+    <c:showDLblsOverMax val="0"/>
+    <c:extLst>
+      <c:ext xmlns:c16r3="http://schemas.microsoft.com/office/drawing/2017/03/chart" uri="{56B9EC1D-385E-4148-901F-78D8002777C0}">
+        <c16r3:dataDisplayOptions16>
+          <c16r3:dispNaAsBlank val="1"/>
+        </c16r3:dataDisplayOptions16>
+      </c:ext>
+    </c:extLst>
+  </c:chart>
+  <c:spPr>
+    <a:noFill/>
+    <a:ln>
+      <a:noFill/>
+    </a:ln>
+    <a:effectLst/>
+  </c:spPr>
+  <c:txPr>
+    <a:bodyPr/>
+    <a:lstStyle/>
+    <a:p>
+      <a:pPr>
+        <a:defRPr/>
+      </a:pPr>
+      <a:endParaRPr lang="en-US"/>
+    </a:p>
+  </c:txPr>
+  <c:externalData r:id="rId3">
+    <c:autoUpdate val="0"/>
+  </c:externalData>
+</c:chartSpace>
+</file>
+
+<file path=ppt/charts/chart4.xml><?xml version="1.0" encoding="utf-8"?>
+<c:chartSpace xmlns:c="http://schemas.openxmlformats.org/drawingml/2006/chart" xmlns:a="http://schemas.openxmlformats.org/drawingml/2006/main" xmlns:r="http://schemas.openxmlformats.org/officeDocument/2006/relationships" xmlns:c16r2="http://schemas.microsoft.com/office/drawing/2015/06/chart">
+  <c:date1904 val="0"/>
+  <c:lang val="en-GB"/>
+  <c:roundedCorners val="0"/>
+  <mc:AlternateContent xmlns:mc="http://schemas.openxmlformats.org/markup-compatibility/2006">
+    <mc:Choice xmlns:c14="http://schemas.microsoft.com/office/drawing/2007/8/2/chart" Requires="c14">
+      <c14:style val="102"/>
+    </mc:Choice>
+    <mc:Fallback>
+      <c:style val="2"/>
+    </mc:Fallback>
+  </mc:AlternateContent>
+  <c:chart>
+    <c:autoTitleDeleted val="1"/>
+    <c:plotArea>
+      <c:layout/>
+      <c:barChart>
+        <c:barDir val="bar"/>
+        <c:grouping val="clustered"/>
+        <c:varyColors val="0"/>
+        <c:ser>
+          <c:idx val="0"/>
+          <c:order val="0"/>
+          <c:tx>
+            <c:strRef>
+              <c:f>Sheet1!$B$1</c:f>
+              <c:strCache>
+                <c:ptCount val="1"/>
+                <c:pt idx="0">
+                  <c:v>SQL Server</c:v>
+                </c:pt>
+              </c:strCache>
+            </c:strRef>
+          </c:tx>
+          <c:spPr>
+            <a:solidFill>
+              <a:schemeClr val="accent1"/>
+            </a:solidFill>
+            <a:ln>
+              <a:noFill/>
+            </a:ln>
+            <a:effectLst/>
+          </c:spPr>
+          <c:invertIfNegative val="0"/>
+          <c:cat>
+            <c:strRef>
+              <c:f>Sheet1!$A$2</c:f>
+              <c:strCache>
+                <c:ptCount val="1"/>
+                <c:pt idx="0">
+                  <c:v>p95 latency (ms): </c:v>
+                </c:pt>
+              </c:strCache>
+            </c:strRef>
+          </c:cat>
+          <c:val>
+            <c:numRef>
+              <c:f>Sheet1!$B$2</c:f>
+              <c:numCache>
+                <c:formatCode>General</c:formatCode>
+                <c:ptCount val="1"/>
+                <c:pt idx="0">
+                  <c:v>3.3119999999999998</c:v>
+                </c:pt>
+              </c:numCache>
+            </c:numRef>
+          </c:val>
+          <c:extLst>
+            <c:ext xmlns:c16="http://schemas.microsoft.com/office/drawing/2014/chart" uri="{C3380CC4-5D6E-409C-BE32-E72D297353CC}">
+              <c16:uniqueId val="{00000000-1F4C-4F1B-9BC1-AFB9582A9B1B}"/>
+            </c:ext>
+          </c:extLst>
+        </c:ser>
+        <c:ser>
+          <c:idx val="1"/>
+          <c:order val="1"/>
+          <c:tx>
+            <c:strRef>
+              <c:f>Sheet1!$C$1</c:f>
+              <c:strCache>
+                <c:ptCount val="1"/>
+                <c:pt idx="0">
+                  <c:v>PostgreSQL</c:v>
+                </c:pt>
+              </c:strCache>
+            </c:strRef>
+          </c:tx>
+          <c:spPr>
+            <a:solidFill>
+              <a:schemeClr val="accent2"/>
+            </a:solidFill>
+            <a:ln>
+              <a:noFill/>
+            </a:ln>
+            <a:effectLst/>
+          </c:spPr>
+          <c:invertIfNegative val="0"/>
+          <c:cat>
+            <c:strRef>
+              <c:f>Sheet1!$A$2</c:f>
+              <c:strCache>
+                <c:ptCount val="1"/>
+                <c:pt idx="0">
+                  <c:v>p95 latency (ms): </c:v>
+                </c:pt>
+              </c:strCache>
+            </c:strRef>
+          </c:cat>
+          <c:val>
+            <c:numRef>
+              <c:f>Sheet1!$C$2</c:f>
+              <c:numCache>
+                <c:formatCode>General</c:formatCode>
+                <c:ptCount val="1"/>
+                <c:pt idx="0">
+                  <c:v>3.173</c:v>
+                </c:pt>
+              </c:numCache>
+            </c:numRef>
+          </c:val>
+          <c:extLst>
+            <c:ext xmlns:c16="http://schemas.microsoft.com/office/drawing/2014/chart" uri="{C3380CC4-5D6E-409C-BE32-E72D297353CC}">
+              <c16:uniqueId val="{00000001-1F4C-4F1B-9BC1-AFB9582A9B1B}"/>
+            </c:ext>
+          </c:extLst>
+        </c:ser>
+        <c:dLbls>
+          <c:showLegendKey val="0"/>
+          <c:showVal val="0"/>
+          <c:showCatName val="0"/>
+          <c:showSerName val="0"/>
+          <c:showPercent val="0"/>
+          <c:showBubbleSize val="0"/>
+        </c:dLbls>
+        <c:gapWidth val="182"/>
+        <c:axId val="833784960"/>
+        <c:axId val="833771520"/>
+      </c:barChart>
+      <c:catAx>
+        <c:axId val="833784960"/>
+        <c:scaling>
+          <c:orientation val="minMax"/>
+        </c:scaling>
+        <c:delete val="0"/>
+        <c:axPos val="l"/>
+        <c:numFmt formatCode="General" sourceLinked="1"/>
+        <c:majorTickMark val="none"/>
+        <c:minorTickMark val="none"/>
+        <c:tickLblPos val="nextTo"/>
+        <c:spPr>
+          <a:noFill/>
+          <a:ln w="9525" cap="flat" cmpd="sng" algn="ctr">
+            <a:solidFill>
+              <a:schemeClr val="tx1">
+                <a:lumMod val="15000"/>
+                <a:lumOff val="85000"/>
+              </a:schemeClr>
+            </a:solidFill>
+            <a:round/>
+          </a:ln>
+          <a:effectLst/>
+        </c:spPr>
+        <c:txPr>
+          <a:bodyPr rot="-60000000" spcFirstLastPara="1" vertOverflow="ellipsis" vert="horz" wrap="square" anchor="ctr" anchorCtr="1"/>
+          <a:lstStyle/>
+          <a:p>
+            <a:pPr>
+              <a:defRPr sz="1197" b="0" i="0" u="none" strike="noStrike" kern="1200" baseline="0">
+                <a:solidFill>
+                  <a:schemeClr val="tx1">
+                    <a:lumMod val="65000"/>
+                    <a:lumOff val="35000"/>
+                  </a:schemeClr>
+                </a:solidFill>
+                <a:latin typeface="+mn-lt"/>
+                <a:ea typeface="+mn-ea"/>
+                <a:cs typeface="+mn-cs"/>
+              </a:defRPr>
+            </a:pPr>
+            <a:endParaRPr lang="en-US"/>
+          </a:p>
+        </c:txPr>
+        <c:crossAx val="833771520"/>
+        <c:crosses val="autoZero"/>
+        <c:auto val="1"/>
+        <c:lblAlgn val="ctr"/>
+        <c:lblOffset val="100"/>
+        <c:noMultiLvlLbl val="0"/>
+      </c:catAx>
+      <c:valAx>
+        <c:axId val="833771520"/>
+        <c:scaling>
+          <c:orientation val="minMax"/>
+          <c:min val="0"/>
+        </c:scaling>
+        <c:delete val="0"/>
+        <c:axPos val="b"/>
+        <c:majorGridlines>
+          <c:spPr>
+            <a:ln w="9525" cap="flat" cmpd="sng" algn="ctr">
+              <a:solidFill>
+                <a:schemeClr val="tx1">
+                  <a:lumMod val="15000"/>
+                  <a:lumOff val="85000"/>
+                </a:schemeClr>
+              </a:solidFill>
+              <a:round/>
+            </a:ln>
+            <a:effectLst/>
+          </c:spPr>
+        </c:majorGridlines>
+        <c:numFmt formatCode="General" sourceLinked="1"/>
+        <c:majorTickMark val="none"/>
+        <c:minorTickMark val="none"/>
+        <c:tickLblPos val="nextTo"/>
+        <c:spPr>
+          <a:noFill/>
+          <a:ln>
+            <a:noFill/>
+          </a:ln>
+          <a:effectLst/>
+        </c:spPr>
+        <c:txPr>
+          <a:bodyPr rot="-60000000" spcFirstLastPara="1" vertOverflow="ellipsis" vert="horz" wrap="square" anchor="ctr" anchorCtr="1"/>
+          <a:lstStyle/>
+          <a:p>
+            <a:pPr>
+              <a:defRPr sz="1197" b="0" i="0" u="none" strike="noStrike" kern="1200" baseline="0">
+                <a:solidFill>
+                  <a:schemeClr val="tx1">
+                    <a:lumMod val="65000"/>
+                    <a:lumOff val="35000"/>
+                  </a:schemeClr>
+                </a:solidFill>
+                <a:latin typeface="+mn-lt"/>
+                <a:ea typeface="+mn-ea"/>
+                <a:cs typeface="+mn-cs"/>
+              </a:defRPr>
+            </a:pPr>
+            <a:endParaRPr lang="en-US"/>
+          </a:p>
+        </c:txPr>
+        <c:crossAx val="833784960"/>
+        <c:crosses val="autoZero"/>
+        <c:crossBetween val="between"/>
+      </c:valAx>
+      <c:spPr>
+        <a:noFill/>
+        <a:ln>
+          <a:noFill/>
+        </a:ln>
+        <a:effectLst/>
+      </c:spPr>
+    </c:plotArea>
+    <c:legend>
+      <c:legendPos val="b"/>
+      <c:overlay val="0"/>
+      <c:spPr>
+        <a:noFill/>
+        <a:ln>
+          <a:noFill/>
+        </a:ln>
+        <a:effectLst/>
+      </c:spPr>
+      <c:txPr>
+        <a:bodyPr rot="0" spcFirstLastPara="1" vertOverflow="ellipsis" vert="horz" wrap="square" anchor="ctr" anchorCtr="1"/>
+        <a:lstStyle/>
+        <a:p>
+          <a:pPr>
+            <a:defRPr sz="1197" b="0" i="0" u="none" strike="noStrike" kern="1200" baseline="0">
+              <a:solidFill>
+                <a:schemeClr val="tx1">
+                  <a:lumMod val="65000"/>
+                  <a:lumOff val="35000"/>
+                </a:schemeClr>
+              </a:solidFill>
+              <a:latin typeface="+mn-lt"/>
+              <a:ea typeface="+mn-ea"/>
+              <a:cs typeface="+mn-cs"/>
+            </a:defRPr>
+          </a:pPr>
+          <a:endParaRPr lang="en-US"/>
+        </a:p>
+      </c:txPr>
+    </c:legend>
+    <c:plotVisOnly val="1"/>
+    <c:dispBlanksAs val="gap"/>
+    <c:showDLblsOverMax val="0"/>
+    <c:extLst>
+      <c:ext xmlns:c16r3="http://schemas.microsoft.com/office/drawing/2017/03/chart" uri="{56B9EC1D-385E-4148-901F-78D8002777C0}">
+        <c16r3:dataDisplayOptions16>
+          <c16r3:dispNaAsBlank val="1"/>
+        </c16r3:dataDisplayOptions16>
+      </c:ext>
+    </c:extLst>
+  </c:chart>
+  <c:spPr>
+    <a:noFill/>
+    <a:ln>
+      <a:noFill/>
+    </a:ln>
+    <a:effectLst/>
+  </c:spPr>
+  <c:txPr>
+    <a:bodyPr/>
+    <a:lstStyle/>
+    <a:p>
+      <a:pPr>
+        <a:defRPr/>
+      </a:pPr>
+      <a:endParaRPr lang="en-US"/>
+    </a:p>
+  </c:txPr>
+  <c:externalData r:id="rId3">
+    <c:autoUpdate val="0"/>
+  </c:externalData>
+</c:chartSpace>
+</file>
+
+<file path=ppt/charts/colors1.xml><?xml version="1.0" encoding="utf-8"?>
+<cs:colorStyle xmlns:cs="http://schemas.microsoft.com/office/drawing/2012/chartStyle" xmlns:a="http://schemas.openxmlformats.org/drawingml/2006/main" meth="cycle" id="10">
+  <a:schemeClr val="accent1"/>
+  <a:schemeClr val="accent2"/>
+  <a:schemeClr val="accent3"/>
+  <a:schemeClr val="accent4"/>
+  <a:schemeClr val="accent5"/>
+  <a:schemeClr val="accent6"/>
+  <cs:variation/>
+  <cs:variation>
+    <a:lumMod val="60000"/>
+  </cs:variation>
+  <cs:variation>
+    <a:lumMod val="80000"/>
+    <a:lumOff val="20000"/>
+  </cs:variation>
+  <cs:variation>
+    <a:lumMod val="80000"/>
+  </cs:variation>
+  <cs:variation>
+    <a:lumMod val="60000"/>
+    <a:lumOff val="40000"/>
+  </cs:variation>
+  <cs:variation>
+    <a:lumMod val="50000"/>
+  </cs:variation>
+  <cs:variation>
+    <a:lumMod val="70000"/>
+    <a:lumOff val="30000"/>
+  </cs:variation>
+  <cs:variation>
+    <a:lumMod val="70000"/>
+  </cs:variation>
+  <cs:variation>
+    <a:lumMod val="50000"/>
+    <a:lumOff val="50000"/>
+  </cs:variation>
+</cs:colorStyle>
+</file>
+
+<file path=ppt/charts/colors2.xml><?xml version="1.0" encoding="utf-8"?>
+<cs:colorStyle xmlns:cs="http://schemas.microsoft.com/office/drawing/2012/chartStyle" xmlns:a="http://schemas.openxmlformats.org/drawingml/2006/main" meth="cycle" id="10">
+  <a:schemeClr val="accent1"/>
+  <a:schemeClr val="accent2"/>
+  <a:schemeClr val="accent3"/>
+  <a:schemeClr val="accent4"/>
+  <a:schemeClr val="accent5"/>
+  <a:schemeClr val="accent6"/>
+  <cs:variation/>
+  <cs:variation>
+    <a:lumMod val="60000"/>
+  </cs:variation>
+  <cs:variation>
+    <a:lumMod val="80000"/>
+    <a:lumOff val="20000"/>
+  </cs:variation>
+  <cs:variation>
+    <a:lumMod val="80000"/>
+  </cs:variation>
+  <cs:variation>
+    <a:lumMod val="60000"/>
+    <a:lumOff val="40000"/>
+  </cs:variation>
+  <cs:variation>
+    <a:lumMod val="50000"/>
+  </cs:variation>
+  <cs:variation>
+    <a:lumMod val="70000"/>
+    <a:lumOff val="30000"/>
+  </cs:variation>
+  <cs:variation>
+    <a:lumMod val="70000"/>
+  </cs:variation>
+  <cs:variation>
+    <a:lumMod val="50000"/>
+    <a:lumOff val="50000"/>
+  </cs:variation>
+</cs:colorStyle>
+</file>
+
+<file path=ppt/charts/colors3.xml><?xml version="1.0" encoding="utf-8"?>
+<cs:colorStyle xmlns:cs="http://schemas.microsoft.com/office/drawing/2012/chartStyle" xmlns:a="http://schemas.openxmlformats.org/drawingml/2006/main" meth="cycle" id="10">
+  <a:schemeClr val="accent1"/>
+  <a:schemeClr val="accent2"/>
+  <a:schemeClr val="accent3"/>
+  <a:schemeClr val="accent4"/>
+  <a:schemeClr val="accent5"/>
+  <a:schemeClr val="accent6"/>
+  <cs:variation/>
+  <cs:variation>
+    <a:lumMod val="60000"/>
+  </cs:variation>
+  <cs:variation>
+    <a:lumMod val="80000"/>
+    <a:lumOff val="20000"/>
+  </cs:variation>
+  <cs:variation>
+    <a:lumMod val="80000"/>
+  </cs:variation>
+  <cs:variation>
+    <a:lumMod val="60000"/>
+    <a:lumOff val="40000"/>
+  </cs:variation>
+  <cs:variation>
+    <a:lumMod val="50000"/>
+  </cs:variation>
+  <cs:variation>
+    <a:lumMod val="70000"/>
+    <a:lumOff val="30000"/>
+  </cs:variation>
+  <cs:variation>
+    <a:lumMod val="70000"/>
+  </cs:variation>
+  <cs:variation>
+    <a:lumMod val="50000"/>
+    <a:lumOff val="50000"/>
+  </cs:variation>
+</cs:colorStyle>
+</file>
+
+<file path=ppt/charts/colors4.xml><?xml version="1.0" encoding="utf-8"?>
+<cs:colorStyle xmlns:cs="http://schemas.microsoft.com/office/drawing/2012/chartStyle" xmlns:a="http://schemas.openxmlformats.org/drawingml/2006/main" meth="cycle" id="10">
+  <a:schemeClr val="accent1"/>
+  <a:schemeClr val="accent2"/>
+  <a:schemeClr val="accent3"/>
+  <a:schemeClr val="accent4"/>
+  <a:schemeClr val="accent5"/>
+  <a:schemeClr val="accent6"/>
+  <cs:variation/>
+  <cs:variation>
+    <a:lumMod val="60000"/>
+  </cs:variation>
+  <cs:variation>
+    <a:lumMod val="80000"/>
+    <a:lumOff val="20000"/>
+  </cs:variation>
+  <cs:variation>
+    <a:lumMod val="80000"/>
+  </cs:variation>
+  <cs:variation>
+    <a:lumMod val="60000"/>
+    <a:lumOff val="40000"/>
+  </cs:variation>
+  <cs:variation>
+    <a:lumMod val="50000"/>
+  </cs:variation>
+  <cs:variation>
+    <a:lumMod val="70000"/>
+    <a:lumOff val="30000"/>
+  </cs:variation>
+  <cs:variation>
+    <a:lumMod val="70000"/>
+  </cs:variation>
+  <cs:variation>
+    <a:lumMod val="50000"/>
+    <a:lumOff val="50000"/>
+  </cs:variation>
+</cs:colorStyle>
+</file>
+
+<file path=ppt/charts/style1.xml><?xml version="1.0" encoding="utf-8"?>
+<cs:chartStyle xmlns:cs="http://schemas.microsoft.com/office/drawing/2012/chartStyle" xmlns:a="http://schemas.openxmlformats.org/drawingml/2006/main" id="216">
+  <cs:axisTitle>
+    <cs:lnRef idx="0"/>
+    <cs:fillRef idx="0"/>
+    <cs:effectRef idx="0"/>
+    <cs:fontRef idx="minor">
+      <a:schemeClr val="tx1">
+        <a:lumMod val="65000"/>
+        <a:lumOff val="35000"/>
+      </a:schemeClr>
+    </cs:fontRef>
+    <cs:defRPr sz="1330" kern="1200"/>
+  </cs:axisTitle>
+  <cs:categoryAxis>
+    <cs:lnRef idx="0"/>
+    <cs:fillRef idx="0"/>
+    <cs:effectRef idx="0"/>
+    <cs:fontRef idx="minor">
+      <a:schemeClr val="tx1">
+        <a:lumMod val="65000"/>
+        <a:lumOff val="35000"/>
+      </a:schemeClr>
+    </cs:fontRef>
+    <cs:spPr>
+      <a:ln w="9525" cap="flat" cmpd="sng" algn="ctr">
+        <a:solidFill>
+          <a:schemeClr val="tx1">
+            <a:lumMod val="15000"/>
+            <a:lumOff val="85000"/>
+          </a:schemeClr>
+        </a:solidFill>
+        <a:round/>
+      </a:ln>
+    </cs:spPr>
+    <cs:defRPr sz="1197" kern="1200"/>
+  </cs:categoryAxis>
+  <cs:chartArea mods="allowNoFillOverride allowNoLineOverride">
+    <cs:lnRef idx="0"/>
+    <cs:fillRef idx="0"/>
+    <cs:effectRef idx="0"/>
+    <cs:fontRef idx="minor">
+      <a:schemeClr val="tx1"/>
+    </cs:fontRef>
+    <cs:spPr>
+      <a:solidFill>
+        <a:schemeClr val="bg1"/>
+      </a:solidFill>
+      <a:ln w="9525" cap="flat" cmpd="sng" algn="ctr">
+        <a:solidFill>
+          <a:schemeClr val="tx1">
+            <a:lumMod val="15000"/>
+            <a:lumOff val="85000"/>
+          </a:schemeClr>
+        </a:solidFill>
+        <a:round/>
+      </a:ln>
+    </cs:spPr>
+    <cs:defRPr sz="1330" kern="1200"/>
+  </cs:chartArea>
+  <cs:dataLabel>
+    <cs:lnRef idx="0"/>
+    <cs:fillRef idx="0"/>
+    <cs:effectRef idx="0"/>
+    <cs:fontRef idx="minor">
+      <a:schemeClr val="tx1">
+        <a:lumMod val="75000"/>
+        <a:lumOff val="25000"/>
+      </a:schemeClr>
+    </cs:fontRef>
+    <cs:defRPr sz="1197" kern="1200"/>
+  </cs:dataLabel>
+  <cs:dataLabelCallout>
+    <cs:lnRef idx="0"/>
+    <cs:fillRef idx="0"/>
+    <cs:effectRef idx="0"/>
+    <cs:fontRef idx="minor">
+      <a:schemeClr val="dk1">
+        <a:lumMod val="65000"/>
+        <a:lumOff val="35000"/>
+      </a:schemeClr>
+    </cs:fontRef>
+    <cs:spPr>
+      <a:solidFill>
+        <a:schemeClr val="lt1"/>
+      </a:solidFill>
+      <a:ln>
+        <a:solidFill>
+          <a:schemeClr val="dk1">
+            <a:lumMod val="25000"/>
+            <a:lumOff val="75000"/>
+          </a:schemeClr>
+        </a:solidFill>
+      </a:ln>
+    </cs:spPr>
+    <cs:defRPr sz="1197" kern="1200"/>
+    <cs:bodyPr rot="0" spcFirstLastPara="1" vertOverflow="clip" horzOverflow="clip" vert="horz" wrap="square" lIns="36576" tIns="18288" rIns="36576" bIns="18288" anchor="ctr" anchorCtr="1">
+      <a:spAutoFit/>
+    </cs:bodyPr>
+  </cs:dataLabelCallout>
+  <cs:dataPoint>
+    <cs:lnRef idx="0"/>
+    <cs:fillRef idx="1">
+      <cs:styleClr val="auto"/>
+    </cs:fillRef>
+    <cs:effectRef idx="0"/>
+    <cs:fontRef idx="minor">
+      <a:schemeClr val="tx1"/>
+    </cs:fontRef>
+  </cs:dataPoint>
+  <cs:dataPoint3D>
+    <cs:lnRef idx="0"/>
+    <cs:fillRef idx="1">
+      <cs:styleClr val="auto"/>
+    </cs:fillRef>
+    <cs:effectRef idx="0"/>
+    <cs:fontRef idx="minor">
+      <a:schemeClr val="tx1"/>
+    </cs:fontRef>
+  </cs:dataPoint3D>
+  <cs:dataPointLine>
+    <cs:lnRef idx="0">
+      <cs:styleClr val="auto"/>
+    </cs:lnRef>
+    <cs:fillRef idx="1"/>
+    <cs:effectRef idx="0"/>
+    <cs:fontRef idx="minor">
+      <a:schemeClr val="tx1"/>
+    </cs:fontRef>
+    <cs:spPr>
+      <a:ln w="28575" cap="rnd">
+        <a:solidFill>
+          <a:schemeClr val="phClr"/>
+        </a:solidFill>
+        <a:round/>
+      </a:ln>
+    </cs:spPr>
+  </cs:dataPointLine>
+  <cs:dataPointMarker>
+    <cs:lnRef idx="0">
+      <cs:styleClr val="auto"/>
+    </cs:lnRef>
+    <cs:fillRef idx="1">
+      <cs:styleClr val="auto"/>
+    </cs:fillRef>
+    <cs:effectRef idx="0"/>
+    <cs:fontRef idx="minor">
+      <a:schemeClr val="tx1"/>
+    </cs:fontRef>
+    <cs:spPr>
+      <a:ln w="9525">
+        <a:solidFill>
+          <a:schemeClr val="phClr"/>
+        </a:solidFill>
+      </a:ln>
+    </cs:spPr>
+  </cs:dataPointMarker>
+  <cs:dataPointMarkerLayout symbol="circle" size="5"/>
+  <cs:dataPointWireframe>
+    <cs:lnRef idx="0">
+      <cs:styleClr val="auto"/>
+    </cs:lnRef>
+    <cs:fillRef idx="1"/>
+    <cs:effectRef idx="0"/>
+    <cs:fontRef idx="minor">
+      <a:schemeClr val="tx1"/>
+    </cs:fontRef>
+    <cs:spPr>
+      <a:ln w="9525" cap="rnd">
+        <a:solidFill>
+          <a:schemeClr val="phClr"/>
+        </a:solidFill>
+        <a:round/>
+      </a:ln>
+    </cs:spPr>
+  </cs:dataPointWireframe>
+  <cs:dataTable>
+    <cs:lnRef idx="0"/>
+    <cs:fillRef idx="0"/>
+    <cs:effectRef idx="0"/>
+    <cs:fontRef idx="minor">
+      <a:schemeClr val="tx1">
+        <a:lumMod val="65000"/>
+        <a:lumOff val="35000"/>
+      </a:schemeClr>
+    </cs:fontRef>
+    <cs:spPr>
+      <a:noFill/>
+      <a:ln w="9525" cap="flat" cmpd="sng" algn="ctr">
+        <a:solidFill>
+          <a:schemeClr val="tx1">
+            <a:lumMod val="15000"/>
+            <a:lumOff val="85000"/>
+          </a:schemeClr>
+        </a:solidFill>
+        <a:round/>
+      </a:ln>
+    </cs:spPr>
+    <cs:defRPr sz="1197" kern="1200"/>
+  </cs:dataTable>
+  <cs:downBar>
+    <cs:lnRef idx="0"/>
+    <cs:fillRef idx="0"/>
+    <cs:effectRef idx="0"/>
+    <cs:fontRef idx="minor">
+      <a:schemeClr val="tx1"/>
+    </cs:fontRef>
+    <cs:spPr>
+      <a:solidFill>
+        <a:schemeClr val="dk1">
+          <a:lumMod val="75000"/>
+          <a:lumOff val="25000"/>
+        </a:schemeClr>
+      </a:solidFill>
+      <a:ln w="9525" cap="flat" cmpd="sng" algn="ctr">
+        <a:solidFill>
+          <a:schemeClr val="tx1">
+            <a:lumMod val="65000"/>
+            <a:lumOff val="35000"/>
+          </a:schemeClr>
+        </a:solidFill>
+        <a:round/>
+      </a:ln>
+    </cs:spPr>
+  </cs:downBar>
+  <cs:dropLine>
+    <cs:lnRef idx="0"/>
+    <cs:fillRef idx="0"/>
+    <cs:effectRef idx="0"/>
+    <cs:fontRef idx="minor">
+      <a:schemeClr val="tx1"/>
+    </cs:fontRef>
+    <cs:spPr>
+      <a:ln w="9525" cap="flat" cmpd="sng" algn="ctr">
+        <a:solidFill>
+          <a:schemeClr val="tx1">
+            <a:lumMod val="35000"/>
+            <a:lumOff val="65000"/>
+          </a:schemeClr>
+        </a:solidFill>
+        <a:round/>
+      </a:ln>
+    </cs:spPr>
+  </cs:dropLine>
+  <cs:errorBar>
+    <cs:lnRef idx="0"/>
+    <cs:fillRef idx="0"/>
+    <cs:effectRef idx="0"/>
+    <cs:fontRef idx="minor">
+      <a:schemeClr val="tx1"/>
+    </cs:fontRef>
+    <cs:spPr>
+      <a:ln w="9525" cap="flat" cmpd="sng" algn="ctr">
+        <a:solidFill>
+          <a:schemeClr val="tx1">
+            <a:lumMod val="65000"/>
+            <a:lumOff val="35000"/>
+          </a:schemeClr>
+        </a:solidFill>
+        <a:round/>
+      </a:ln>
+    </cs:spPr>
+  </cs:errorBar>
+  <cs:floor>
+    <cs:lnRef idx="0"/>
+    <cs:fillRef idx="0"/>
+    <cs:effectRef idx="0"/>
+    <cs:fontRef idx="minor">
+      <a:schemeClr val="tx1"/>
+    </cs:fontRef>
+    <cs:spPr>
+      <a:noFill/>
+      <a:ln>
+        <a:noFill/>
+      </a:ln>
+    </cs:spPr>
+  </cs:floor>
+  <cs:gridlineMajor>
+    <cs:lnRef idx="0"/>
+    <cs:fillRef idx="0"/>
+    <cs:effectRef idx="0"/>
+    <cs:fontRef idx="minor">
+      <a:schemeClr val="tx1"/>
+    </cs:fontRef>
+    <cs:spPr>
+      <a:ln w="9525" cap="flat" cmpd="sng" algn="ctr">
+        <a:solidFill>
+          <a:schemeClr val="tx1">
+            <a:lumMod val="15000"/>
+            <a:lumOff val="85000"/>
+          </a:schemeClr>
+        </a:solidFill>
+        <a:round/>
+      </a:ln>
+    </cs:spPr>
+  </cs:gridlineMajor>
+  <cs:gridlineMinor>
+    <cs:lnRef idx="0"/>
+    <cs:fillRef idx="0"/>
+    <cs:effectRef idx="0"/>
+    <cs:fontRef idx="minor">
+      <a:schemeClr val="tx1"/>
+    </cs:fontRef>
+    <cs:spPr>
+      <a:ln w="9525" cap="flat" cmpd="sng" algn="ctr">
+        <a:solidFill>
+          <a:schemeClr val="tx1">
+            <a:lumMod val="5000"/>
+            <a:lumOff val="95000"/>
+          </a:schemeClr>
+        </a:solidFill>
+        <a:round/>
+      </a:ln>
+    </cs:spPr>
+  </cs:gridlineMinor>
+  <cs:hiLoLine>
+    <cs:lnRef idx="0"/>
+    <cs:fillRef idx="0"/>
+    <cs:effectRef idx="0"/>
+    <cs:fontRef idx="minor">
+      <a:schemeClr val="tx1"/>
+    </cs:fontRef>
+    <cs:spPr>
+      <a:ln w="9525" cap="flat" cmpd="sng" algn="ctr">
+        <a:solidFill>
+          <a:schemeClr val="tx1">
+            <a:lumMod val="50000"/>
+            <a:lumOff val="50000"/>
+          </a:schemeClr>
+        </a:solidFill>
+        <a:round/>
+      </a:ln>
+    </cs:spPr>
+  </cs:hiLoLine>
+  <cs:leaderLine>
+    <cs:lnRef idx="0"/>
+    <cs:fillRef idx="0"/>
+    <cs:effectRef idx="0"/>
+    <cs:fontRef idx="minor">
+      <a:schemeClr val="tx1"/>
+    </cs:fontRef>
+    <cs:spPr>
+      <a:ln w="9525" cap="flat" cmpd="sng" algn="ctr">
+        <a:solidFill>
+          <a:schemeClr val="tx1">
+            <a:lumMod val="35000"/>
+            <a:lumOff val="65000"/>
+          </a:schemeClr>
+        </a:solidFill>
+        <a:round/>
+      </a:ln>
+    </cs:spPr>
+  </cs:leaderLine>
+  <cs:legend>
+    <cs:lnRef idx="0"/>
+    <cs:fillRef idx="0"/>
+    <cs:effectRef idx="0"/>
+    <cs:fontRef idx="minor">
+      <a:schemeClr val="tx1">
+        <a:lumMod val="65000"/>
+        <a:lumOff val="35000"/>
+      </a:schemeClr>
+    </cs:fontRef>
+    <cs:defRPr sz="1197" kern="1200"/>
+  </cs:legend>
+  <cs:plotArea mods="allowNoFillOverride allowNoLineOverride">
+    <cs:lnRef idx="0"/>
+    <cs:fillRef idx="0"/>
+    <cs:effectRef idx="0"/>
+    <cs:fontRef idx="minor">
+      <a:schemeClr val="tx1"/>
+    </cs:fontRef>
+  </cs:plotArea>
+  <cs:plotArea3D mods="allowNoFillOverride allowNoLineOverride">
+    <cs:lnRef idx="0"/>
+    <cs:fillRef idx="0"/>
+    <cs:effectRef idx="0"/>
+    <cs:fontRef idx="minor">
+      <a:schemeClr val="tx1"/>
+    </cs:fontRef>
+  </cs:plotArea3D>
+  <cs:seriesAxis>
+    <cs:lnRef idx="0"/>
+    <cs:fillRef idx="0"/>
+    <cs:effectRef idx="0"/>
+    <cs:fontRef idx="minor">
+      <a:schemeClr val="tx1">
+        <a:lumMod val="65000"/>
+        <a:lumOff val="35000"/>
+      </a:schemeClr>
+    </cs:fontRef>
+    <cs:defRPr sz="1197" kern="1200"/>
+  </cs:seriesAxis>
+  <cs:seriesLine>
+    <cs:lnRef idx="0"/>
+    <cs:fillRef idx="0"/>
+    <cs:effectRef idx="0"/>
+    <cs:fontRef idx="minor">
+      <a:schemeClr val="tx1"/>
+    </cs:fontRef>
+    <cs:spPr>
+      <a:ln w="9525" cap="flat" cmpd="sng" algn="ctr">
+        <a:solidFill>
+          <a:schemeClr val="tx1">
+            <a:lumMod val="35000"/>
+            <a:lumOff val="65000"/>
+          </a:schemeClr>
+        </a:solidFill>
+        <a:round/>
+      </a:ln>
+    </cs:spPr>
+  </cs:seriesLine>
+  <cs:title>
+    <cs:lnRef idx="0"/>
+    <cs:fillRef idx="0"/>
+    <cs:effectRef idx="0"/>
+    <cs:fontRef idx="minor">
+      <a:schemeClr val="tx1">
+        <a:lumMod val="65000"/>
+        <a:lumOff val="35000"/>
+      </a:schemeClr>
+    </cs:fontRef>
+    <cs:defRPr sz="1862" b="0" kern="1200" spc="0" baseline="0"/>
+  </cs:title>
+  <cs:trendline>
+    <cs:lnRef idx="0">
+      <cs:styleClr val="auto"/>
+    </cs:lnRef>
+    <cs:fillRef idx="0"/>
+    <cs:effectRef idx="0"/>
+    <cs:fontRef idx="minor">
+      <a:schemeClr val="tx1"/>
+    </cs:fontRef>
+    <cs:spPr>
+      <a:ln w="19050" cap="rnd">
+        <a:solidFill>
+          <a:schemeClr val="phClr"/>
+        </a:solidFill>
+        <a:prstDash val="sysDot"/>
+      </a:ln>
+    </cs:spPr>
+  </cs:trendline>
+  <cs:trendlineLabel>
+    <cs:lnRef idx="0"/>
+    <cs:fillRef idx="0"/>
+    <cs:effectRef idx="0"/>
+    <cs:fontRef idx="minor">
+      <a:schemeClr val="tx1">
+        <a:lumMod val="65000"/>
+        <a:lumOff val="35000"/>
+      </a:schemeClr>
+    </cs:fontRef>
+    <cs:defRPr sz="1197" kern="1200"/>
+  </cs:trendlineLabel>
+  <cs:upBar>
+    <cs:lnRef idx="0"/>
+    <cs:fillRef idx="0"/>
+    <cs:effectRef idx="0"/>
+    <cs:fontRef idx="minor">
+      <a:schemeClr val="tx1"/>
+    </cs:fontRef>
+    <cs:spPr>
+      <a:solidFill>
+        <a:schemeClr val="lt1"/>
+      </a:solidFill>
+      <a:ln w="9525" cap="flat" cmpd="sng" algn="ctr">
+        <a:solidFill>
+          <a:schemeClr val="tx1">
+            <a:lumMod val="65000"/>
+            <a:lumOff val="35000"/>
+          </a:schemeClr>
+        </a:solidFill>
+        <a:round/>
+      </a:ln>
+    </cs:spPr>
+  </cs:upBar>
+  <cs:valueAxis>
+    <cs:lnRef idx="0"/>
+    <cs:fillRef idx="0"/>
+    <cs:effectRef idx="0"/>
+    <cs:fontRef idx="minor">
+      <a:schemeClr val="tx1">
+        <a:lumMod val="65000"/>
+        <a:lumOff val="35000"/>
+      </a:schemeClr>
+    </cs:fontRef>
+    <cs:defRPr sz="1197" kern="1200"/>
+  </cs:valueAxis>
+  <cs:wall>
+    <cs:lnRef idx="0"/>
+    <cs:fillRef idx="0"/>
+    <cs:effectRef idx="0"/>
+    <cs:fontRef idx="minor">
+      <a:schemeClr val="tx1"/>
+    </cs:fontRef>
+    <cs:spPr>
+      <a:noFill/>
+      <a:ln>
+        <a:noFill/>
+      </a:ln>
+    </cs:spPr>
+  </cs:wall>
+</cs:chartStyle>
+</file>
+
+<file path=ppt/charts/style2.xml><?xml version="1.0" encoding="utf-8"?>
+<cs:chartStyle xmlns:cs="http://schemas.microsoft.com/office/drawing/2012/chartStyle" xmlns:a="http://schemas.openxmlformats.org/drawingml/2006/main" id="216">
+  <cs:axisTitle>
+    <cs:lnRef idx="0"/>
+    <cs:fillRef idx="0"/>
+    <cs:effectRef idx="0"/>
+    <cs:fontRef idx="minor">
+      <a:schemeClr val="tx1">
+        <a:lumMod val="65000"/>
+        <a:lumOff val="35000"/>
+      </a:schemeClr>
+    </cs:fontRef>
+    <cs:defRPr sz="1330" kern="1200"/>
+  </cs:axisTitle>
+  <cs:categoryAxis>
+    <cs:lnRef idx="0"/>
+    <cs:fillRef idx="0"/>
+    <cs:effectRef idx="0"/>
+    <cs:fontRef idx="minor">
+      <a:schemeClr val="tx1">
+        <a:lumMod val="65000"/>
+        <a:lumOff val="35000"/>
+      </a:schemeClr>
+    </cs:fontRef>
+    <cs:spPr>
+      <a:ln w="9525" cap="flat" cmpd="sng" algn="ctr">
+        <a:solidFill>
+          <a:schemeClr val="tx1">
+            <a:lumMod val="15000"/>
+            <a:lumOff val="85000"/>
+          </a:schemeClr>
+        </a:solidFill>
+        <a:round/>
+      </a:ln>
+    </cs:spPr>
+    <cs:defRPr sz="1197" kern="1200"/>
+  </cs:categoryAxis>
+  <cs:chartArea mods="allowNoFillOverride allowNoLineOverride">
+    <cs:lnRef idx="0"/>
+    <cs:fillRef idx="0"/>
+    <cs:effectRef idx="0"/>
+    <cs:fontRef idx="minor">
+      <a:schemeClr val="tx1"/>
+    </cs:fontRef>
+    <cs:spPr>
+      <a:solidFill>
+        <a:schemeClr val="bg1"/>
+      </a:solidFill>
+      <a:ln w="9525" cap="flat" cmpd="sng" algn="ctr">
+        <a:solidFill>
+          <a:schemeClr val="tx1">
+            <a:lumMod val="15000"/>
+            <a:lumOff val="85000"/>
+          </a:schemeClr>
+        </a:solidFill>
+        <a:round/>
+      </a:ln>
+    </cs:spPr>
+    <cs:defRPr sz="1330" kern="1200"/>
+  </cs:chartArea>
+  <cs:dataLabel>
+    <cs:lnRef idx="0"/>
+    <cs:fillRef idx="0"/>
+    <cs:effectRef idx="0"/>
+    <cs:fontRef idx="minor">
+      <a:schemeClr val="tx1">
+        <a:lumMod val="75000"/>
+        <a:lumOff val="25000"/>
+      </a:schemeClr>
+    </cs:fontRef>
+    <cs:defRPr sz="1197" kern="1200"/>
+  </cs:dataLabel>
+  <cs:dataLabelCallout>
+    <cs:lnRef idx="0"/>
+    <cs:fillRef idx="0"/>
+    <cs:effectRef idx="0"/>
+    <cs:fontRef idx="minor">
+      <a:schemeClr val="dk1">
+        <a:lumMod val="65000"/>
+        <a:lumOff val="35000"/>
+      </a:schemeClr>
+    </cs:fontRef>
+    <cs:spPr>
+      <a:solidFill>
+        <a:schemeClr val="lt1"/>
+      </a:solidFill>
+      <a:ln>
+        <a:solidFill>
+          <a:schemeClr val="dk1">
+            <a:lumMod val="25000"/>
+            <a:lumOff val="75000"/>
+          </a:schemeClr>
+        </a:solidFill>
+      </a:ln>
+    </cs:spPr>
+    <cs:defRPr sz="1197" kern="1200"/>
+    <cs:bodyPr rot="0" spcFirstLastPara="1" vertOverflow="clip" horzOverflow="clip" vert="horz" wrap="square" lIns="36576" tIns="18288" rIns="36576" bIns="18288" anchor="ctr" anchorCtr="1">
+      <a:spAutoFit/>
+    </cs:bodyPr>
+  </cs:dataLabelCallout>
+  <cs:dataPoint>
+    <cs:lnRef idx="0"/>
+    <cs:fillRef idx="1">
+      <cs:styleClr val="auto"/>
+    </cs:fillRef>
+    <cs:effectRef idx="0"/>
+    <cs:fontRef idx="minor">
+      <a:schemeClr val="tx1"/>
+    </cs:fontRef>
+  </cs:dataPoint>
+  <cs:dataPoint3D>
+    <cs:lnRef idx="0"/>
+    <cs:fillRef idx="1">
+      <cs:styleClr val="auto"/>
+    </cs:fillRef>
+    <cs:effectRef idx="0"/>
+    <cs:fontRef idx="minor">
+      <a:schemeClr val="tx1"/>
+    </cs:fontRef>
+  </cs:dataPoint3D>
+  <cs:dataPointLine>
+    <cs:lnRef idx="0">
+      <cs:styleClr val="auto"/>
+    </cs:lnRef>
+    <cs:fillRef idx="1"/>
+    <cs:effectRef idx="0"/>
+    <cs:fontRef idx="minor">
+      <a:schemeClr val="tx1"/>
+    </cs:fontRef>
+    <cs:spPr>
+      <a:ln w="28575" cap="rnd">
+        <a:solidFill>
+          <a:schemeClr val="phClr"/>
+        </a:solidFill>
+        <a:round/>
+      </a:ln>
+    </cs:spPr>
+  </cs:dataPointLine>
+  <cs:dataPointMarker>
+    <cs:lnRef idx="0">
+      <cs:styleClr val="auto"/>
+    </cs:lnRef>
+    <cs:fillRef idx="1">
+      <cs:styleClr val="auto"/>
+    </cs:fillRef>
+    <cs:effectRef idx="0"/>
+    <cs:fontRef idx="minor">
+      <a:schemeClr val="tx1"/>
+    </cs:fontRef>
+    <cs:spPr>
+      <a:ln w="9525">
+        <a:solidFill>
+          <a:schemeClr val="phClr"/>
+        </a:solidFill>
+      </a:ln>
+    </cs:spPr>
+  </cs:dataPointMarker>
+  <cs:dataPointMarkerLayout symbol="circle" size="5"/>
+  <cs:dataPointWireframe>
+    <cs:lnRef idx="0">
+      <cs:styleClr val="auto"/>
+    </cs:lnRef>
+    <cs:fillRef idx="1"/>
+    <cs:effectRef idx="0"/>
+    <cs:fontRef idx="minor">
+      <a:schemeClr val="tx1"/>
+    </cs:fontRef>
+    <cs:spPr>
+      <a:ln w="9525" cap="rnd">
+        <a:solidFill>
+          <a:schemeClr val="phClr"/>
+        </a:solidFill>
+        <a:round/>
+      </a:ln>
+    </cs:spPr>
+  </cs:dataPointWireframe>
+  <cs:dataTable>
+    <cs:lnRef idx="0"/>
+    <cs:fillRef idx="0"/>
+    <cs:effectRef idx="0"/>
+    <cs:fontRef idx="minor">
+      <a:schemeClr val="tx1">
+        <a:lumMod val="65000"/>
+        <a:lumOff val="35000"/>
+      </a:schemeClr>
+    </cs:fontRef>
+    <cs:spPr>
+      <a:noFill/>
+      <a:ln w="9525" cap="flat" cmpd="sng" algn="ctr">
+        <a:solidFill>
+          <a:schemeClr val="tx1">
+            <a:lumMod val="15000"/>
+            <a:lumOff val="85000"/>
+          </a:schemeClr>
+        </a:solidFill>
+        <a:round/>
+      </a:ln>
+    </cs:spPr>
+    <cs:defRPr sz="1197" kern="1200"/>
+  </cs:dataTable>
+  <cs:downBar>
+    <cs:lnRef idx="0"/>
+    <cs:fillRef idx="0"/>
+    <cs:effectRef idx="0"/>
+    <cs:fontRef idx="minor">
+      <a:schemeClr val="tx1"/>
+    </cs:fontRef>
+    <cs:spPr>
+      <a:solidFill>
+        <a:schemeClr val="dk1">
+          <a:lumMod val="75000"/>
+          <a:lumOff val="25000"/>
+        </a:schemeClr>
+      </a:solidFill>
+      <a:ln w="9525" cap="flat" cmpd="sng" algn="ctr">
+        <a:solidFill>
+          <a:schemeClr val="tx1">
+            <a:lumMod val="65000"/>
+            <a:lumOff val="35000"/>
+          </a:schemeClr>
+        </a:solidFill>
+        <a:round/>
+      </a:ln>
+    </cs:spPr>
+  </cs:downBar>
+  <cs:dropLine>
+    <cs:lnRef idx="0"/>
+    <cs:fillRef idx="0"/>
+    <cs:effectRef idx="0"/>
+    <cs:fontRef idx="minor">
+      <a:schemeClr val="tx1"/>
+    </cs:fontRef>
+    <cs:spPr>
+      <a:ln w="9525" cap="flat" cmpd="sng" algn="ctr">
+        <a:solidFill>
+          <a:schemeClr val="tx1">
+            <a:lumMod val="35000"/>
+            <a:lumOff val="65000"/>
+          </a:schemeClr>
+        </a:solidFill>
+        <a:round/>
+      </a:ln>
+    </cs:spPr>
+  </cs:dropLine>
+  <cs:errorBar>
+    <cs:lnRef idx="0"/>
+    <cs:fillRef idx="0"/>
+    <cs:effectRef idx="0"/>
+    <cs:fontRef idx="minor">
+      <a:schemeClr val="tx1"/>
+    </cs:fontRef>
+    <cs:spPr>
+      <a:ln w="9525" cap="flat" cmpd="sng" algn="ctr">
+        <a:solidFill>
+          <a:schemeClr val="tx1">
+            <a:lumMod val="65000"/>
+            <a:lumOff val="35000"/>
+          </a:schemeClr>
+        </a:solidFill>
+        <a:round/>
+      </a:ln>
+    </cs:spPr>
+  </cs:errorBar>
+  <cs:floor>
+    <cs:lnRef idx="0"/>
+    <cs:fillRef idx="0"/>
+    <cs:effectRef idx="0"/>
+    <cs:fontRef idx="minor">
+      <a:schemeClr val="tx1"/>
+    </cs:fontRef>
+    <cs:spPr>
+      <a:noFill/>
+      <a:ln>
+        <a:noFill/>
+      </a:ln>
+    </cs:spPr>
+  </cs:floor>
+  <cs:gridlineMajor>
+    <cs:lnRef idx="0"/>
+    <cs:fillRef idx="0"/>
+    <cs:effectRef idx="0"/>
+    <cs:fontRef idx="minor">
+      <a:schemeClr val="tx1"/>
+    </cs:fontRef>
+    <cs:spPr>
+      <a:ln w="9525" cap="flat" cmpd="sng" algn="ctr">
+        <a:solidFill>
+          <a:schemeClr val="tx1">
+            <a:lumMod val="15000"/>
+            <a:lumOff val="85000"/>
+          </a:schemeClr>
+        </a:solidFill>
+        <a:round/>
+      </a:ln>
+    </cs:spPr>
+  </cs:gridlineMajor>
+  <cs:gridlineMinor>
+    <cs:lnRef idx="0"/>
+    <cs:fillRef idx="0"/>
+    <cs:effectRef idx="0"/>
+    <cs:fontRef idx="minor">
+      <a:schemeClr val="tx1"/>
+    </cs:fontRef>
+    <cs:spPr>
+      <a:ln w="9525" cap="flat" cmpd="sng" algn="ctr">
+        <a:solidFill>
+          <a:schemeClr val="tx1">
+            <a:lumMod val="5000"/>
+            <a:lumOff val="95000"/>
+          </a:schemeClr>
+        </a:solidFill>
+        <a:round/>
+      </a:ln>
+    </cs:spPr>
+  </cs:gridlineMinor>
+  <cs:hiLoLine>
+    <cs:lnRef idx="0"/>
+    <cs:fillRef idx="0"/>
+    <cs:effectRef idx="0"/>
+    <cs:fontRef idx="minor">
+      <a:schemeClr val="tx1"/>
+    </cs:fontRef>
+    <cs:spPr>
+      <a:ln w="9525" cap="flat" cmpd="sng" algn="ctr">
+        <a:solidFill>
+          <a:schemeClr val="tx1">
+            <a:lumMod val="50000"/>
+            <a:lumOff val="50000"/>
+          </a:schemeClr>
+        </a:solidFill>
+        <a:round/>
+      </a:ln>
+    </cs:spPr>
+  </cs:hiLoLine>
+  <cs:leaderLine>
+    <cs:lnRef idx="0"/>
+    <cs:fillRef idx="0"/>
+    <cs:effectRef idx="0"/>
+    <cs:fontRef idx="minor">
+      <a:schemeClr val="tx1"/>
+    </cs:fontRef>
+    <cs:spPr>
+      <a:ln w="9525" cap="flat" cmpd="sng" algn="ctr">
+        <a:solidFill>
+          <a:schemeClr val="tx1">
+            <a:lumMod val="35000"/>
+            <a:lumOff val="65000"/>
+          </a:schemeClr>
+        </a:solidFill>
+        <a:round/>
+      </a:ln>
+    </cs:spPr>
+  </cs:leaderLine>
+  <cs:legend>
+    <cs:lnRef idx="0"/>
+    <cs:fillRef idx="0"/>
+    <cs:effectRef idx="0"/>
+    <cs:fontRef idx="minor">
+      <a:schemeClr val="tx1">
+        <a:lumMod val="65000"/>
+        <a:lumOff val="35000"/>
+      </a:schemeClr>
+    </cs:fontRef>
+    <cs:defRPr sz="1197" kern="1200"/>
+  </cs:legend>
+  <cs:plotArea mods="allowNoFillOverride allowNoLineOverride">
+    <cs:lnRef idx="0"/>
+    <cs:fillRef idx="0"/>
+    <cs:effectRef idx="0"/>
+    <cs:fontRef idx="minor">
+      <a:schemeClr val="tx1"/>
+    </cs:fontRef>
+  </cs:plotArea>
+  <cs:plotArea3D mods="allowNoFillOverride allowNoLineOverride">
+    <cs:lnRef idx="0"/>
+    <cs:fillRef idx="0"/>
+    <cs:effectRef idx="0"/>
+    <cs:fontRef idx="minor">
+      <a:schemeClr val="tx1"/>
+    </cs:fontRef>
+  </cs:plotArea3D>
+  <cs:seriesAxis>
+    <cs:lnRef idx="0"/>
+    <cs:fillRef idx="0"/>
+    <cs:effectRef idx="0"/>
+    <cs:fontRef idx="minor">
+      <a:schemeClr val="tx1">
+        <a:lumMod val="65000"/>
+        <a:lumOff val="35000"/>
+      </a:schemeClr>
+    </cs:fontRef>
+    <cs:defRPr sz="1197" kern="1200"/>
+  </cs:seriesAxis>
+  <cs:seriesLine>
+    <cs:lnRef idx="0"/>
+    <cs:fillRef idx="0"/>
+    <cs:effectRef idx="0"/>
+    <cs:fontRef idx="minor">
+      <a:schemeClr val="tx1"/>
+    </cs:fontRef>
+    <cs:spPr>
+      <a:ln w="9525" cap="flat" cmpd="sng" algn="ctr">
+        <a:solidFill>
+          <a:schemeClr val="tx1">
+            <a:lumMod val="35000"/>
+            <a:lumOff val="65000"/>
+          </a:schemeClr>
+        </a:solidFill>
+        <a:round/>
+      </a:ln>
+    </cs:spPr>
+  </cs:seriesLine>
+  <cs:title>
+    <cs:lnRef idx="0"/>
+    <cs:fillRef idx="0"/>
+    <cs:effectRef idx="0"/>
+    <cs:fontRef idx="minor">
+      <a:schemeClr val="tx1">
+        <a:lumMod val="65000"/>
+        <a:lumOff val="35000"/>
+      </a:schemeClr>
+    </cs:fontRef>
+    <cs:defRPr sz="1862" b="0" kern="1200" spc="0" baseline="0"/>
+  </cs:title>
+  <cs:trendline>
+    <cs:lnRef idx="0">
+      <cs:styleClr val="auto"/>
+    </cs:lnRef>
+    <cs:fillRef idx="0"/>
+    <cs:effectRef idx="0"/>
+    <cs:fontRef idx="minor">
+      <a:schemeClr val="tx1"/>
+    </cs:fontRef>
+    <cs:spPr>
+      <a:ln w="19050" cap="rnd">
+        <a:solidFill>
+          <a:schemeClr val="phClr"/>
+        </a:solidFill>
+        <a:prstDash val="sysDot"/>
+      </a:ln>
+    </cs:spPr>
+  </cs:trendline>
+  <cs:trendlineLabel>
+    <cs:lnRef idx="0"/>
+    <cs:fillRef idx="0"/>
+    <cs:effectRef idx="0"/>
+    <cs:fontRef idx="minor">
+      <a:schemeClr val="tx1">
+        <a:lumMod val="65000"/>
+        <a:lumOff val="35000"/>
+      </a:schemeClr>
+    </cs:fontRef>
+    <cs:defRPr sz="1197" kern="1200"/>
+  </cs:trendlineLabel>
+  <cs:upBar>
+    <cs:lnRef idx="0"/>
+    <cs:fillRef idx="0"/>
+    <cs:effectRef idx="0"/>
+    <cs:fontRef idx="minor">
+      <a:schemeClr val="tx1"/>
+    </cs:fontRef>
+    <cs:spPr>
+      <a:solidFill>
+        <a:schemeClr val="lt1"/>
+      </a:solidFill>
+      <a:ln w="9525" cap="flat" cmpd="sng" algn="ctr">
+        <a:solidFill>
+          <a:schemeClr val="tx1">
+            <a:lumMod val="65000"/>
+            <a:lumOff val="35000"/>
+          </a:schemeClr>
+        </a:solidFill>
+        <a:round/>
+      </a:ln>
+    </cs:spPr>
+  </cs:upBar>
+  <cs:valueAxis>
+    <cs:lnRef idx="0"/>
+    <cs:fillRef idx="0"/>
+    <cs:effectRef idx="0"/>
+    <cs:fontRef idx="minor">
+      <a:schemeClr val="tx1">
+        <a:lumMod val="65000"/>
+        <a:lumOff val="35000"/>
+      </a:schemeClr>
+    </cs:fontRef>
+    <cs:defRPr sz="1197" kern="1200"/>
+  </cs:valueAxis>
+  <cs:wall>
+    <cs:lnRef idx="0"/>
+    <cs:fillRef idx="0"/>
+    <cs:effectRef idx="0"/>
+    <cs:fontRef idx="minor">
+      <a:schemeClr val="tx1"/>
+    </cs:fontRef>
+    <cs:spPr>
+      <a:noFill/>
+      <a:ln>
+        <a:noFill/>
+      </a:ln>
+    </cs:spPr>
+  </cs:wall>
+</cs:chartStyle>
+</file>
+
+<file path=ppt/charts/style3.xml><?xml version="1.0" encoding="utf-8"?>
+<cs:chartStyle xmlns:cs="http://schemas.microsoft.com/office/drawing/2012/chartStyle" xmlns:a="http://schemas.openxmlformats.org/drawingml/2006/main" id="216">
+  <cs:axisTitle>
+    <cs:lnRef idx="0"/>
+    <cs:fillRef idx="0"/>
+    <cs:effectRef idx="0"/>
+    <cs:fontRef idx="minor">
+      <a:schemeClr val="tx1">
+        <a:lumMod val="65000"/>
+        <a:lumOff val="35000"/>
+      </a:schemeClr>
+    </cs:fontRef>
+    <cs:defRPr sz="1330" kern="1200"/>
+  </cs:axisTitle>
+  <cs:categoryAxis>
+    <cs:lnRef idx="0"/>
+    <cs:fillRef idx="0"/>
+    <cs:effectRef idx="0"/>
+    <cs:fontRef idx="minor">
+      <a:schemeClr val="tx1">
+        <a:lumMod val="65000"/>
+        <a:lumOff val="35000"/>
+      </a:schemeClr>
+    </cs:fontRef>
+    <cs:spPr>
+      <a:ln w="9525" cap="flat" cmpd="sng" algn="ctr">
+        <a:solidFill>
+          <a:schemeClr val="tx1">
+            <a:lumMod val="15000"/>
+            <a:lumOff val="85000"/>
+          </a:schemeClr>
+        </a:solidFill>
+        <a:round/>
+      </a:ln>
+    </cs:spPr>
+    <cs:defRPr sz="1197" kern="1200"/>
+  </cs:categoryAxis>
+  <cs:chartArea mods="allowNoFillOverride allowNoLineOverride">
+    <cs:lnRef idx="0"/>
+    <cs:fillRef idx="0"/>
+    <cs:effectRef idx="0"/>
+    <cs:fontRef idx="minor">
+      <a:schemeClr val="tx1"/>
+    </cs:fontRef>
+    <cs:spPr>
+      <a:solidFill>
+        <a:schemeClr val="bg1"/>
+      </a:solidFill>
+      <a:ln w="9525" cap="flat" cmpd="sng" algn="ctr">
+        <a:solidFill>
+          <a:schemeClr val="tx1">
+            <a:lumMod val="15000"/>
+            <a:lumOff val="85000"/>
+          </a:schemeClr>
+        </a:solidFill>
+        <a:round/>
+      </a:ln>
+    </cs:spPr>
+    <cs:defRPr sz="1330" kern="1200"/>
+  </cs:chartArea>
+  <cs:dataLabel>
+    <cs:lnRef idx="0"/>
+    <cs:fillRef idx="0"/>
+    <cs:effectRef idx="0"/>
+    <cs:fontRef idx="minor">
+      <a:schemeClr val="tx1">
+        <a:lumMod val="75000"/>
+        <a:lumOff val="25000"/>
+      </a:schemeClr>
+    </cs:fontRef>
+    <cs:defRPr sz="1197" kern="1200"/>
+  </cs:dataLabel>
+  <cs:dataLabelCallout>
+    <cs:lnRef idx="0"/>
+    <cs:fillRef idx="0"/>
+    <cs:effectRef idx="0"/>
+    <cs:fontRef idx="minor">
+      <a:schemeClr val="dk1">
+        <a:lumMod val="65000"/>
+        <a:lumOff val="35000"/>
+      </a:schemeClr>
+    </cs:fontRef>
+    <cs:spPr>
+      <a:solidFill>
+        <a:schemeClr val="lt1"/>
+      </a:solidFill>
+      <a:ln>
+        <a:solidFill>
+          <a:schemeClr val="dk1">
+            <a:lumMod val="25000"/>
+            <a:lumOff val="75000"/>
+          </a:schemeClr>
+        </a:solidFill>
+      </a:ln>
+    </cs:spPr>
+    <cs:defRPr sz="1197" kern="1200"/>
+    <cs:bodyPr rot="0" spcFirstLastPara="1" vertOverflow="clip" horzOverflow="clip" vert="horz" wrap="square" lIns="36576" tIns="18288" rIns="36576" bIns="18288" anchor="ctr" anchorCtr="1">
+      <a:spAutoFit/>
+    </cs:bodyPr>
+  </cs:dataLabelCallout>
+  <cs:dataPoint>
+    <cs:lnRef idx="0"/>
+    <cs:fillRef idx="1">
+      <cs:styleClr val="auto"/>
+    </cs:fillRef>
+    <cs:effectRef idx="0"/>
+    <cs:fontRef idx="minor">
+      <a:schemeClr val="tx1"/>
+    </cs:fontRef>
+  </cs:dataPoint>
+  <cs:dataPoint3D>
+    <cs:lnRef idx="0"/>
+    <cs:fillRef idx="1">
+      <cs:styleClr val="auto"/>
+    </cs:fillRef>
+    <cs:effectRef idx="0"/>
+    <cs:fontRef idx="minor">
+      <a:schemeClr val="tx1"/>
+    </cs:fontRef>
+  </cs:dataPoint3D>
+  <cs:dataPointLine>
+    <cs:lnRef idx="0">
+      <cs:styleClr val="auto"/>
+    </cs:lnRef>
+    <cs:fillRef idx="1"/>
+    <cs:effectRef idx="0"/>
+    <cs:fontRef idx="minor">
+      <a:schemeClr val="tx1"/>
+    </cs:fontRef>
+    <cs:spPr>
+      <a:ln w="28575" cap="rnd">
+        <a:solidFill>
+          <a:schemeClr val="phClr"/>
+        </a:solidFill>
+        <a:round/>
+      </a:ln>
+    </cs:spPr>
+  </cs:dataPointLine>
+  <cs:dataPointMarker>
+    <cs:lnRef idx="0">
+      <cs:styleClr val="auto"/>
+    </cs:lnRef>
+    <cs:fillRef idx="1">
+      <cs:styleClr val="auto"/>
+    </cs:fillRef>
+    <cs:effectRef idx="0"/>
+    <cs:fontRef idx="minor">
+      <a:schemeClr val="tx1"/>
+    </cs:fontRef>
+    <cs:spPr>
+      <a:ln w="9525">
+        <a:solidFill>
+          <a:schemeClr val="phClr"/>
+        </a:solidFill>
+      </a:ln>
+    </cs:spPr>
+  </cs:dataPointMarker>
+  <cs:dataPointMarkerLayout symbol="circle" size="5"/>
+  <cs:dataPointWireframe>
+    <cs:lnRef idx="0">
+      <cs:styleClr val="auto"/>
+    </cs:lnRef>
+    <cs:fillRef idx="1"/>
+    <cs:effectRef idx="0"/>
+    <cs:fontRef idx="minor">
+      <a:schemeClr val="tx1"/>
+    </cs:fontRef>
+    <cs:spPr>
+      <a:ln w="9525" cap="rnd">
+        <a:solidFill>
+          <a:schemeClr val="phClr"/>
+        </a:solidFill>
+        <a:round/>
+      </a:ln>
+    </cs:spPr>
+  </cs:dataPointWireframe>
+  <cs:dataTable>
+    <cs:lnRef idx="0"/>
+    <cs:fillRef idx="0"/>
+    <cs:effectRef idx="0"/>
+    <cs:fontRef idx="minor">
+      <a:schemeClr val="tx1">
+        <a:lumMod val="65000"/>
+        <a:lumOff val="35000"/>
+      </a:schemeClr>
+    </cs:fontRef>
+    <cs:spPr>
+      <a:noFill/>
+      <a:ln w="9525" cap="flat" cmpd="sng" algn="ctr">
+        <a:solidFill>
+          <a:schemeClr val="tx1">
+            <a:lumMod val="15000"/>
+            <a:lumOff val="85000"/>
+          </a:schemeClr>
+        </a:solidFill>
+        <a:round/>
+      </a:ln>
+    </cs:spPr>
+    <cs:defRPr sz="1197" kern="1200"/>
+  </cs:dataTable>
+  <cs:downBar>
+    <cs:lnRef idx="0"/>
+    <cs:fillRef idx="0"/>
+    <cs:effectRef idx="0"/>
+    <cs:fontRef idx="minor">
+      <a:schemeClr val="tx1"/>
+    </cs:fontRef>
+    <cs:spPr>
+      <a:solidFill>
+        <a:schemeClr val="dk1">
+          <a:lumMod val="75000"/>
+          <a:lumOff val="25000"/>
+        </a:schemeClr>
+      </a:solidFill>
+      <a:ln w="9525" cap="flat" cmpd="sng" algn="ctr">
+        <a:solidFill>
+          <a:schemeClr val="tx1">
+            <a:lumMod val="65000"/>
+            <a:lumOff val="35000"/>
+          </a:schemeClr>
+        </a:solidFill>
+        <a:round/>
+      </a:ln>
+    </cs:spPr>
+  </cs:downBar>
+  <cs:dropLine>
+    <cs:lnRef idx="0"/>
+    <cs:fillRef idx="0"/>
+    <cs:effectRef idx="0"/>
+    <cs:fontRef idx="minor">
+      <a:schemeClr val="tx1"/>
+    </cs:fontRef>
+    <cs:spPr>
+      <a:ln w="9525" cap="flat" cmpd="sng" algn="ctr">
+        <a:solidFill>
+          <a:schemeClr val="tx1">
+            <a:lumMod val="35000"/>
+            <a:lumOff val="65000"/>
+          </a:schemeClr>
+        </a:solidFill>
+        <a:round/>
+      </a:ln>
+    </cs:spPr>
+  </cs:dropLine>
+  <cs:errorBar>
+    <cs:lnRef idx="0"/>
+    <cs:fillRef idx="0"/>
+    <cs:effectRef idx="0"/>
+    <cs:fontRef idx="minor">
+      <a:schemeClr val="tx1"/>
+    </cs:fontRef>
+    <cs:spPr>
+      <a:ln w="9525" cap="flat" cmpd="sng" algn="ctr">
+        <a:solidFill>
+          <a:schemeClr val="tx1">
+            <a:lumMod val="65000"/>
+            <a:lumOff val="35000"/>
+          </a:schemeClr>
+        </a:solidFill>
+        <a:round/>
+      </a:ln>
+    </cs:spPr>
+  </cs:errorBar>
+  <cs:floor>
+    <cs:lnRef idx="0"/>
+    <cs:fillRef idx="0"/>
+    <cs:effectRef idx="0"/>
+    <cs:fontRef idx="minor">
+      <a:schemeClr val="tx1"/>
+    </cs:fontRef>
+    <cs:spPr>
+      <a:noFill/>
+      <a:ln>
+        <a:noFill/>
+      </a:ln>
+    </cs:spPr>
+  </cs:floor>
+  <cs:gridlineMajor>
+    <cs:lnRef idx="0"/>
+    <cs:fillRef idx="0"/>
+    <cs:effectRef idx="0"/>
+    <cs:fontRef idx="minor">
+      <a:schemeClr val="tx1"/>
+    </cs:fontRef>
+    <cs:spPr>
+      <a:ln w="9525" cap="flat" cmpd="sng" algn="ctr">
+        <a:solidFill>
+          <a:schemeClr val="tx1">
+            <a:lumMod val="15000"/>
+            <a:lumOff val="85000"/>
+          </a:schemeClr>
+        </a:solidFill>
+        <a:round/>
+      </a:ln>
+    </cs:spPr>
+  </cs:gridlineMajor>
+  <cs:gridlineMinor>
+    <cs:lnRef idx="0"/>
+    <cs:fillRef idx="0"/>
+    <cs:effectRef idx="0"/>
+    <cs:fontRef idx="minor">
+      <a:schemeClr val="tx1"/>
+    </cs:fontRef>
+    <cs:spPr>
+      <a:ln w="9525" cap="flat" cmpd="sng" algn="ctr">
+        <a:solidFill>
+          <a:schemeClr val="tx1">
+            <a:lumMod val="5000"/>
+            <a:lumOff val="95000"/>
+          </a:schemeClr>
+        </a:solidFill>
+        <a:round/>
+      </a:ln>
+    </cs:spPr>
+  </cs:gridlineMinor>
+  <cs:hiLoLine>
+    <cs:lnRef idx="0"/>
+    <cs:fillRef idx="0"/>
+    <cs:effectRef idx="0"/>
+    <cs:fontRef idx="minor">
+      <a:schemeClr val="tx1"/>
+    </cs:fontRef>
+    <cs:spPr>
+      <a:ln w="9525" cap="flat" cmpd="sng" algn="ctr">
+        <a:solidFill>
+          <a:schemeClr val="tx1">
+            <a:lumMod val="50000"/>
+            <a:lumOff val="50000"/>
+          </a:schemeClr>
+        </a:solidFill>
+        <a:round/>
+      </a:ln>
+    </cs:spPr>
+  </cs:hiLoLine>
+  <cs:leaderLine>
+    <cs:lnRef idx="0"/>
+    <cs:fillRef idx="0"/>
+    <cs:effectRef idx="0"/>
+    <cs:fontRef idx="minor">
+      <a:schemeClr val="tx1"/>
+    </cs:fontRef>
+    <cs:spPr>
+      <a:ln w="9525" cap="flat" cmpd="sng" algn="ctr">
+        <a:solidFill>
+          <a:schemeClr val="tx1">
+            <a:lumMod val="35000"/>
+            <a:lumOff val="65000"/>
+          </a:schemeClr>
+        </a:solidFill>
+        <a:round/>
+      </a:ln>
+    </cs:spPr>
+  </cs:leaderLine>
+  <cs:legend>
+    <cs:lnRef idx="0"/>
+    <cs:fillRef idx="0"/>
+    <cs:effectRef idx="0"/>
+    <cs:fontRef idx="minor">
+      <a:schemeClr val="tx1">
+        <a:lumMod val="65000"/>
+        <a:lumOff val="35000"/>
+      </a:schemeClr>
+    </cs:fontRef>
+    <cs:defRPr sz="1197" kern="1200"/>
+  </cs:legend>
+  <cs:plotArea mods="allowNoFillOverride allowNoLineOverride">
+    <cs:lnRef idx="0"/>
+    <cs:fillRef idx="0"/>
+    <cs:effectRef idx="0"/>
+    <cs:fontRef idx="minor">
+      <a:schemeClr val="tx1"/>
+    </cs:fontRef>
+  </cs:plotArea>
+  <cs:plotArea3D mods="allowNoFillOverride allowNoLineOverride">
+    <cs:lnRef idx="0"/>
+    <cs:fillRef idx="0"/>
+    <cs:effectRef idx="0"/>
+    <cs:fontRef idx="minor">
+      <a:schemeClr val="tx1"/>
+    </cs:fontRef>
+  </cs:plotArea3D>
+  <cs:seriesAxis>
+    <cs:lnRef idx="0"/>
+    <cs:fillRef idx="0"/>
+    <cs:effectRef idx="0"/>
+    <cs:fontRef idx="minor">
+      <a:schemeClr val="tx1">
+        <a:lumMod val="65000"/>
+        <a:lumOff val="35000"/>
+      </a:schemeClr>
+    </cs:fontRef>
+    <cs:defRPr sz="1197" kern="1200"/>
+  </cs:seriesAxis>
+  <cs:seriesLine>
+    <cs:lnRef idx="0"/>
+    <cs:fillRef idx="0"/>
+    <cs:effectRef idx="0"/>
+    <cs:fontRef idx="minor">
+      <a:schemeClr val="tx1"/>
+    </cs:fontRef>
+    <cs:spPr>
+      <a:ln w="9525" cap="flat" cmpd="sng" algn="ctr">
+        <a:solidFill>
+          <a:schemeClr val="tx1">
+            <a:lumMod val="35000"/>
+            <a:lumOff val="65000"/>
+          </a:schemeClr>
+        </a:solidFill>
+        <a:round/>
+      </a:ln>
+    </cs:spPr>
+  </cs:seriesLine>
+  <cs:title>
+    <cs:lnRef idx="0"/>
+    <cs:fillRef idx="0"/>
+    <cs:effectRef idx="0"/>
+    <cs:fontRef idx="minor">
+      <a:schemeClr val="tx1">
+        <a:lumMod val="65000"/>
+        <a:lumOff val="35000"/>
+      </a:schemeClr>
+    </cs:fontRef>
+    <cs:defRPr sz="1862" b="0" kern="1200" spc="0" baseline="0"/>
+  </cs:title>
+  <cs:trendline>
+    <cs:lnRef idx="0">
+      <cs:styleClr val="auto"/>
+    </cs:lnRef>
+    <cs:fillRef idx="0"/>
+    <cs:effectRef idx="0"/>
+    <cs:fontRef idx="minor">
+      <a:schemeClr val="tx1"/>
+    </cs:fontRef>
+    <cs:spPr>
+      <a:ln w="19050" cap="rnd">
+        <a:solidFill>
+          <a:schemeClr val="phClr"/>
+        </a:solidFill>
+        <a:prstDash val="sysDot"/>
+      </a:ln>
+    </cs:spPr>
+  </cs:trendline>
+  <cs:trendlineLabel>
+    <cs:lnRef idx="0"/>
+    <cs:fillRef idx="0"/>
+    <cs:effectRef idx="0"/>
+    <cs:fontRef idx="minor">
+      <a:schemeClr val="tx1">
+        <a:lumMod val="65000"/>
+        <a:lumOff val="35000"/>
+      </a:schemeClr>
+    </cs:fontRef>
+    <cs:defRPr sz="1197" kern="1200"/>
+  </cs:trendlineLabel>
+  <cs:upBar>
+    <cs:lnRef idx="0"/>
+    <cs:fillRef idx="0"/>
+    <cs:effectRef idx="0"/>
+    <cs:fontRef idx="minor">
+      <a:schemeClr val="tx1"/>
+    </cs:fontRef>
+    <cs:spPr>
+      <a:solidFill>
+        <a:schemeClr val="lt1"/>
+      </a:solidFill>
+      <a:ln w="9525" cap="flat" cmpd="sng" algn="ctr">
+        <a:solidFill>
+          <a:schemeClr val="tx1">
+            <a:lumMod val="65000"/>
+            <a:lumOff val="35000"/>
+          </a:schemeClr>
+        </a:solidFill>
+        <a:round/>
+      </a:ln>
+    </cs:spPr>
+  </cs:upBar>
+  <cs:valueAxis>
+    <cs:lnRef idx="0"/>
+    <cs:fillRef idx="0"/>
+    <cs:effectRef idx="0"/>
+    <cs:fontRef idx="minor">
+      <a:schemeClr val="tx1">
+        <a:lumMod val="65000"/>
+        <a:lumOff val="35000"/>
+      </a:schemeClr>
+    </cs:fontRef>
+    <cs:defRPr sz="1197" kern="1200"/>
+  </cs:valueAxis>
+  <cs:wall>
+    <cs:lnRef idx="0"/>
+    <cs:fillRef idx="0"/>
+    <cs:effectRef idx="0"/>
+    <cs:fontRef idx="minor">
+      <a:schemeClr val="tx1"/>
+    </cs:fontRef>
+    <cs:spPr>
+      <a:noFill/>
+      <a:ln>
+        <a:noFill/>
+      </a:ln>
+    </cs:spPr>
+  </cs:wall>
+</cs:chartStyle>
+</file>
+
+<file path=ppt/charts/style4.xml><?xml version="1.0" encoding="utf-8"?>
+<cs:chartStyle xmlns:cs="http://schemas.microsoft.com/office/drawing/2012/chartStyle" xmlns:a="http://schemas.openxmlformats.org/drawingml/2006/main" id="216">
+  <cs:axisTitle>
+    <cs:lnRef idx="0"/>
+    <cs:fillRef idx="0"/>
+    <cs:effectRef idx="0"/>
+    <cs:fontRef idx="minor">
+      <a:schemeClr val="tx1">
+        <a:lumMod val="65000"/>
+        <a:lumOff val="35000"/>
+      </a:schemeClr>
+    </cs:fontRef>
+    <cs:defRPr sz="1330" kern="1200"/>
+  </cs:axisTitle>
+  <cs:categoryAxis>
+    <cs:lnRef idx="0"/>
+    <cs:fillRef idx="0"/>
+    <cs:effectRef idx="0"/>
+    <cs:fontRef idx="minor">
+      <a:schemeClr val="tx1">
+        <a:lumMod val="65000"/>
+        <a:lumOff val="35000"/>
+      </a:schemeClr>
+    </cs:fontRef>
+    <cs:spPr>
+      <a:ln w="9525" cap="flat" cmpd="sng" algn="ctr">
+        <a:solidFill>
+          <a:schemeClr val="tx1">
+            <a:lumMod val="15000"/>
+            <a:lumOff val="85000"/>
+          </a:schemeClr>
+        </a:solidFill>
+        <a:round/>
+      </a:ln>
+    </cs:spPr>
+    <cs:defRPr sz="1197" kern="1200"/>
+  </cs:categoryAxis>
+  <cs:chartArea mods="allowNoFillOverride allowNoLineOverride">
+    <cs:lnRef idx="0"/>
+    <cs:fillRef idx="0"/>
+    <cs:effectRef idx="0"/>
+    <cs:fontRef idx="minor">
+      <a:schemeClr val="tx1"/>
+    </cs:fontRef>
+    <cs:spPr>
+      <a:solidFill>
+        <a:schemeClr val="bg1"/>
+      </a:solidFill>
+      <a:ln w="9525" cap="flat" cmpd="sng" algn="ctr">
+        <a:solidFill>
+          <a:schemeClr val="tx1">
+            <a:lumMod val="15000"/>
+            <a:lumOff val="85000"/>
+          </a:schemeClr>
+        </a:solidFill>
+        <a:round/>
+      </a:ln>
+    </cs:spPr>
+    <cs:defRPr sz="1330" kern="1200"/>
+  </cs:chartArea>
+  <cs:dataLabel>
+    <cs:lnRef idx="0"/>
+    <cs:fillRef idx="0"/>
+    <cs:effectRef idx="0"/>
+    <cs:fontRef idx="minor">
+      <a:schemeClr val="tx1">
+        <a:lumMod val="75000"/>
+        <a:lumOff val="25000"/>
+      </a:schemeClr>
+    </cs:fontRef>
+    <cs:defRPr sz="1197" kern="1200"/>
+  </cs:dataLabel>
+  <cs:dataLabelCallout>
+    <cs:lnRef idx="0"/>
+    <cs:fillRef idx="0"/>
+    <cs:effectRef idx="0"/>
+    <cs:fontRef idx="minor">
+      <a:schemeClr val="dk1">
+        <a:lumMod val="65000"/>
+        <a:lumOff val="35000"/>
+      </a:schemeClr>
+    </cs:fontRef>
+    <cs:spPr>
+      <a:solidFill>
+        <a:schemeClr val="lt1"/>
+      </a:solidFill>
+      <a:ln>
+        <a:solidFill>
+          <a:schemeClr val="dk1">
+            <a:lumMod val="25000"/>
+            <a:lumOff val="75000"/>
+          </a:schemeClr>
+        </a:solidFill>
+      </a:ln>
+    </cs:spPr>
+    <cs:defRPr sz="1197" kern="1200"/>
+    <cs:bodyPr rot="0" spcFirstLastPara="1" vertOverflow="clip" horzOverflow="clip" vert="horz" wrap="square" lIns="36576" tIns="18288" rIns="36576" bIns="18288" anchor="ctr" anchorCtr="1">
+      <a:spAutoFit/>
+    </cs:bodyPr>
+  </cs:dataLabelCallout>
+  <cs:dataPoint>
+    <cs:lnRef idx="0"/>
+    <cs:fillRef idx="1">
+      <cs:styleClr val="auto"/>
+    </cs:fillRef>
+    <cs:effectRef idx="0"/>
+    <cs:fontRef idx="minor">
+      <a:schemeClr val="tx1"/>
+    </cs:fontRef>
+  </cs:dataPoint>
+  <cs:dataPoint3D>
+    <cs:lnRef idx="0"/>
+    <cs:fillRef idx="1">
+      <cs:styleClr val="auto"/>
+    </cs:fillRef>
+    <cs:effectRef idx="0"/>
+    <cs:fontRef idx="minor">
+      <a:schemeClr val="tx1"/>
+    </cs:fontRef>
+  </cs:dataPoint3D>
+  <cs:dataPointLine>
+    <cs:lnRef idx="0">
+      <cs:styleClr val="auto"/>
+    </cs:lnRef>
+    <cs:fillRef idx="1"/>
+    <cs:effectRef idx="0"/>
+    <cs:fontRef idx="minor">
+      <a:schemeClr val="tx1"/>
+    </cs:fontRef>
+    <cs:spPr>
+      <a:ln w="28575" cap="rnd">
+        <a:solidFill>
+          <a:schemeClr val="phClr"/>
+        </a:solidFill>
+        <a:round/>
+      </a:ln>
+    </cs:spPr>
+  </cs:dataPointLine>
+  <cs:dataPointMarker>
+    <cs:lnRef idx="0">
+      <cs:styleClr val="auto"/>
+    </cs:lnRef>
+    <cs:fillRef idx="1">
+      <cs:styleClr val="auto"/>
+    </cs:fillRef>
+    <cs:effectRef idx="0"/>
+    <cs:fontRef idx="minor">
+      <a:schemeClr val="tx1"/>
+    </cs:fontRef>
+    <cs:spPr>
+      <a:ln w="9525">
+        <a:solidFill>
+          <a:schemeClr val="phClr"/>
+        </a:solidFill>
+      </a:ln>
+    </cs:spPr>
+  </cs:dataPointMarker>
+  <cs:dataPointMarkerLayout symbol="circle" size="5"/>
+  <cs:dataPointWireframe>
+    <cs:lnRef idx="0">
+      <cs:styleClr val="auto"/>
+    </cs:lnRef>
+    <cs:fillRef idx="1"/>
+    <cs:effectRef idx="0"/>
+    <cs:fontRef idx="minor">
+      <a:schemeClr val="tx1"/>
+    </cs:fontRef>
+    <cs:spPr>
+      <a:ln w="9525" cap="rnd">
+        <a:solidFill>
+          <a:schemeClr val="phClr"/>
+        </a:solidFill>
+        <a:round/>
+      </a:ln>
+    </cs:spPr>
+  </cs:dataPointWireframe>
+  <cs:dataTable>
+    <cs:lnRef idx="0"/>
+    <cs:fillRef idx="0"/>
+    <cs:effectRef idx="0"/>
+    <cs:fontRef idx="minor">
+      <a:schemeClr val="tx1">
+        <a:lumMod val="65000"/>
+        <a:lumOff val="35000"/>
+      </a:schemeClr>
+    </cs:fontRef>
+    <cs:spPr>
+      <a:noFill/>
+      <a:ln w="9525" cap="flat" cmpd="sng" algn="ctr">
+        <a:solidFill>
+          <a:schemeClr val="tx1">
+            <a:lumMod val="15000"/>
+            <a:lumOff val="85000"/>
+          </a:schemeClr>
+        </a:solidFill>
+        <a:round/>
+      </a:ln>
+    </cs:spPr>
+    <cs:defRPr sz="1197" kern="1200"/>
+  </cs:dataTable>
+  <cs:downBar>
+    <cs:lnRef idx="0"/>
+    <cs:fillRef idx="0"/>
+    <cs:effectRef idx="0"/>
+    <cs:fontRef idx="minor">
+      <a:schemeClr val="tx1"/>
+    </cs:fontRef>
+    <cs:spPr>
+      <a:solidFill>
+        <a:schemeClr val="dk1">
+          <a:lumMod val="75000"/>
+          <a:lumOff val="25000"/>
+        </a:schemeClr>
+      </a:solidFill>
+      <a:ln w="9525" cap="flat" cmpd="sng" algn="ctr">
+        <a:solidFill>
+          <a:schemeClr val="tx1">
+            <a:lumMod val="65000"/>
+            <a:lumOff val="35000"/>
+          </a:schemeClr>
+        </a:solidFill>
+        <a:round/>
+      </a:ln>
+    </cs:spPr>
+  </cs:downBar>
+  <cs:dropLine>
+    <cs:lnRef idx="0"/>
+    <cs:fillRef idx="0"/>
+    <cs:effectRef idx="0"/>
+    <cs:fontRef idx="minor">
+      <a:schemeClr val="tx1"/>
+    </cs:fontRef>
+    <cs:spPr>
+      <a:ln w="9525" cap="flat" cmpd="sng" algn="ctr">
+        <a:solidFill>
+          <a:schemeClr val="tx1">
+            <a:lumMod val="35000"/>
+            <a:lumOff val="65000"/>
+          </a:schemeClr>
+        </a:solidFill>
+        <a:round/>
+      </a:ln>
+    </cs:spPr>
+  </cs:dropLine>
+  <cs:errorBar>
+    <cs:lnRef idx="0"/>
+    <cs:fillRef idx="0"/>
+    <cs:effectRef idx="0"/>
+    <cs:fontRef idx="minor">
+      <a:schemeClr val="tx1"/>
+    </cs:fontRef>
+    <cs:spPr>
+      <a:ln w="9525" cap="flat" cmpd="sng" algn="ctr">
+        <a:solidFill>
+          <a:schemeClr val="tx1">
+            <a:lumMod val="65000"/>
+            <a:lumOff val="35000"/>
+          </a:schemeClr>
+        </a:solidFill>
+        <a:round/>
+      </a:ln>
+    </cs:spPr>
+  </cs:errorBar>
+  <cs:floor>
+    <cs:lnRef idx="0"/>
+    <cs:fillRef idx="0"/>
+    <cs:effectRef idx="0"/>
+    <cs:fontRef idx="minor">
+      <a:schemeClr val="tx1"/>
+    </cs:fontRef>
+    <cs:spPr>
+      <a:noFill/>
+      <a:ln>
+        <a:noFill/>
+      </a:ln>
+    </cs:spPr>
+  </cs:floor>
+  <cs:gridlineMajor>
+    <cs:lnRef idx="0"/>
+    <cs:fillRef idx="0"/>
+    <cs:effectRef idx="0"/>
+    <cs:fontRef idx="minor">
+      <a:schemeClr val="tx1"/>
+    </cs:fontRef>
+    <cs:spPr>
+      <a:ln w="9525" cap="flat" cmpd="sng" algn="ctr">
+        <a:solidFill>
+          <a:schemeClr val="tx1">
+            <a:lumMod val="15000"/>
+            <a:lumOff val="85000"/>
+          </a:schemeClr>
+        </a:solidFill>
+        <a:round/>
+      </a:ln>
+    </cs:spPr>
+  </cs:gridlineMajor>
+  <cs:gridlineMinor>
+    <cs:lnRef idx="0"/>
+    <cs:fillRef idx="0"/>
+    <cs:effectRef idx="0"/>
+    <cs:fontRef idx="minor">
+      <a:schemeClr val="tx1"/>
+    </cs:fontRef>
+    <cs:spPr>
+      <a:ln w="9525" cap="flat" cmpd="sng" algn="ctr">
+        <a:solidFill>
+          <a:schemeClr val="tx1">
+            <a:lumMod val="5000"/>
+            <a:lumOff val="95000"/>
+          </a:schemeClr>
+        </a:solidFill>
+        <a:round/>
+      </a:ln>
+    </cs:spPr>
+  </cs:gridlineMinor>
+  <cs:hiLoLine>
+    <cs:lnRef idx="0"/>
+    <cs:fillRef idx="0"/>
+    <cs:effectRef idx="0"/>
+    <cs:fontRef idx="minor">
+      <a:schemeClr val="tx1"/>
+    </cs:fontRef>
+    <cs:spPr>
+      <a:ln w="9525" cap="flat" cmpd="sng" algn="ctr">
+        <a:solidFill>
+          <a:schemeClr val="tx1">
+            <a:lumMod val="50000"/>
+            <a:lumOff val="50000"/>
+          </a:schemeClr>
+        </a:solidFill>
+        <a:round/>
+      </a:ln>
+    </cs:spPr>
+  </cs:hiLoLine>
+  <cs:leaderLine>
+    <cs:lnRef idx="0"/>
+    <cs:fillRef idx="0"/>
+    <cs:effectRef idx="0"/>
+    <cs:fontRef idx="minor">
+      <a:schemeClr val="tx1"/>
+    </cs:fontRef>
+    <cs:spPr>
+      <a:ln w="9525" cap="flat" cmpd="sng" algn="ctr">
+        <a:solidFill>
+          <a:schemeClr val="tx1">
+            <a:lumMod val="35000"/>
+            <a:lumOff val="65000"/>
+          </a:schemeClr>
+        </a:solidFill>
+        <a:round/>
+      </a:ln>
+    </cs:spPr>
+  </cs:leaderLine>
+  <cs:legend>
+    <cs:lnRef idx="0"/>
+    <cs:fillRef idx="0"/>
+    <cs:effectRef idx="0"/>
+    <cs:fontRef idx="minor">
+      <a:schemeClr val="tx1">
+        <a:lumMod val="65000"/>
+        <a:lumOff val="35000"/>
+      </a:schemeClr>
+    </cs:fontRef>
+    <cs:defRPr sz="1197" kern="1200"/>
+  </cs:legend>
+  <cs:plotArea mods="allowNoFillOverride allowNoLineOverride">
+    <cs:lnRef idx="0"/>
+    <cs:fillRef idx="0"/>
+    <cs:effectRef idx="0"/>
+    <cs:fontRef idx="minor">
+      <a:schemeClr val="tx1"/>
+    </cs:fontRef>
+  </cs:plotArea>
+  <cs:plotArea3D mods="allowNoFillOverride allowNoLineOverride">
+    <cs:lnRef idx="0"/>
+    <cs:fillRef idx="0"/>
+    <cs:effectRef idx="0"/>
+    <cs:fontRef idx="minor">
+      <a:schemeClr val="tx1"/>
+    </cs:fontRef>
+  </cs:plotArea3D>
+  <cs:seriesAxis>
+    <cs:lnRef idx="0"/>
+    <cs:fillRef idx="0"/>
+    <cs:effectRef idx="0"/>
+    <cs:fontRef idx="minor">
+      <a:schemeClr val="tx1">
+        <a:lumMod val="65000"/>
+        <a:lumOff val="35000"/>
+      </a:schemeClr>
+    </cs:fontRef>
+    <cs:defRPr sz="1197" kern="1200"/>
+  </cs:seriesAxis>
+  <cs:seriesLine>
+    <cs:lnRef idx="0"/>
+    <cs:fillRef idx="0"/>
+    <cs:effectRef idx="0"/>
+    <cs:fontRef idx="minor">
+      <a:schemeClr val="tx1"/>
+    </cs:fontRef>
+    <cs:spPr>
+      <a:ln w="9525" cap="flat" cmpd="sng" algn="ctr">
+        <a:solidFill>
+          <a:schemeClr val="tx1">
+            <a:lumMod val="35000"/>
+            <a:lumOff val="65000"/>
+          </a:schemeClr>
+        </a:solidFill>
+        <a:round/>
+      </a:ln>
+    </cs:spPr>
+  </cs:seriesLine>
+  <cs:title>
+    <cs:lnRef idx="0"/>
+    <cs:fillRef idx="0"/>
+    <cs:effectRef idx="0"/>
+    <cs:fontRef idx="minor">
+      <a:schemeClr val="tx1">
+        <a:lumMod val="65000"/>
+        <a:lumOff val="35000"/>
+      </a:schemeClr>
+    </cs:fontRef>
+    <cs:defRPr sz="1862" b="0" kern="1200" spc="0" baseline="0"/>
+  </cs:title>
+  <cs:trendline>
+    <cs:lnRef idx="0">
+      <cs:styleClr val="auto"/>
+    </cs:lnRef>
+    <cs:fillRef idx="0"/>
+    <cs:effectRef idx="0"/>
+    <cs:fontRef idx="minor">
+      <a:schemeClr val="tx1"/>
+    </cs:fontRef>
+    <cs:spPr>
+      <a:ln w="19050" cap="rnd">
+        <a:solidFill>
+          <a:schemeClr val="phClr"/>
+        </a:solidFill>
+        <a:prstDash val="sysDot"/>
+      </a:ln>
+    </cs:spPr>
+  </cs:trendline>
+  <cs:trendlineLabel>
+    <cs:lnRef idx="0"/>
+    <cs:fillRef idx="0"/>
+    <cs:effectRef idx="0"/>
+    <cs:fontRef idx="minor">
+      <a:schemeClr val="tx1">
+        <a:lumMod val="65000"/>
+        <a:lumOff val="35000"/>
+      </a:schemeClr>
+    </cs:fontRef>
+    <cs:defRPr sz="1197" kern="1200"/>
+  </cs:trendlineLabel>
+  <cs:upBar>
+    <cs:lnRef idx="0"/>
+    <cs:fillRef idx="0"/>
+    <cs:effectRef idx="0"/>
+    <cs:fontRef idx="minor">
+      <a:schemeClr val="tx1"/>
+    </cs:fontRef>
+    <cs:spPr>
+      <a:solidFill>
+        <a:schemeClr val="lt1"/>
+      </a:solidFill>
+      <a:ln w="9525" cap="flat" cmpd="sng" algn="ctr">
+        <a:solidFill>
+          <a:schemeClr val="tx1">
+            <a:lumMod val="65000"/>
+            <a:lumOff val="35000"/>
+          </a:schemeClr>
+        </a:solidFill>
+        <a:round/>
+      </a:ln>
+    </cs:spPr>
+  </cs:upBar>
+  <cs:valueAxis>
+    <cs:lnRef idx="0"/>
+    <cs:fillRef idx="0"/>
+    <cs:effectRef idx="0"/>
+    <cs:fontRef idx="minor">
+      <a:schemeClr val="tx1">
+        <a:lumMod val="65000"/>
+        <a:lumOff val="35000"/>
+      </a:schemeClr>
+    </cs:fontRef>
+    <cs:defRPr sz="1197" kern="1200"/>
+  </cs:valueAxis>
+  <cs:wall>
+    <cs:lnRef idx="0"/>
+    <cs:fillRef idx="0"/>
+    <cs:effectRef idx="0"/>
+    <cs:fontRef idx="minor">
+      <a:schemeClr val="tx1"/>
+    </cs:fontRef>
+    <cs:spPr>
+      <a:noFill/>
+      <a:ln>
+        <a:noFill/>
+      </a:ln>
+    </cs:spPr>
+  </cs:wall>
+</cs:chartStyle>
+</file>
+
 <file path=ppt/notesMasters/notesMaster1.xml><?xml version="1.0" encoding="utf-8"?>
 <p:notesMaster xmlns:a="http://schemas.openxmlformats.org/drawingml/2006/main" xmlns:r="http://schemas.openxmlformats.org/officeDocument/2006/relationships" xmlns:p="http://schemas.openxmlformats.org/presentationml/2006/main">
   <p:cSld>
@@ -228,7 +3697,7 @@
           <a:p>
             <a:fld id="{4480B298-1E06-4EE3-8170-9F4B9B89F8B2}" type="datetimeFigureOut">
               <a:rPr lang="en-US" smtClean="0"/>
-              <a:t>8/29/2025</a:t>
+              <a:t>8/29/25</a:t>
             </a:fld>
             <a:endParaRPr lang="en-US"/>
           </a:p>
@@ -539,91 +4008,6 @@
           <a:bodyPr/>
           <a:lstStyle/>
           <a:p>
-            <a:pPr marL="0" marR="0" lvl="0" indent="0" algn="l" defTabSz="914400" rtl="0" eaLnBrk="0" fontAlgn="base" latinLnBrk="0" hangingPunct="0">
-              <a:lnSpc>
-                <a:spcPct val="100000"/>
-              </a:lnSpc>
-              <a:spcBef>
-                <a:spcPct val="0"/>
-              </a:spcBef>
-              <a:spcAft>
-                <a:spcPct val="0"/>
-              </a:spcAft>
-              <a:buClrTx/>
-              <a:buSzTx/>
-              <a:buFontTx/>
-              <a:buChar char="•"/>
-              <a:tabLst/>
-            </a:pPr>
-            <a:r>
-              <a:rPr kumimoji="0" lang="en-US" altLang="en-US" sz="1200" b="0" i="0" u="none" strike="noStrike" cap="none" normalizeH="0" baseline="0" dirty="0">
-                <a:ln>
-                  <a:noFill/>
-                </a:ln>
-                <a:solidFill>
-                  <a:schemeClr val="tx1"/>
-                </a:solidFill>
-                <a:effectLst/>
-                <a:latin typeface="Arial" panose="020B0604020202020204" pitchFamily="34" charset="0"/>
-              </a:rPr>
-              <a:t>Surrogate keys improve </a:t>
-            </a:r>
-            <a:r>
-              <a:rPr kumimoji="0" lang="en-US" altLang="en-US" sz="1200" b="1" i="0" u="none" strike="noStrike" cap="none" normalizeH="0" baseline="0" dirty="0">
-                <a:ln>
-                  <a:noFill/>
-                </a:ln>
-                <a:solidFill>
-                  <a:schemeClr val="tx1"/>
-                </a:solidFill>
-                <a:effectLst/>
-                <a:latin typeface="Arial" panose="020B0604020202020204" pitchFamily="34" charset="0"/>
-              </a:rPr>
-              <a:t>performance &amp; maintainability</a:t>
-            </a:r>
-            <a:endParaRPr kumimoji="0" lang="en-US" altLang="en-US" sz="1200" b="0" i="0" u="none" strike="noStrike" cap="none" normalizeH="0" baseline="0" dirty="0">
-              <a:ln>
-                <a:noFill/>
-              </a:ln>
-              <a:solidFill>
-                <a:schemeClr val="tx1"/>
-              </a:solidFill>
-              <a:effectLst/>
-              <a:latin typeface="Arial" panose="020B0604020202020204" pitchFamily="34" charset="0"/>
-            </a:endParaRPr>
-          </a:p>
-          <a:p>
-            <a:pPr marL="0" marR="0" lvl="0" indent="0" algn="l" defTabSz="914400" rtl="0" eaLnBrk="0" fontAlgn="base" latinLnBrk="0" hangingPunct="0">
-              <a:lnSpc>
-                <a:spcPct val="100000"/>
-              </a:lnSpc>
-              <a:spcBef>
-                <a:spcPct val="0"/>
-              </a:spcBef>
-              <a:spcAft>
-                <a:spcPct val="0"/>
-              </a:spcAft>
-              <a:buClrTx/>
-              <a:buSzTx/>
-              <a:buFontTx/>
-              <a:buChar char="•"/>
-              <a:tabLst/>
-            </a:pPr>
-            <a:r>
-              <a:rPr kumimoji="0" lang="en-US" altLang="en-US" sz="1200" b="0" i="0" u="none" strike="noStrike" cap="none" normalizeH="0" baseline="0" dirty="0">
-                <a:ln>
-                  <a:noFill/>
-                </a:ln>
-                <a:solidFill>
-                  <a:schemeClr val="tx1"/>
-                </a:solidFill>
-                <a:effectLst/>
-                <a:latin typeface="Arial" panose="020B0604020202020204" pitchFamily="34" charset="0"/>
-              </a:rPr>
-              <a:t>Recommended schema for production data warehouses</a:t>
-            </a:r>
-          </a:p>
-          <a:p>
             <a:endParaRPr lang="en-US" dirty="0"/>
           </a:p>
         </p:txBody>
@@ -645,7 +4029,7 @@
           <a:p>
             <a:fld id="{226C2FD5-E0A6-4AC4-90A9-C0740E15E1E2}" type="slidenum">
               <a:rPr lang="en-US" smtClean="0"/>
-              <a:t>9</a:t>
+              <a:t>1</a:t>
             </a:fld>
             <a:endParaRPr lang="en-US"/>
           </a:p>
@@ -654,7 +4038,7 @@
     </p:spTree>
     <p:extLst>
       <p:ext uri="{BB962C8B-B14F-4D97-AF65-F5344CB8AC3E}">
-        <p14:creationId xmlns:p14="http://schemas.microsoft.com/office/powerpoint/2010/main" val="3455678063"/>
+        <p14:creationId xmlns:p14="http://schemas.microsoft.com/office/powerpoint/2010/main" val="982389680"/>
       </p:ext>
     </p:extLst>
   </p:cSld>
@@ -708,46 +4092,88 @@
           <a:bodyPr/>
           <a:lstStyle/>
           <a:p>
-            <a:pPr marL="0" marR="0" lvl="0" indent="0" fontAlgn="base">
+            <a:pPr marL="0" marR="0" lvl="0" indent="0" algn="l" defTabSz="914400" rtl="0" eaLnBrk="0" fontAlgn="base" latinLnBrk="0" hangingPunct="0">
               <a:lnSpc>
-                <a:spcPct val="140000"/>
+                <a:spcPct val="100000"/>
               </a:lnSpc>
-              <a:buNone/>
+              <a:spcBef>
+                <a:spcPct val="0"/>
+              </a:spcBef>
+              <a:spcAft>
+                <a:spcPct val="0"/>
+              </a:spcAft>
+              <a:buClrTx/>
+              <a:buSzTx/>
+              <a:buFontTx/>
+              <a:buChar char="•"/>
               <a:tabLst/>
             </a:pPr>
             <a:r>
-              <a:rPr lang="en-US" altLang="en-US" sz="1700" b="1" dirty="0"/>
-              <a:t>1.⁠ </a:t>
-            </a:r>
-            <a:r>
-              <a:rPr lang="en-US" altLang="en-US" sz="1200" b="1" dirty="0"/>
-              <a:t>⁠Replicating EDA on the other 2 RDBMS engines ( MySQL and SQL Server)</a:t>
-            </a:r>
-          </a:p>
-          <a:p>
-            <a:pPr marL="0" marR="0" lvl="0" indent="0" fontAlgn="base">
+              <a:rPr kumimoji="0" lang="en-US" altLang="en-US" sz="1200" b="0" i="0" u="none" strike="noStrike" cap="none" normalizeH="0" baseline="0" dirty="0">
+                <a:ln>
+                  <a:noFill/>
+                </a:ln>
+                <a:solidFill>
+                  <a:schemeClr val="tx1"/>
+                </a:solidFill>
+                <a:effectLst/>
+                <a:latin typeface="Arial" panose="020B0604020202020204" pitchFamily="34" charset="0"/>
+              </a:rPr>
+              <a:t>Surrogate keys improve </a:t>
+            </a:r>
+            <a:r>
+              <a:rPr kumimoji="0" lang="en-US" altLang="en-US" sz="1200" b="1" i="0" u="none" strike="noStrike" cap="none" normalizeH="0" baseline="0" dirty="0">
+                <a:ln>
+                  <a:noFill/>
+                </a:ln>
+                <a:solidFill>
+                  <a:schemeClr val="tx1"/>
+                </a:solidFill>
+                <a:effectLst/>
+                <a:latin typeface="Arial" panose="020B0604020202020204" pitchFamily="34" charset="0"/>
+              </a:rPr>
+              <a:t>performance &amp; maintainability</a:t>
+            </a:r>
+            <a:endParaRPr kumimoji="0" lang="en-US" altLang="en-US" sz="1200" b="0" i="0" u="none" strike="noStrike" cap="none" normalizeH="0" baseline="0" dirty="0">
+              <a:ln>
+                <a:noFill/>
+              </a:ln>
+              <a:solidFill>
+                <a:schemeClr val="tx1"/>
+              </a:solidFill>
+              <a:effectLst/>
+              <a:latin typeface="Arial" panose="020B0604020202020204" pitchFamily="34" charset="0"/>
+            </a:endParaRPr>
+          </a:p>
+          <a:p>
+            <a:pPr marL="0" marR="0" lvl="0" indent="0" algn="l" defTabSz="914400" rtl="0" eaLnBrk="0" fontAlgn="base" latinLnBrk="0" hangingPunct="0">
               <a:lnSpc>
-                <a:spcPct val="140000"/>
+                <a:spcPct val="100000"/>
               </a:lnSpc>
-              <a:buNone/>
+              <a:spcBef>
+                <a:spcPct val="0"/>
+              </a:spcBef>
+              <a:spcAft>
+                <a:spcPct val="0"/>
+              </a:spcAft>
+              <a:buClrTx/>
+              <a:buSzTx/>
+              <a:buFontTx/>
+              <a:buChar char="•"/>
               <a:tabLst/>
             </a:pPr>
             <a:r>
-              <a:rPr lang="en-US" altLang="en-US" sz="1200" b="1" dirty="0"/>
-              <a:t>2.⁠ ⁠Benchmarking diff tools</a:t>
-            </a:r>
-          </a:p>
-          <a:p>
-            <a:pPr marL="0" marR="0" lvl="0" indent="0" fontAlgn="base">
-              <a:lnSpc>
-                <a:spcPct val="140000"/>
-              </a:lnSpc>
-              <a:buNone/>
-              <a:tabLst/>
-            </a:pPr>
-            <a:r>
-              <a:rPr lang="en-US" altLang="en-US" sz="1200" b="1" dirty="0"/>
-              <a:t>3.⁠ ⁠Benchmarking  -Surrogate Key Vs Composite keys</a:t>
+              <a:rPr kumimoji="0" lang="en-US" altLang="en-US" sz="1200" b="0" i="0" u="none" strike="noStrike" cap="none" normalizeH="0" baseline="0" dirty="0">
+                <a:ln>
+                  <a:noFill/>
+                </a:ln>
+                <a:solidFill>
+                  <a:schemeClr val="tx1"/>
+                </a:solidFill>
+                <a:effectLst/>
+                <a:latin typeface="Arial" panose="020B0604020202020204" pitchFamily="34" charset="0"/>
+              </a:rPr>
+              <a:t>Recommended schema for production data warehouses</a:t>
             </a:r>
           </a:p>
           <a:p>
@@ -772,7 +4198,411 @@
           <a:p>
             <a:fld id="{226C2FD5-E0A6-4AC4-90A9-C0740E15E1E2}" type="slidenum">
               <a:rPr lang="en-US" smtClean="0"/>
-              <a:t>30</a:t>
+              <a:t>10</a:t>
+            </a:fld>
+            <a:endParaRPr lang="en-US"/>
+          </a:p>
+        </p:txBody>
+      </p:sp>
+    </p:spTree>
+    <p:extLst>
+      <p:ext uri="{BB962C8B-B14F-4D97-AF65-F5344CB8AC3E}">
+        <p14:creationId xmlns:p14="http://schemas.microsoft.com/office/powerpoint/2010/main" val="3455678063"/>
+      </p:ext>
+    </p:extLst>
+  </p:cSld>
+  <p:clrMapOvr>
+    <a:masterClrMapping/>
+  </p:clrMapOvr>
+</p:notes>
+</file>
+
+<file path=ppt/notesSlides/notesSlide3.xml><?xml version="1.0" encoding="utf-8"?>
+<p:notes xmlns:a="http://schemas.openxmlformats.org/drawingml/2006/main" xmlns:r="http://schemas.openxmlformats.org/officeDocument/2006/relationships" xmlns:p="http://schemas.openxmlformats.org/presentationml/2006/main">
+  <p:cSld>
+    <p:spTree>
+      <p:nvGrpSpPr>
+        <p:cNvPr id="1" name="">
+          <a:extLst>
+            <a:ext uri="{FF2B5EF4-FFF2-40B4-BE49-F238E27FC236}">
+              <a16:creationId xmlns:a16="http://schemas.microsoft.com/office/drawing/2014/main" id="{883373B9-77CA-7041-F589-996E42B093A6}"/>
+            </a:ext>
+          </a:extLst>
+        </p:cNvPr>
+        <p:cNvGrpSpPr/>
+        <p:nvPr/>
+      </p:nvGrpSpPr>
+      <p:grpSpPr>
+        <a:xfrm>
+          <a:off x="0" y="0"/>
+          <a:ext cx="0" cy="0"/>
+          <a:chOff x="0" y="0"/>
+          <a:chExt cx="0" cy="0"/>
+        </a:xfrm>
+      </p:grpSpPr>
+      <p:sp>
+        <p:nvSpPr>
+          <p:cNvPr id="2" name="Slide Image Placeholder 1">
+            <a:extLst>
+              <a:ext uri="{FF2B5EF4-FFF2-40B4-BE49-F238E27FC236}">
+                <a16:creationId xmlns:a16="http://schemas.microsoft.com/office/drawing/2014/main" id="{9D311DA3-8F9C-2E28-59D8-CAC217250488}"/>
+              </a:ext>
+            </a:extLst>
+          </p:cNvPr>
+          <p:cNvSpPr>
+            <a:spLocks noGrp="1" noRot="1" noChangeAspect="1"/>
+          </p:cNvSpPr>
+          <p:nvPr>
+            <p:ph type="sldImg"/>
+          </p:nvPr>
+        </p:nvSpPr>
+        <p:spPr/>
+      </p:sp>
+      <p:sp>
+        <p:nvSpPr>
+          <p:cNvPr id="3" name="Notes Placeholder 2">
+            <a:extLst>
+              <a:ext uri="{FF2B5EF4-FFF2-40B4-BE49-F238E27FC236}">
+                <a16:creationId xmlns:a16="http://schemas.microsoft.com/office/drawing/2014/main" id="{6AC49C2A-8BB9-B34E-3999-EC67766568E0}"/>
+              </a:ext>
+            </a:extLst>
+          </p:cNvPr>
+          <p:cNvSpPr>
+            <a:spLocks noGrp="1"/>
+          </p:cNvSpPr>
+          <p:nvPr>
+            <p:ph type="body" idx="1"/>
+          </p:nvPr>
+        </p:nvSpPr>
+        <p:spPr/>
+        <p:txBody>
+          <a:bodyPr/>
+          <a:lstStyle/>
+          <a:p>
+            <a:pPr marL="0" marR="0" lvl="0" indent="0" algn="l" defTabSz="914400" rtl="0" eaLnBrk="0" fontAlgn="base" latinLnBrk="0" hangingPunct="0">
+              <a:lnSpc>
+                <a:spcPct val="100000"/>
+              </a:lnSpc>
+              <a:spcBef>
+                <a:spcPct val="0"/>
+              </a:spcBef>
+              <a:spcAft>
+                <a:spcPct val="0"/>
+              </a:spcAft>
+              <a:buClrTx/>
+              <a:buSzTx/>
+              <a:buFontTx/>
+              <a:buChar char="•"/>
+              <a:tabLst/>
+            </a:pPr>
+            <a:r>
+              <a:rPr kumimoji="0" lang="en-US" altLang="en-US" sz="1200" b="0" i="0" u="none" strike="noStrike" cap="none" normalizeH="0" baseline="0" dirty="0">
+                <a:ln>
+                  <a:noFill/>
+                </a:ln>
+                <a:solidFill>
+                  <a:schemeClr val="tx1"/>
+                </a:solidFill>
+                <a:effectLst/>
+                <a:latin typeface="Arial" panose="020B0604020202020204" pitchFamily="34" charset="0"/>
+              </a:rPr>
+              <a:t>Surrogate keys improve </a:t>
+            </a:r>
+            <a:r>
+              <a:rPr kumimoji="0" lang="en-US" altLang="en-US" sz="1200" b="1" i="0" u="none" strike="noStrike" cap="none" normalizeH="0" baseline="0" dirty="0">
+                <a:ln>
+                  <a:noFill/>
+                </a:ln>
+                <a:solidFill>
+                  <a:schemeClr val="tx1"/>
+                </a:solidFill>
+                <a:effectLst/>
+                <a:latin typeface="Arial" panose="020B0604020202020204" pitchFamily="34" charset="0"/>
+              </a:rPr>
+              <a:t>performance &amp; maintainability</a:t>
+            </a:r>
+            <a:endParaRPr kumimoji="0" lang="en-US" altLang="en-US" sz="1200" b="0" i="0" u="none" strike="noStrike" cap="none" normalizeH="0" baseline="0" dirty="0">
+              <a:ln>
+                <a:noFill/>
+              </a:ln>
+              <a:solidFill>
+                <a:schemeClr val="tx1"/>
+              </a:solidFill>
+              <a:effectLst/>
+              <a:latin typeface="Arial" panose="020B0604020202020204" pitchFamily="34" charset="0"/>
+            </a:endParaRPr>
+          </a:p>
+          <a:p>
+            <a:pPr marL="0" marR="0" lvl="0" indent="0" algn="l" defTabSz="914400" rtl="0" eaLnBrk="0" fontAlgn="base" latinLnBrk="0" hangingPunct="0">
+              <a:lnSpc>
+                <a:spcPct val="100000"/>
+              </a:lnSpc>
+              <a:spcBef>
+                <a:spcPct val="0"/>
+              </a:spcBef>
+              <a:spcAft>
+                <a:spcPct val="0"/>
+              </a:spcAft>
+              <a:buClrTx/>
+              <a:buSzTx/>
+              <a:buFontTx/>
+              <a:buChar char="•"/>
+              <a:tabLst/>
+            </a:pPr>
+            <a:r>
+              <a:rPr kumimoji="0" lang="en-US" altLang="en-US" sz="1200" b="0" i="0" u="none" strike="noStrike" cap="none" normalizeH="0" baseline="0" dirty="0">
+                <a:ln>
+                  <a:noFill/>
+                </a:ln>
+                <a:solidFill>
+                  <a:schemeClr val="tx1"/>
+                </a:solidFill>
+                <a:effectLst/>
+                <a:latin typeface="Arial" panose="020B0604020202020204" pitchFamily="34" charset="0"/>
+              </a:rPr>
+              <a:t>Recommended schema for production data warehouses</a:t>
+            </a:r>
+          </a:p>
+          <a:p>
+            <a:endParaRPr lang="en-US" dirty="0"/>
+          </a:p>
+        </p:txBody>
+      </p:sp>
+      <p:sp>
+        <p:nvSpPr>
+          <p:cNvPr id="4" name="Slide Number Placeholder 3">
+            <a:extLst>
+              <a:ext uri="{FF2B5EF4-FFF2-40B4-BE49-F238E27FC236}">
+                <a16:creationId xmlns:a16="http://schemas.microsoft.com/office/drawing/2014/main" id="{9221D9E7-0E32-984A-6DFB-E388664718CA}"/>
+              </a:ext>
+            </a:extLst>
+          </p:cNvPr>
+          <p:cNvSpPr>
+            <a:spLocks noGrp="1"/>
+          </p:cNvSpPr>
+          <p:nvPr>
+            <p:ph type="sldNum" sz="quarter" idx="5"/>
+          </p:nvPr>
+        </p:nvSpPr>
+        <p:spPr/>
+        <p:txBody>
+          <a:bodyPr/>
+          <a:lstStyle/>
+          <a:p>
+            <a:fld id="{226C2FD5-E0A6-4AC4-90A9-C0740E15E1E2}" type="slidenum">
+              <a:rPr lang="en-US" smtClean="0"/>
+              <a:t>11</a:t>
+            </a:fld>
+            <a:endParaRPr lang="en-US"/>
+          </a:p>
+        </p:txBody>
+      </p:sp>
+    </p:spTree>
+    <p:extLst>
+      <p:ext uri="{BB962C8B-B14F-4D97-AF65-F5344CB8AC3E}">
+        <p14:creationId xmlns:p14="http://schemas.microsoft.com/office/powerpoint/2010/main" val="3790049740"/>
+      </p:ext>
+    </p:extLst>
+  </p:cSld>
+  <p:clrMapOvr>
+    <a:masterClrMapping/>
+  </p:clrMapOvr>
+</p:notes>
+</file>
+
+<file path=ppt/notesSlides/notesSlide4.xml><?xml version="1.0" encoding="utf-8"?>
+<p:notes xmlns:a="http://schemas.openxmlformats.org/drawingml/2006/main" xmlns:r="http://schemas.openxmlformats.org/officeDocument/2006/relationships" xmlns:p="http://schemas.openxmlformats.org/presentationml/2006/main">
+  <p:cSld>
+    <p:spTree>
+      <p:nvGrpSpPr>
+        <p:cNvPr id="1" name=""/>
+        <p:cNvGrpSpPr/>
+        <p:nvPr/>
+      </p:nvGrpSpPr>
+      <p:grpSpPr>
+        <a:xfrm>
+          <a:off x="0" y="0"/>
+          <a:ext cx="0" cy="0"/>
+          <a:chOff x="0" y="0"/>
+          <a:chExt cx="0" cy="0"/>
+        </a:xfrm>
+      </p:grpSpPr>
+      <p:sp>
+        <p:nvSpPr>
+          <p:cNvPr id="2" name="Slide Image Placeholder 1"/>
+          <p:cNvSpPr>
+            <a:spLocks noGrp="1" noRot="1" noChangeAspect="1"/>
+          </p:cNvSpPr>
+          <p:nvPr>
+            <p:ph type="sldImg"/>
+          </p:nvPr>
+        </p:nvSpPr>
+        <p:spPr/>
+      </p:sp>
+      <p:sp>
+        <p:nvSpPr>
+          <p:cNvPr id="3" name="Notes Placeholder 2"/>
+          <p:cNvSpPr>
+            <a:spLocks noGrp="1"/>
+          </p:cNvSpPr>
+          <p:nvPr>
+            <p:ph type="body" idx="1"/>
+          </p:nvPr>
+        </p:nvSpPr>
+        <p:spPr/>
+        <p:txBody>
+          <a:bodyPr/>
+          <a:lstStyle/>
+          <a:p>
+            <a:endParaRPr lang="en-US" dirty="0"/>
+          </a:p>
+        </p:txBody>
+      </p:sp>
+      <p:sp>
+        <p:nvSpPr>
+          <p:cNvPr id="4" name="Slide Number Placeholder 3"/>
+          <p:cNvSpPr>
+            <a:spLocks noGrp="1"/>
+          </p:cNvSpPr>
+          <p:nvPr>
+            <p:ph type="sldNum" sz="quarter" idx="5"/>
+          </p:nvPr>
+        </p:nvSpPr>
+        <p:spPr/>
+        <p:txBody>
+          <a:bodyPr/>
+          <a:lstStyle/>
+          <a:p>
+            <a:fld id="{226C2FD5-E0A6-4AC4-90A9-C0740E15E1E2}" type="slidenum">
+              <a:rPr lang="en-US" smtClean="0"/>
+              <a:t>16</a:t>
+            </a:fld>
+            <a:endParaRPr lang="en-US"/>
+          </a:p>
+        </p:txBody>
+      </p:sp>
+    </p:spTree>
+    <p:extLst>
+      <p:ext uri="{BB962C8B-B14F-4D97-AF65-F5344CB8AC3E}">
+        <p14:creationId xmlns:p14="http://schemas.microsoft.com/office/powerpoint/2010/main" val="3836513474"/>
+      </p:ext>
+    </p:extLst>
+  </p:cSld>
+  <p:clrMapOvr>
+    <a:masterClrMapping/>
+  </p:clrMapOvr>
+</p:notes>
+</file>
+
+<file path=ppt/notesSlides/notesSlide5.xml><?xml version="1.0" encoding="utf-8"?>
+<p:notes xmlns:a="http://schemas.openxmlformats.org/drawingml/2006/main" xmlns:r="http://schemas.openxmlformats.org/officeDocument/2006/relationships" xmlns:p="http://schemas.openxmlformats.org/presentationml/2006/main">
+  <p:cSld>
+    <p:spTree>
+      <p:nvGrpSpPr>
+        <p:cNvPr id="1" name=""/>
+        <p:cNvGrpSpPr/>
+        <p:nvPr/>
+      </p:nvGrpSpPr>
+      <p:grpSpPr>
+        <a:xfrm>
+          <a:off x="0" y="0"/>
+          <a:ext cx="0" cy="0"/>
+          <a:chOff x="0" y="0"/>
+          <a:chExt cx="0" cy="0"/>
+        </a:xfrm>
+      </p:grpSpPr>
+      <p:sp>
+        <p:nvSpPr>
+          <p:cNvPr id="2" name="Slide Image Placeholder 1"/>
+          <p:cNvSpPr>
+            <a:spLocks noGrp="1" noRot="1" noChangeAspect="1"/>
+          </p:cNvSpPr>
+          <p:nvPr>
+            <p:ph type="sldImg"/>
+          </p:nvPr>
+        </p:nvSpPr>
+        <p:spPr/>
+      </p:sp>
+      <p:sp>
+        <p:nvSpPr>
+          <p:cNvPr id="3" name="Notes Placeholder 2"/>
+          <p:cNvSpPr>
+            <a:spLocks noGrp="1"/>
+          </p:cNvSpPr>
+          <p:nvPr>
+            <p:ph type="body" idx="1"/>
+          </p:nvPr>
+        </p:nvSpPr>
+        <p:spPr/>
+        <p:txBody>
+          <a:bodyPr/>
+          <a:lstStyle/>
+          <a:p>
+            <a:pPr marL="0" marR="0" lvl="0" indent="0" fontAlgn="base">
+              <a:lnSpc>
+                <a:spcPct val="140000"/>
+              </a:lnSpc>
+              <a:buNone/>
+              <a:tabLst/>
+            </a:pPr>
+            <a:r>
+              <a:rPr lang="en-US" altLang="en-US" sz="1700" b="1" dirty="0"/>
+              <a:t>1.⁠ </a:t>
+            </a:r>
+            <a:r>
+              <a:rPr lang="en-US" altLang="en-US" sz="1200" b="1" dirty="0"/>
+              <a:t>⁠Replicating EDA on the other 2 RDBMS engines ( MySQL and SQL Server)</a:t>
+            </a:r>
+          </a:p>
+          <a:p>
+            <a:pPr marL="0" marR="0" lvl="0" indent="0" fontAlgn="base">
+              <a:lnSpc>
+                <a:spcPct val="140000"/>
+              </a:lnSpc>
+              <a:buNone/>
+              <a:tabLst/>
+            </a:pPr>
+            <a:r>
+              <a:rPr lang="en-US" altLang="en-US" sz="1200" b="1" dirty="0"/>
+              <a:t>2.⁠ ⁠Benchmarking diff tools</a:t>
+            </a:r>
+          </a:p>
+          <a:p>
+            <a:pPr marL="0" marR="0" lvl="0" indent="0" fontAlgn="base">
+              <a:lnSpc>
+                <a:spcPct val="140000"/>
+              </a:lnSpc>
+              <a:buNone/>
+              <a:tabLst/>
+            </a:pPr>
+            <a:r>
+              <a:rPr lang="en-US" altLang="en-US" sz="1200" b="1" dirty="0"/>
+              <a:t>3.⁠ ⁠Benchmarking  -Surrogate Key Vs Composite keys</a:t>
+            </a:r>
+          </a:p>
+          <a:p>
+            <a:endParaRPr lang="en-US" dirty="0"/>
+          </a:p>
+        </p:txBody>
+      </p:sp>
+      <p:sp>
+        <p:nvSpPr>
+          <p:cNvPr id="4" name="Slide Number Placeholder 3"/>
+          <p:cNvSpPr>
+            <a:spLocks noGrp="1"/>
+          </p:cNvSpPr>
+          <p:nvPr>
+            <p:ph type="sldNum" sz="quarter" idx="5"/>
+          </p:nvPr>
+        </p:nvSpPr>
+        <p:spPr/>
+        <p:txBody>
+          <a:bodyPr/>
+          <a:lstStyle/>
+          <a:p>
+            <a:fld id="{226C2FD5-E0A6-4AC4-90A9-C0740E15E1E2}" type="slidenum">
+              <a:rPr lang="en-US" smtClean="0"/>
+              <a:t>40</a:t>
             </a:fld>
             <a:endParaRPr lang="en-US"/>
           </a:p>
@@ -959,7 +4789,7 @@
           <a:p>
             <a:fld id="{BFACF742-92DC-4180-95B9-581799EE396C}" type="datetimeFigureOut">
               <a:rPr lang="en-US" smtClean="0"/>
-              <a:t>8/29/2025</a:t>
+              <a:t>8/29/25</a:t>
             </a:fld>
             <a:endParaRPr lang="en-US"/>
           </a:p>
@@ -1187,7 +5017,7 @@
           <a:p>
             <a:fld id="{BFACF742-92DC-4180-95B9-581799EE396C}" type="datetimeFigureOut">
               <a:rPr lang="en-US" smtClean="0"/>
-              <a:t>8/29/2025</a:t>
+              <a:t>8/29/25</a:t>
             </a:fld>
             <a:endParaRPr lang="en-US"/>
           </a:p>
@@ -1367,7 +5197,7 @@
           <a:p>
             <a:fld id="{BFACF742-92DC-4180-95B9-581799EE396C}" type="datetimeFigureOut">
               <a:rPr lang="en-US" smtClean="0"/>
-              <a:t>8/29/2025</a:t>
+              <a:t>8/29/25</a:t>
             </a:fld>
             <a:endParaRPr lang="en-US"/>
           </a:p>
@@ -1537,7 +5367,7 @@
           <a:p>
             <a:fld id="{BFACF742-92DC-4180-95B9-581799EE396C}" type="datetimeFigureOut">
               <a:rPr lang="en-US" smtClean="0"/>
-              <a:t>8/29/2025</a:t>
+              <a:t>8/29/25</a:t>
             </a:fld>
             <a:endParaRPr lang="en-US"/>
           </a:p>
@@ -1791,7 +5621,7 @@
           <a:p>
             <a:fld id="{BFACF742-92DC-4180-95B9-581799EE396C}" type="datetimeFigureOut">
               <a:rPr lang="en-US" smtClean="0"/>
-              <a:t>8/29/2025</a:t>
+              <a:t>8/29/25</a:t>
             </a:fld>
             <a:endParaRPr lang="en-US"/>
           </a:p>
@@ -2117,7 +5947,7 @@
           <a:p>
             <a:fld id="{BFACF742-92DC-4180-95B9-581799EE396C}" type="datetimeFigureOut">
               <a:rPr lang="en-US" smtClean="0"/>
-              <a:t>8/29/2025</a:t>
+              <a:t>8/29/25</a:t>
             </a:fld>
             <a:endParaRPr lang="en-US"/>
           </a:p>
@@ -2568,7 +6398,7 @@
           <a:p>
             <a:fld id="{BFACF742-92DC-4180-95B9-581799EE396C}" type="datetimeFigureOut">
               <a:rPr lang="en-US" smtClean="0"/>
-              <a:t>8/29/2025</a:t>
+              <a:t>8/29/25</a:t>
             </a:fld>
             <a:endParaRPr lang="en-US"/>
           </a:p>
@@ -2686,7 +6516,7 @@
           <a:p>
             <a:fld id="{BFACF742-92DC-4180-95B9-581799EE396C}" type="datetimeFigureOut">
               <a:rPr lang="en-US" smtClean="0"/>
-              <a:t>8/29/2025</a:t>
+              <a:t>8/29/25</a:t>
             </a:fld>
             <a:endParaRPr lang="en-US"/>
           </a:p>
@@ -2781,7 +6611,7 @@
           <a:p>
             <a:fld id="{BFACF742-92DC-4180-95B9-581799EE396C}" type="datetimeFigureOut">
               <a:rPr lang="en-US" smtClean="0"/>
-              <a:t>8/29/2025</a:t>
+              <a:t>8/29/25</a:t>
             </a:fld>
             <a:endParaRPr lang="en-US"/>
           </a:p>
@@ -3068,7 +6898,7 @@
           <a:p>
             <a:fld id="{BFACF742-92DC-4180-95B9-581799EE396C}" type="datetimeFigureOut">
               <a:rPr lang="en-US" smtClean="0"/>
-              <a:t>8/29/2025</a:t>
+              <a:t>8/29/25</a:t>
             </a:fld>
             <a:endParaRPr lang="en-US"/>
           </a:p>
@@ -3390,7 +7220,7 @@
           <a:p>
             <a:fld id="{BFACF742-92DC-4180-95B9-581799EE396C}" type="datetimeFigureOut">
               <a:rPr lang="en-US" smtClean="0"/>
-              <a:t>8/29/2025</a:t>
+              <a:t>8/29/25</a:t>
             </a:fld>
             <a:endParaRPr lang="en-US"/>
           </a:p>
@@ -3644,7 +7474,7 @@
           <a:p>
             <a:fld id="{BFACF742-92DC-4180-95B9-581799EE396C}" type="datetimeFigureOut">
               <a:rPr lang="en-US" smtClean="0"/>
-              <a:t>8/29/2025</a:t>
+              <a:t>8/29/25</a:t>
             </a:fld>
             <a:endParaRPr lang="en-US"/>
           </a:p>
@@ -4156,7 +7986,12 @@
             <p:ph type="ctrTitle"/>
           </p:nvPr>
         </p:nvSpPr>
-        <p:spPr/>
+        <p:spPr>
+          <a:xfrm>
+            <a:off x="1261872" y="654639"/>
+            <a:ext cx="9418320" cy="2670048"/>
+          </a:xfrm>
+        </p:spPr>
         <p:txBody>
           <a:bodyPr/>
           <a:lstStyle/>
@@ -4184,9 +8019,16 @@
             <p:ph type="subTitle" idx="1"/>
           </p:nvPr>
         </p:nvSpPr>
-        <p:spPr/>
+        <p:spPr>
+          <a:xfrm>
+            <a:off x="1261872" y="3533313"/>
+            <a:ext cx="9418320" cy="2958927"/>
+          </a:xfrm>
+        </p:spPr>
         <p:txBody>
-          <a:bodyPr/>
+          <a:bodyPr>
+            <a:normAutofit/>
+          </a:bodyPr>
           <a:lstStyle/>
           <a:p>
             <a:r>
@@ -4199,6 +8041,53 @@
               <a:rPr lang="en-US" dirty="0"/>
               <a:t>Week 10 – 29 August 2025</a:t>
             </a:r>
+          </a:p>
+          <a:p>
+            <a:pPr marL="342900" indent="-342900" fontAlgn="base">
+              <a:lnSpc>
+                <a:spcPct val="110000"/>
+              </a:lnSpc>
+              <a:buFont typeface="Wingdings" panose="05000000000000000000" pitchFamily="2" charset="2"/>
+              <a:buChar char="v"/>
+            </a:pPr>
+            <a:r>
+              <a:rPr lang="en-US" altLang="en-US" b="1" dirty="0"/>
+              <a:t>Shwetha Shenoy-Kamath</a:t>
+            </a:r>
+          </a:p>
+          <a:p>
+            <a:pPr marL="342900" indent="-342900" fontAlgn="base">
+              <a:lnSpc>
+                <a:spcPct val="110000"/>
+              </a:lnSpc>
+              <a:buFont typeface="Wingdings" panose="05000000000000000000" pitchFamily="2" charset="2"/>
+              <a:buChar char="v"/>
+            </a:pPr>
+            <a:r>
+              <a:rPr lang="en-US" altLang="en-US" b="1" dirty="0" err="1"/>
+              <a:t>Swarnaditya</a:t>
+            </a:r>
+            <a:r>
+              <a:rPr lang="en-US" altLang="en-US" b="1" dirty="0"/>
+              <a:t> Maitra</a:t>
+            </a:r>
+          </a:p>
+          <a:p>
+            <a:pPr marL="342900" marR="0" lvl="0" indent="-342900" fontAlgn="base">
+              <a:lnSpc>
+                <a:spcPct val="110000"/>
+              </a:lnSpc>
+              <a:buFont typeface="Wingdings" panose="05000000000000000000" pitchFamily="2" charset="2"/>
+              <a:buChar char="v"/>
+              <a:tabLst/>
+            </a:pPr>
+            <a:r>
+              <a:rPr lang="en-US" altLang="en-US" b="1" dirty="0"/>
+              <a:t>Hatim Urabi</a:t>
+            </a:r>
+          </a:p>
+          <a:p>
+            <a:endParaRPr lang="en-US" dirty="0"/>
           </a:p>
         </p:txBody>
       </p:sp>
@@ -4216,6 +8105,1105 @@
 </file>
 
 <file path=ppt/slides/slide10.xml><?xml version="1.0" encoding="utf-8"?>
+<p:sld xmlns:a="http://schemas.openxmlformats.org/drawingml/2006/main" xmlns:r="http://schemas.openxmlformats.org/officeDocument/2006/relationships" xmlns:p="http://schemas.openxmlformats.org/presentationml/2006/main">
+  <p:cSld>
+    <p:spTree>
+      <p:nvGrpSpPr>
+        <p:cNvPr id="1" name="">
+          <a:extLst>
+            <a:ext uri="{FF2B5EF4-FFF2-40B4-BE49-F238E27FC236}">
+              <a16:creationId xmlns:a16="http://schemas.microsoft.com/office/drawing/2014/main" id="{B8839AD4-D36B-5A78-4364-CC9B653F2FBB}"/>
+            </a:ext>
+          </a:extLst>
+        </p:cNvPr>
+        <p:cNvGrpSpPr/>
+        <p:nvPr/>
+      </p:nvGrpSpPr>
+      <p:grpSpPr>
+        <a:xfrm>
+          <a:off x="0" y="0"/>
+          <a:ext cx="0" cy="0"/>
+          <a:chOff x="0" y="0"/>
+          <a:chExt cx="0" cy="0"/>
+        </a:xfrm>
+      </p:grpSpPr>
+      <p:sp>
+        <p:nvSpPr>
+          <p:cNvPr id="2" name="Title 1">
+            <a:extLst>
+              <a:ext uri="{FF2B5EF4-FFF2-40B4-BE49-F238E27FC236}">
+                <a16:creationId xmlns:a16="http://schemas.microsoft.com/office/drawing/2014/main" id="{ADCEEA77-6FBE-F64A-873F-369025083789}"/>
+              </a:ext>
+            </a:extLst>
+          </p:cNvPr>
+          <p:cNvSpPr>
+            <a:spLocks noGrp="1"/>
+          </p:cNvSpPr>
+          <p:nvPr>
+            <p:ph type="title"/>
+          </p:nvPr>
+        </p:nvSpPr>
+        <p:spPr>
+          <a:xfrm>
+            <a:off x="593359" y="463205"/>
+            <a:ext cx="9744960" cy="691299"/>
+          </a:xfrm>
+        </p:spPr>
+        <p:txBody>
+          <a:bodyPr>
+            <a:normAutofit fontScale="90000"/>
+          </a:bodyPr>
+          <a:lstStyle/>
+          <a:p>
+            <a:r>
+              <a:rPr lang="en-US" dirty="0"/>
+              <a:t>Benchmarking: Results &amp; Takeaways</a:t>
+            </a:r>
+          </a:p>
+        </p:txBody>
+      </p:sp>
+      <p:cxnSp>
+        <p:nvCxnSpPr>
+          <p:cNvPr id="16" name="Straight Connector 15">
+            <a:extLst>
+              <a:ext uri="{FF2B5EF4-FFF2-40B4-BE49-F238E27FC236}">
+                <a16:creationId xmlns:a16="http://schemas.microsoft.com/office/drawing/2014/main" id="{7D2AC169-1FF4-58CC-4A79-3A40554049EF}"/>
+              </a:ext>
+            </a:extLst>
+          </p:cNvPr>
+          <p:cNvCxnSpPr/>
+          <p:nvPr/>
+        </p:nvCxnSpPr>
+        <p:spPr>
+          <a:xfrm>
+            <a:off x="677334" y="1291472"/>
+            <a:ext cx="8596668" cy="0"/>
+          </a:xfrm>
+          <a:prstGeom prst="line">
+            <a:avLst/>
+          </a:prstGeom>
+        </p:spPr>
+        <p:style>
+          <a:lnRef idx="3">
+            <a:schemeClr val="accent6"/>
+          </a:lnRef>
+          <a:fillRef idx="0">
+            <a:schemeClr val="accent6"/>
+          </a:fillRef>
+          <a:effectRef idx="2">
+            <a:schemeClr val="accent6"/>
+          </a:effectRef>
+          <a:fontRef idx="minor">
+            <a:schemeClr val="tx1"/>
+          </a:fontRef>
+        </p:style>
+      </p:cxnSp>
+      <p:sp>
+        <p:nvSpPr>
+          <p:cNvPr id="15" name="Content Placeholder 2">
+            <a:extLst>
+              <a:ext uri="{FF2B5EF4-FFF2-40B4-BE49-F238E27FC236}">
+                <a16:creationId xmlns:a16="http://schemas.microsoft.com/office/drawing/2014/main" id="{1A3BD983-5A8F-4E40-C02A-AD6C417AC353}"/>
+              </a:ext>
+            </a:extLst>
+          </p:cNvPr>
+          <p:cNvSpPr txBox="1">
+            <a:spLocks/>
+          </p:cNvSpPr>
+          <p:nvPr/>
+        </p:nvSpPr>
+        <p:spPr>
+          <a:xfrm>
+            <a:off x="677334" y="1428441"/>
+            <a:ext cx="8596668" cy="3880773"/>
+          </a:xfrm>
+          <a:prstGeom prst="rect">
+            <a:avLst/>
+          </a:prstGeom>
+        </p:spPr>
+        <p:txBody>
+          <a:bodyPr vert="horz" lIns="91440" tIns="45720" rIns="91440" bIns="45720" rtlCol="0">
+            <a:normAutofit/>
+          </a:bodyPr>
+          <a:lstStyle>
+            <a:lvl1pPr marL="182880" indent="-182880" algn="l" defTabSz="914400" rtl="0" eaLnBrk="1" latinLnBrk="0" hangingPunct="1">
+              <a:lnSpc>
+                <a:spcPct val="95000"/>
+              </a:lnSpc>
+              <a:spcBef>
+                <a:spcPts val="1400"/>
+              </a:spcBef>
+              <a:spcAft>
+                <a:spcPts val="200"/>
+              </a:spcAft>
+              <a:buClr>
+                <a:schemeClr val="accent1"/>
+              </a:buClr>
+              <a:buSzPct val="80000"/>
+              <a:buFont typeface="Arial" pitchFamily="34" charset="0"/>
+              <a:buChar char="•"/>
+              <a:defRPr sz="1800" kern="1200" spc="10" baseline="0">
+                <a:solidFill>
+                  <a:schemeClr val="tx1"/>
+                </a:solidFill>
+                <a:latin typeface="+mn-lt"/>
+                <a:ea typeface="+mn-ea"/>
+                <a:cs typeface="+mn-cs"/>
+              </a:defRPr>
+            </a:lvl1pPr>
+            <a:lvl2pPr marL="457200" indent="-182880" algn="l" defTabSz="914400" rtl="0" eaLnBrk="1" latinLnBrk="0" hangingPunct="1">
+              <a:lnSpc>
+                <a:spcPct val="90000"/>
+              </a:lnSpc>
+              <a:spcBef>
+                <a:spcPts val="300"/>
+              </a:spcBef>
+              <a:spcAft>
+                <a:spcPts val="300"/>
+              </a:spcAft>
+              <a:buClr>
+                <a:schemeClr val="accent1"/>
+              </a:buClr>
+              <a:buFont typeface="Wingdings 2" pitchFamily="18" charset="2"/>
+              <a:buChar char=""/>
+              <a:defRPr sz="1600" kern="1200">
+                <a:solidFill>
+                  <a:schemeClr val="tx1">
+                    <a:lumMod val="85000"/>
+                    <a:lumOff val="15000"/>
+                  </a:schemeClr>
+                </a:solidFill>
+                <a:latin typeface="+mn-lt"/>
+                <a:ea typeface="+mn-ea"/>
+                <a:cs typeface="+mn-cs"/>
+              </a:defRPr>
+            </a:lvl2pPr>
+            <a:lvl3pPr marL="731520" indent="-182880" algn="l" defTabSz="914400" rtl="0" eaLnBrk="1" latinLnBrk="0" hangingPunct="1">
+              <a:lnSpc>
+                <a:spcPct val="90000"/>
+              </a:lnSpc>
+              <a:spcBef>
+                <a:spcPts val="300"/>
+              </a:spcBef>
+              <a:spcAft>
+                <a:spcPts val="300"/>
+              </a:spcAft>
+              <a:buClr>
+                <a:schemeClr val="accent1"/>
+              </a:buClr>
+              <a:buFont typeface="Wingdings 2" pitchFamily="18" charset="2"/>
+              <a:buChar char=""/>
+              <a:defRPr sz="1400" kern="1200">
+                <a:solidFill>
+                  <a:schemeClr val="tx1">
+                    <a:lumMod val="85000"/>
+                    <a:lumOff val="15000"/>
+                  </a:schemeClr>
+                </a:solidFill>
+                <a:latin typeface="+mn-lt"/>
+                <a:ea typeface="+mn-ea"/>
+                <a:cs typeface="+mn-cs"/>
+              </a:defRPr>
+            </a:lvl3pPr>
+            <a:lvl4pPr marL="1005840" indent="-182880" algn="l" defTabSz="914400" rtl="0" eaLnBrk="1" latinLnBrk="0" hangingPunct="1">
+              <a:lnSpc>
+                <a:spcPct val="90000"/>
+              </a:lnSpc>
+              <a:spcBef>
+                <a:spcPts val="300"/>
+              </a:spcBef>
+              <a:spcAft>
+                <a:spcPts val="300"/>
+              </a:spcAft>
+              <a:buClr>
+                <a:schemeClr val="accent1"/>
+              </a:buClr>
+              <a:buFont typeface="Wingdings 2" pitchFamily="18" charset="2"/>
+              <a:buChar char=""/>
+              <a:defRPr sz="1400" kern="1200">
+                <a:solidFill>
+                  <a:schemeClr val="tx1">
+                    <a:lumMod val="85000"/>
+                    <a:lumOff val="15000"/>
+                  </a:schemeClr>
+                </a:solidFill>
+                <a:latin typeface="+mn-lt"/>
+                <a:ea typeface="+mn-ea"/>
+                <a:cs typeface="+mn-cs"/>
+              </a:defRPr>
+            </a:lvl4pPr>
+            <a:lvl5pPr marL="1280160" indent="-182880" algn="l" defTabSz="914400" rtl="0" eaLnBrk="1" latinLnBrk="0" hangingPunct="1">
+              <a:lnSpc>
+                <a:spcPct val="90000"/>
+              </a:lnSpc>
+              <a:spcBef>
+                <a:spcPts val="300"/>
+              </a:spcBef>
+              <a:spcAft>
+                <a:spcPts val="300"/>
+              </a:spcAft>
+              <a:buClr>
+                <a:schemeClr val="accent1"/>
+              </a:buClr>
+              <a:buFont typeface="Wingdings 2" pitchFamily="18" charset="2"/>
+              <a:buChar char=""/>
+              <a:defRPr sz="1400" kern="1200">
+                <a:solidFill>
+                  <a:schemeClr val="tx1">
+                    <a:lumMod val="85000"/>
+                    <a:lumOff val="15000"/>
+                  </a:schemeClr>
+                </a:solidFill>
+                <a:latin typeface="+mn-lt"/>
+                <a:ea typeface="+mn-ea"/>
+                <a:cs typeface="+mn-cs"/>
+              </a:defRPr>
+            </a:lvl5pPr>
+            <a:lvl6pPr marL="1600000" indent="-228600" algn="l" defTabSz="914400" rtl="0" eaLnBrk="1" latinLnBrk="0" hangingPunct="1">
+              <a:lnSpc>
+                <a:spcPct val="90000"/>
+              </a:lnSpc>
+              <a:spcBef>
+                <a:spcPts val="300"/>
+              </a:spcBef>
+              <a:spcAft>
+                <a:spcPts val="300"/>
+              </a:spcAft>
+              <a:buClr>
+                <a:schemeClr val="accent1"/>
+              </a:buClr>
+              <a:buFont typeface="Wingdings 2" pitchFamily="18" charset="2"/>
+              <a:buChar char=""/>
+              <a:defRPr sz="1400" kern="1200">
+                <a:solidFill>
+                  <a:schemeClr val="tx1">
+                    <a:lumMod val="85000"/>
+                    <a:lumOff val="15000"/>
+                  </a:schemeClr>
+                </a:solidFill>
+                <a:latin typeface="+mn-lt"/>
+                <a:ea typeface="+mn-ea"/>
+                <a:cs typeface="+mn-cs"/>
+              </a:defRPr>
+            </a:lvl6pPr>
+            <a:lvl7pPr marL="1900000" indent="-228600" algn="l" defTabSz="914400" rtl="0" eaLnBrk="1" latinLnBrk="0" hangingPunct="1">
+              <a:lnSpc>
+                <a:spcPct val="90000"/>
+              </a:lnSpc>
+              <a:spcBef>
+                <a:spcPts val="300"/>
+              </a:spcBef>
+              <a:spcAft>
+                <a:spcPts val="300"/>
+              </a:spcAft>
+              <a:buClr>
+                <a:schemeClr val="accent1"/>
+              </a:buClr>
+              <a:buFont typeface="Wingdings 2" pitchFamily="18" charset="2"/>
+              <a:buChar char=""/>
+              <a:defRPr sz="1400" kern="1200">
+                <a:solidFill>
+                  <a:schemeClr val="tx1">
+                    <a:lumMod val="85000"/>
+                    <a:lumOff val="15000"/>
+                  </a:schemeClr>
+                </a:solidFill>
+                <a:latin typeface="+mn-lt"/>
+                <a:ea typeface="+mn-ea"/>
+                <a:cs typeface="+mn-cs"/>
+              </a:defRPr>
+            </a:lvl7pPr>
+            <a:lvl8pPr marL="2200000" indent="-228600" algn="l" defTabSz="914400" rtl="0" eaLnBrk="1" latinLnBrk="0" hangingPunct="1">
+              <a:lnSpc>
+                <a:spcPct val="90000"/>
+              </a:lnSpc>
+              <a:spcBef>
+                <a:spcPts val="300"/>
+              </a:spcBef>
+              <a:spcAft>
+                <a:spcPts val="300"/>
+              </a:spcAft>
+              <a:buClr>
+                <a:schemeClr val="accent1"/>
+              </a:buClr>
+              <a:buFont typeface="Wingdings 2" pitchFamily="18" charset="2"/>
+              <a:buChar char=""/>
+              <a:defRPr sz="1400" kern="1200">
+                <a:solidFill>
+                  <a:schemeClr val="tx1">
+                    <a:lumMod val="85000"/>
+                    <a:lumOff val="15000"/>
+                  </a:schemeClr>
+                </a:solidFill>
+                <a:latin typeface="+mn-lt"/>
+                <a:ea typeface="+mn-ea"/>
+                <a:cs typeface="+mn-cs"/>
+              </a:defRPr>
+            </a:lvl8pPr>
+            <a:lvl9pPr marL="2500000" indent="-228600" algn="l" defTabSz="914400" rtl="0" eaLnBrk="1" latinLnBrk="0" hangingPunct="1">
+              <a:lnSpc>
+                <a:spcPct val="90000"/>
+              </a:lnSpc>
+              <a:spcBef>
+                <a:spcPts val="300"/>
+              </a:spcBef>
+              <a:spcAft>
+                <a:spcPts val="300"/>
+              </a:spcAft>
+              <a:buClr>
+                <a:schemeClr val="accent1"/>
+              </a:buClr>
+              <a:buFont typeface="Wingdings 2" pitchFamily="18" charset="2"/>
+              <a:buChar char=""/>
+              <a:defRPr sz="1400" kern="1200">
+                <a:solidFill>
+                  <a:schemeClr val="tx1">
+                    <a:lumMod val="85000"/>
+                    <a:lumOff val="15000"/>
+                  </a:schemeClr>
+                </a:solidFill>
+                <a:latin typeface="+mn-lt"/>
+                <a:ea typeface="+mn-ea"/>
+                <a:cs typeface="+mn-cs"/>
+              </a:defRPr>
+            </a:lvl9pPr>
+          </a:lstStyle>
+          <a:p>
+            <a:r>
+              <a:rPr lang="en-US" sz="1400" b="1" dirty="0"/>
+              <a:t>Findings</a:t>
+            </a:r>
+            <a:endParaRPr lang="en-US" sz="1400" dirty="0"/>
+          </a:p>
+          <a:p>
+            <a:pPr lvl="3"/>
+            <a:r>
+              <a:rPr lang="en-US" dirty="0"/>
+              <a:t>SK schema consistently </a:t>
+            </a:r>
+            <a:r>
+              <a:rPr lang="en-US" b="1" dirty="0"/>
+              <a:t>faster</a:t>
+            </a:r>
+            <a:r>
+              <a:rPr lang="en-US" dirty="0"/>
+              <a:t> (joins &amp; aggregations)</a:t>
+            </a:r>
+          </a:p>
+          <a:p>
+            <a:pPr lvl="3"/>
+            <a:r>
+              <a:rPr lang="en-US" dirty="0"/>
+              <a:t>CK joins = heavier (multi-column overhead)</a:t>
+            </a:r>
+          </a:p>
+          <a:p>
+            <a:pPr lvl="3"/>
+            <a:r>
+              <a:rPr lang="en-US" dirty="0"/>
+              <a:t>SK indexes = smaller, scale better</a:t>
+            </a:r>
+          </a:p>
+          <a:p>
+            <a:pPr marL="0" indent="0">
+              <a:buNone/>
+            </a:pPr>
+            <a:endParaRPr lang="en-US" dirty="0"/>
+          </a:p>
+        </p:txBody>
+      </p:sp>
+      <p:pic>
+        <p:nvPicPr>
+          <p:cNvPr id="4" name="Picture 3">
+            <a:extLst>
+              <a:ext uri="{FF2B5EF4-FFF2-40B4-BE49-F238E27FC236}">
+                <a16:creationId xmlns:a16="http://schemas.microsoft.com/office/drawing/2014/main" id="{6AECD656-A9F9-ABE7-514A-F426543CC777}"/>
+              </a:ext>
+            </a:extLst>
+          </p:cNvPr>
+          <p:cNvPicPr>
+            <a:picLocks noChangeAspect="1"/>
+          </p:cNvPicPr>
+          <p:nvPr/>
+        </p:nvPicPr>
+        <p:blipFill>
+          <a:blip r:embed="rId3"/>
+          <a:stretch>
+            <a:fillRect/>
+          </a:stretch>
+        </p:blipFill>
+        <p:spPr>
+          <a:xfrm>
+            <a:off x="1329758" y="4057897"/>
+            <a:ext cx="8710366" cy="2695313"/>
+          </a:xfrm>
+          <a:prstGeom prst="rect">
+            <a:avLst/>
+          </a:prstGeom>
+        </p:spPr>
+      </p:pic>
+      <p:pic>
+        <p:nvPicPr>
+          <p:cNvPr id="5" name="Picture 4">
+            <a:extLst>
+              <a:ext uri="{FF2B5EF4-FFF2-40B4-BE49-F238E27FC236}">
+                <a16:creationId xmlns:a16="http://schemas.microsoft.com/office/drawing/2014/main" id="{DCC183AC-05E3-D614-6A5F-FDC1042DF90D}"/>
+              </a:ext>
+            </a:extLst>
+          </p:cNvPr>
+          <p:cNvPicPr>
+            <a:picLocks noChangeAspect="1"/>
+          </p:cNvPicPr>
+          <p:nvPr/>
+        </p:nvPicPr>
+        <p:blipFill>
+          <a:blip r:embed="rId4"/>
+          <a:stretch>
+            <a:fillRect/>
+          </a:stretch>
+        </p:blipFill>
+        <p:spPr>
+          <a:xfrm>
+            <a:off x="4975668" y="2425900"/>
+            <a:ext cx="3501796" cy="1382065"/>
+          </a:xfrm>
+          <a:prstGeom prst="rect">
+            <a:avLst/>
+          </a:prstGeom>
+        </p:spPr>
+      </p:pic>
+      <p:sp>
+        <p:nvSpPr>
+          <p:cNvPr id="6" name="TextBox 5">
+            <a:extLst>
+              <a:ext uri="{FF2B5EF4-FFF2-40B4-BE49-F238E27FC236}">
+                <a16:creationId xmlns:a16="http://schemas.microsoft.com/office/drawing/2014/main" id="{09E32ACE-2C7B-0EF8-A4FC-33C55C523731}"/>
+              </a:ext>
+            </a:extLst>
+          </p:cNvPr>
+          <p:cNvSpPr txBox="1"/>
+          <p:nvPr/>
+        </p:nvSpPr>
+        <p:spPr>
+          <a:xfrm>
+            <a:off x="1329758" y="2974745"/>
+            <a:ext cx="2525805" cy="394082"/>
+          </a:xfrm>
+          <a:prstGeom prst="rect">
+            <a:avLst/>
+          </a:prstGeom>
+          <a:noFill/>
+        </p:spPr>
+        <p:txBody>
+          <a:bodyPr wrap="square" rtlCol="0">
+            <a:spAutoFit/>
+          </a:bodyPr>
+          <a:lstStyle/>
+          <a:p>
+            <a:pPr defTabSz="914400">
+              <a:lnSpc>
+                <a:spcPct val="150000"/>
+              </a:lnSpc>
+              <a:spcBef>
+                <a:spcPts val="1400"/>
+              </a:spcBef>
+              <a:spcAft>
+                <a:spcPts val="200"/>
+              </a:spcAft>
+              <a:buClr>
+                <a:schemeClr val="accent1"/>
+              </a:buClr>
+              <a:buSzPct val="80000"/>
+            </a:pPr>
+            <a:r>
+              <a:rPr lang="en-US" sz="1500" b="1" spc="10" dirty="0">
+                <a:solidFill>
+                  <a:srgbClr val="0070C0"/>
+                </a:solidFill>
+              </a:rPr>
+              <a:t>Project Deliverables</a:t>
+            </a:r>
+          </a:p>
+        </p:txBody>
+      </p:sp>
+      <p:sp>
+        <p:nvSpPr>
+          <p:cNvPr id="7" name="Arrow: Right 6">
+            <a:extLst>
+              <a:ext uri="{FF2B5EF4-FFF2-40B4-BE49-F238E27FC236}">
+                <a16:creationId xmlns:a16="http://schemas.microsoft.com/office/drawing/2014/main" id="{514F1529-3829-B972-58D4-28DEDAB72F17}"/>
+              </a:ext>
+            </a:extLst>
+          </p:cNvPr>
+          <p:cNvSpPr/>
+          <p:nvPr/>
+        </p:nvSpPr>
+        <p:spPr>
+          <a:xfrm>
+            <a:off x="3981982" y="3116932"/>
+            <a:ext cx="867266" cy="141402"/>
+          </a:xfrm>
+          <a:prstGeom prst="rightArrow">
+            <a:avLst/>
+          </a:prstGeom>
+        </p:spPr>
+        <p:style>
+          <a:lnRef idx="2">
+            <a:schemeClr val="accent1">
+              <a:shade val="15000"/>
+            </a:schemeClr>
+          </a:lnRef>
+          <a:fillRef idx="1">
+            <a:schemeClr val="accent1"/>
+          </a:fillRef>
+          <a:effectRef idx="0">
+            <a:schemeClr val="accent1"/>
+          </a:effectRef>
+          <a:fontRef idx="minor">
+            <a:schemeClr val="lt1"/>
+          </a:fontRef>
+        </p:style>
+        <p:txBody>
+          <a:bodyPr rtlCol="0" anchor="ctr"/>
+          <a:lstStyle/>
+          <a:p>
+            <a:pPr algn="ctr"/>
+            <a:endParaRPr lang="en-US"/>
+          </a:p>
+        </p:txBody>
+      </p:sp>
+      <p:sp>
+        <p:nvSpPr>
+          <p:cNvPr id="8" name="TextBox 7">
+            <a:extLst>
+              <a:ext uri="{FF2B5EF4-FFF2-40B4-BE49-F238E27FC236}">
+                <a16:creationId xmlns:a16="http://schemas.microsoft.com/office/drawing/2014/main" id="{FE6D8390-D12B-A42C-3BC2-FCD4F2330CA6}"/>
+              </a:ext>
+            </a:extLst>
+          </p:cNvPr>
+          <p:cNvSpPr txBox="1"/>
+          <p:nvPr/>
+        </p:nvSpPr>
+        <p:spPr>
+          <a:xfrm>
+            <a:off x="1329758" y="3663815"/>
+            <a:ext cx="2525805" cy="394082"/>
+          </a:xfrm>
+          <a:prstGeom prst="rect">
+            <a:avLst/>
+          </a:prstGeom>
+          <a:noFill/>
+        </p:spPr>
+        <p:txBody>
+          <a:bodyPr wrap="square" rtlCol="0">
+            <a:spAutoFit/>
+          </a:bodyPr>
+          <a:lstStyle/>
+          <a:p>
+            <a:pPr defTabSz="914400">
+              <a:lnSpc>
+                <a:spcPct val="150000"/>
+              </a:lnSpc>
+              <a:spcBef>
+                <a:spcPts val="1400"/>
+              </a:spcBef>
+              <a:spcAft>
+                <a:spcPts val="200"/>
+              </a:spcAft>
+              <a:buClr>
+                <a:schemeClr val="accent1"/>
+              </a:buClr>
+              <a:buSzPct val="80000"/>
+            </a:pPr>
+            <a:r>
+              <a:rPr lang="en-US" sz="1500" b="1" spc="10" dirty="0">
+                <a:solidFill>
+                  <a:srgbClr val="0070C0"/>
+                </a:solidFill>
+              </a:rPr>
+              <a:t>Benchmark Scenarios</a:t>
+            </a:r>
+          </a:p>
+        </p:txBody>
+      </p:sp>
+    </p:spTree>
+    <p:extLst>
+      <p:ext uri="{BB962C8B-B14F-4D97-AF65-F5344CB8AC3E}">
+        <p14:creationId xmlns:p14="http://schemas.microsoft.com/office/powerpoint/2010/main" val="66368808"/>
+      </p:ext>
+    </p:extLst>
+  </p:cSld>
+  <p:clrMapOvr>
+    <a:masterClrMapping/>
+  </p:clrMapOvr>
+</p:sld>
+</file>
+
+<file path=ppt/slides/slide11.xml><?xml version="1.0" encoding="utf-8"?>
+<p:sld xmlns:a="http://schemas.openxmlformats.org/drawingml/2006/main" xmlns:r="http://schemas.openxmlformats.org/officeDocument/2006/relationships" xmlns:p="http://schemas.openxmlformats.org/presentationml/2006/main">
+  <p:cSld>
+    <p:spTree>
+      <p:nvGrpSpPr>
+        <p:cNvPr id="1" name="">
+          <a:extLst>
+            <a:ext uri="{FF2B5EF4-FFF2-40B4-BE49-F238E27FC236}">
+              <a16:creationId xmlns:a16="http://schemas.microsoft.com/office/drawing/2014/main" id="{5FAE97B1-2D71-5FA2-7CB2-756B2147D1AC}"/>
+            </a:ext>
+          </a:extLst>
+        </p:cNvPr>
+        <p:cNvGrpSpPr/>
+        <p:nvPr/>
+      </p:nvGrpSpPr>
+      <p:grpSpPr>
+        <a:xfrm>
+          <a:off x="0" y="0"/>
+          <a:ext cx="0" cy="0"/>
+          <a:chOff x="0" y="0"/>
+          <a:chExt cx="0" cy="0"/>
+        </a:xfrm>
+      </p:grpSpPr>
+      <p:sp>
+        <p:nvSpPr>
+          <p:cNvPr id="2" name="Title 1">
+            <a:extLst>
+              <a:ext uri="{FF2B5EF4-FFF2-40B4-BE49-F238E27FC236}">
+                <a16:creationId xmlns:a16="http://schemas.microsoft.com/office/drawing/2014/main" id="{0CA5F2BF-EC75-D8F6-1205-B1D5FD89E0F4}"/>
+              </a:ext>
+            </a:extLst>
+          </p:cNvPr>
+          <p:cNvSpPr>
+            <a:spLocks noGrp="1"/>
+          </p:cNvSpPr>
+          <p:nvPr>
+            <p:ph type="title"/>
+          </p:nvPr>
+        </p:nvSpPr>
+        <p:spPr>
+          <a:xfrm>
+            <a:off x="593359" y="463205"/>
+            <a:ext cx="9744960" cy="691299"/>
+          </a:xfrm>
+        </p:spPr>
+        <p:txBody>
+          <a:bodyPr>
+            <a:normAutofit fontScale="90000"/>
+          </a:bodyPr>
+          <a:lstStyle/>
+          <a:p>
+            <a:r>
+              <a:rPr lang="en-US" dirty="0"/>
+              <a:t>Benchmarking: Query Times</a:t>
+            </a:r>
+          </a:p>
+        </p:txBody>
+      </p:sp>
+      <p:cxnSp>
+        <p:nvCxnSpPr>
+          <p:cNvPr id="16" name="Straight Connector 15">
+            <a:extLst>
+              <a:ext uri="{FF2B5EF4-FFF2-40B4-BE49-F238E27FC236}">
+                <a16:creationId xmlns:a16="http://schemas.microsoft.com/office/drawing/2014/main" id="{56261044-C16D-6906-B2B0-82A359D91582}"/>
+              </a:ext>
+            </a:extLst>
+          </p:cNvPr>
+          <p:cNvCxnSpPr/>
+          <p:nvPr/>
+        </p:nvCxnSpPr>
+        <p:spPr>
+          <a:xfrm>
+            <a:off x="677334" y="1291472"/>
+            <a:ext cx="8596668" cy="0"/>
+          </a:xfrm>
+          <a:prstGeom prst="line">
+            <a:avLst/>
+          </a:prstGeom>
+        </p:spPr>
+        <p:style>
+          <a:lnRef idx="3">
+            <a:schemeClr val="accent6"/>
+          </a:lnRef>
+          <a:fillRef idx="0">
+            <a:schemeClr val="accent6"/>
+          </a:fillRef>
+          <a:effectRef idx="2">
+            <a:schemeClr val="accent6"/>
+          </a:effectRef>
+          <a:fontRef idx="minor">
+            <a:schemeClr val="tx1"/>
+          </a:fontRef>
+        </p:style>
+      </p:cxnSp>
+      <p:pic>
+        <p:nvPicPr>
+          <p:cNvPr id="9" name="Picture 8">
+            <a:extLst>
+              <a:ext uri="{FF2B5EF4-FFF2-40B4-BE49-F238E27FC236}">
+                <a16:creationId xmlns:a16="http://schemas.microsoft.com/office/drawing/2014/main" id="{293F1518-6F2A-7E6C-43F2-803088B507EC}"/>
+              </a:ext>
+            </a:extLst>
+          </p:cNvPr>
+          <p:cNvPicPr>
+            <a:picLocks noChangeAspect="1"/>
+          </p:cNvPicPr>
+          <p:nvPr/>
+        </p:nvPicPr>
+        <p:blipFill>
+          <a:blip r:embed="rId3"/>
+          <a:stretch>
+            <a:fillRect/>
+          </a:stretch>
+        </p:blipFill>
+        <p:spPr>
+          <a:xfrm>
+            <a:off x="1041919" y="1634280"/>
+            <a:ext cx="9296400" cy="4588266"/>
+          </a:xfrm>
+          <a:prstGeom prst="rect">
+            <a:avLst/>
+          </a:prstGeom>
+        </p:spPr>
+      </p:pic>
+    </p:spTree>
+    <p:extLst>
+      <p:ext uri="{BB962C8B-B14F-4D97-AF65-F5344CB8AC3E}">
+        <p14:creationId xmlns:p14="http://schemas.microsoft.com/office/powerpoint/2010/main" val="3128959521"/>
+      </p:ext>
+    </p:extLst>
+  </p:cSld>
+  <p:clrMapOvr>
+    <a:masterClrMapping/>
+  </p:clrMapOvr>
+</p:sld>
+</file>
+
+<file path=ppt/slides/slide12.xml><?xml version="1.0" encoding="utf-8"?>
+<p:sld xmlns:a="http://schemas.openxmlformats.org/drawingml/2006/main" xmlns:r="http://schemas.openxmlformats.org/officeDocument/2006/relationships" xmlns:p="http://schemas.openxmlformats.org/presentationml/2006/main">
+  <p:cSld>
+    <p:spTree>
+      <p:nvGrpSpPr>
+        <p:cNvPr id="1" name=""/>
+        <p:cNvGrpSpPr/>
+        <p:nvPr/>
+      </p:nvGrpSpPr>
+      <p:grpSpPr>
+        <a:xfrm>
+          <a:off x="0" y="0"/>
+          <a:ext cx="0" cy="0"/>
+          <a:chOff x="0" y="0"/>
+          <a:chExt cx="0" cy="0"/>
+        </a:xfrm>
+      </p:grpSpPr>
+      <p:sp>
+        <p:nvSpPr>
+          <p:cNvPr id="3" name="Title 2">
+            <a:extLst>
+              <a:ext uri="{FF2B5EF4-FFF2-40B4-BE49-F238E27FC236}">
+                <a16:creationId xmlns:a16="http://schemas.microsoft.com/office/drawing/2014/main" id="{2D7B6AA7-CF99-8B9D-89F7-CF99E59BE002}"/>
+              </a:ext>
+            </a:extLst>
+          </p:cNvPr>
+          <p:cNvSpPr>
+            <a:spLocks noGrp="1"/>
+          </p:cNvSpPr>
+          <p:nvPr>
+            <p:ph type="title"/>
+          </p:nvPr>
+        </p:nvSpPr>
+        <p:spPr>
+          <a:xfrm>
+            <a:off x="659579" y="205962"/>
+            <a:ext cx="10294933" cy="1325562"/>
+          </a:xfrm>
+        </p:spPr>
+        <p:txBody>
+          <a:bodyPr>
+            <a:normAutofit/>
+          </a:bodyPr>
+          <a:lstStyle/>
+          <a:p>
+            <a:r>
+              <a:rPr lang="en-US" sz="4000" dirty="0"/>
+              <a:t>Benchmarking:</a:t>
+            </a:r>
+            <a:br>
+              <a:rPr lang="en-US" sz="4000" dirty="0"/>
+            </a:br>
+            <a:r>
+              <a:rPr lang="en-US" sz="4000" dirty="0"/>
+              <a:t>PostgreSQL vs. SQL Server</a:t>
+            </a:r>
+            <a:endParaRPr lang="en-AE" sz="4000" dirty="0"/>
+          </a:p>
+        </p:txBody>
+      </p:sp>
+      <p:sp>
+        <p:nvSpPr>
+          <p:cNvPr id="4" name="Content Placeholder 3">
+            <a:extLst>
+              <a:ext uri="{FF2B5EF4-FFF2-40B4-BE49-F238E27FC236}">
+                <a16:creationId xmlns:a16="http://schemas.microsoft.com/office/drawing/2014/main" id="{1DE6DF3A-6EF5-B7F0-6FE5-BF11F29DBD59}"/>
+              </a:ext>
+            </a:extLst>
+          </p:cNvPr>
+          <p:cNvSpPr>
+            <a:spLocks noGrp="1"/>
+          </p:cNvSpPr>
+          <p:nvPr>
+            <p:ph idx="1"/>
+          </p:nvPr>
+        </p:nvSpPr>
+        <p:spPr>
+          <a:xfrm>
+            <a:off x="1279628" y="2140903"/>
+            <a:ext cx="8595360" cy="4351337"/>
+          </a:xfrm>
+        </p:spPr>
+        <p:txBody>
+          <a:bodyPr/>
+          <a:lstStyle/>
+          <a:p>
+            <a:pPr marL="0" indent="0">
+              <a:buNone/>
+            </a:pPr>
+            <a:r>
+              <a:rPr lang="en-US" b="1" dirty="0"/>
+              <a:t>A head-to-head comparison on the Dunnhumby retail dataset.</a:t>
+            </a:r>
+            <a:endParaRPr lang="en-US" dirty="0"/>
+          </a:p>
+          <a:p>
+            <a:r>
+              <a:rPr lang="en-US" b="1" dirty="0"/>
+              <a:t>Engines Tested: </a:t>
+            </a:r>
+            <a:r>
+              <a:rPr lang="en-US" dirty="0"/>
+              <a:t>PostgreSQL 16.10 vs. SQL Server 2022 Developer (both on Docker and on the same machine).</a:t>
+            </a:r>
+          </a:p>
+          <a:p>
+            <a:r>
+              <a:rPr lang="en-US" b="1" dirty="0"/>
+              <a:t>Goal: </a:t>
+            </a:r>
+            <a:r>
+              <a:rPr lang="en-US" dirty="0"/>
+              <a:t>Measure performance for both initial data loading and a sustained query workload.</a:t>
+            </a:r>
+          </a:p>
+          <a:p>
+            <a:r>
+              <a:rPr lang="en-US" b="1" dirty="0"/>
+              <a:t>Key Finding:</a:t>
+            </a:r>
+            <a:r>
+              <a:rPr lang="en-US" dirty="0"/>
+              <a:t> Both databases completed the benchmark with zero errors, showcasing different areas of strength.</a:t>
+            </a:r>
+            <a:endParaRPr lang="en-AE" dirty="0"/>
+          </a:p>
+        </p:txBody>
+      </p:sp>
+      <p:cxnSp>
+        <p:nvCxnSpPr>
+          <p:cNvPr id="6" name="Straight Connector 5">
+            <a:extLst>
+              <a:ext uri="{FF2B5EF4-FFF2-40B4-BE49-F238E27FC236}">
+                <a16:creationId xmlns:a16="http://schemas.microsoft.com/office/drawing/2014/main" id="{97408E56-AD30-20BA-DE4C-25CCE61473BA}"/>
+              </a:ext>
+            </a:extLst>
+          </p:cNvPr>
+          <p:cNvCxnSpPr/>
+          <p:nvPr/>
+        </p:nvCxnSpPr>
+        <p:spPr>
+          <a:xfrm>
+            <a:off x="659579" y="1686654"/>
+            <a:ext cx="8596668" cy="0"/>
+          </a:xfrm>
+          <a:prstGeom prst="line">
+            <a:avLst/>
+          </a:prstGeom>
+        </p:spPr>
+        <p:style>
+          <a:lnRef idx="3">
+            <a:schemeClr val="accent6"/>
+          </a:lnRef>
+          <a:fillRef idx="0">
+            <a:schemeClr val="accent6"/>
+          </a:fillRef>
+          <a:effectRef idx="2">
+            <a:schemeClr val="accent6"/>
+          </a:effectRef>
+          <a:fontRef idx="minor">
+            <a:schemeClr val="tx1"/>
+          </a:fontRef>
+        </p:style>
+      </p:cxnSp>
+      <p:sp>
+        <p:nvSpPr>
+          <p:cNvPr id="10" name="TextBox 9">
+            <a:extLst>
+              <a:ext uri="{FF2B5EF4-FFF2-40B4-BE49-F238E27FC236}">
+                <a16:creationId xmlns:a16="http://schemas.microsoft.com/office/drawing/2014/main" id="{27988461-B903-0250-4174-CA74103FAD89}"/>
+              </a:ext>
+            </a:extLst>
+          </p:cNvPr>
+          <p:cNvSpPr txBox="1"/>
+          <p:nvPr/>
+        </p:nvSpPr>
+        <p:spPr>
+          <a:xfrm>
+            <a:off x="1371971" y="4864003"/>
+            <a:ext cx="8171523" cy="2585323"/>
+          </a:xfrm>
+          <a:prstGeom prst="rect">
+            <a:avLst/>
+          </a:prstGeom>
+          <a:noFill/>
+        </p:spPr>
+        <p:txBody>
+          <a:bodyPr wrap="square" numCol="2">
+            <a:spAutoFit/>
+          </a:bodyPr>
+          <a:lstStyle/>
+          <a:p>
+            <a:r>
+              <a:rPr lang="en-AE" b="1" spc="10" dirty="0"/>
+              <a:t> Rows loaded</a:t>
+            </a:r>
+            <a:r>
+              <a:rPr lang="en-AE" b="1" dirty="0"/>
+              <a:t>:</a:t>
+            </a:r>
+          </a:p>
+          <a:p>
+            <a:r>
+              <a:rPr lang="en-AE" dirty="0"/>
+              <a:t>    </a:t>
+            </a:r>
+            <a:r>
+              <a:rPr lang="en-AE" dirty="0" err="1"/>
+              <a:t>campaign_desc</a:t>
+            </a:r>
+            <a:r>
+              <a:rPr lang="en-AE" dirty="0"/>
+              <a:t>: 30</a:t>
+            </a:r>
+          </a:p>
+          <a:p>
+            <a:r>
+              <a:rPr lang="en-AE" dirty="0"/>
+              <a:t>    </a:t>
+            </a:r>
+            <a:r>
+              <a:rPr lang="en-AE" dirty="0" err="1"/>
+              <a:t>campaign_table</a:t>
+            </a:r>
+            <a:r>
+              <a:rPr lang="en-AE" dirty="0"/>
+              <a:t>: 7,208</a:t>
+            </a:r>
+          </a:p>
+          <a:p>
+            <a:r>
+              <a:rPr lang="en-AE" dirty="0"/>
+              <a:t>    </a:t>
+            </a:r>
+            <a:r>
+              <a:rPr lang="en-AE" dirty="0" err="1"/>
+              <a:t>causal_data</a:t>
+            </a:r>
+            <a:r>
+              <a:rPr lang="en-AE" dirty="0"/>
+              <a:t>: 36,786,524</a:t>
+            </a:r>
+          </a:p>
+          <a:p>
+            <a:r>
+              <a:rPr lang="en-AE" dirty="0"/>
+              <a:t>    coupon: 124,548</a:t>
+            </a:r>
+          </a:p>
+          <a:p>
+            <a:endParaRPr lang="en-AE" dirty="0"/>
+          </a:p>
+          <a:p>
+            <a:endParaRPr lang="en-AE" dirty="0"/>
+          </a:p>
+          <a:p>
+            <a:endParaRPr lang="en-AE" dirty="0"/>
+          </a:p>
+          <a:p>
+            <a:endParaRPr lang="en-AE" dirty="0"/>
+          </a:p>
+          <a:p>
+            <a:endParaRPr lang="en-AE" dirty="0"/>
+          </a:p>
+          <a:p>
+            <a:r>
+              <a:rPr lang="en-AE" dirty="0"/>
+              <a:t>    </a:t>
+            </a:r>
+            <a:r>
+              <a:rPr lang="en-AE" dirty="0" err="1"/>
+              <a:t>coupon_redempt</a:t>
+            </a:r>
+            <a:r>
+              <a:rPr lang="en-AE" dirty="0"/>
+              <a:t>: 2,318</a:t>
+            </a:r>
+          </a:p>
+          <a:p>
+            <a:r>
+              <a:rPr lang="en-AE" dirty="0"/>
+              <a:t>    </a:t>
+            </a:r>
+            <a:r>
+              <a:rPr lang="en-AE" dirty="0" err="1"/>
+              <a:t>hh_demographic</a:t>
+            </a:r>
+            <a:r>
+              <a:rPr lang="en-AE" dirty="0"/>
+              <a:t>: 801</a:t>
+            </a:r>
+          </a:p>
+          <a:p>
+            <a:r>
+              <a:rPr lang="en-AE" dirty="0"/>
+              <a:t>    product: 92,353</a:t>
+            </a:r>
+          </a:p>
+          <a:p>
+            <a:r>
+              <a:rPr lang="en-AE" dirty="0"/>
+              <a:t>    </a:t>
+            </a:r>
+            <a:r>
+              <a:rPr lang="en-AE" dirty="0" err="1"/>
+              <a:t>transaction_data</a:t>
+            </a:r>
+            <a:r>
+              <a:rPr lang="en-AE" dirty="0"/>
+              <a:t>: 2,595,732</a:t>
+            </a:r>
+          </a:p>
+        </p:txBody>
+      </p:sp>
+    </p:spTree>
+    <p:extLst>
+      <p:ext uri="{BB962C8B-B14F-4D97-AF65-F5344CB8AC3E}">
+        <p14:creationId xmlns:p14="http://schemas.microsoft.com/office/powerpoint/2010/main" val="1576158035"/>
+      </p:ext>
+    </p:extLst>
+  </p:cSld>
+  <p:clrMapOvr>
+    <a:masterClrMapping/>
+  </p:clrMapOvr>
+</p:sld>
+</file>
+
+<file path=ppt/slides/slide13.xml><?xml version="1.0" encoding="utf-8"?>
 <p:sld xmlns:a="http://schemas.openxmlformats.org/drawingml/2006/main" xmlns:r="http://schemas.openxmlformats.org/officeDocument/2006/relationships" xmlns:p="http://schemas.openxmlformats.org/presentationml/2006/main">
   <p:cSld>
     <p:spTree>
@@ -4237,7 +9225,7 @@
           <p:cNvPr id="2" name="Title 1">
             <a:extLst>
               <a:ext uri="{FF2B5EF4-FFF2-40B4-BE49-F238E27FC236}">
-                <a16:creationId xmlns:a16="http://schemas.microsoft.com/office/drawing/2014/main" id="{3005E32D-958F-BF05-84F5-240969F6DC4E}"/>
+                <a16:creationId xmlns:a16="http://schemas.microsoft.com/office/drawing/2014/main" id="{F9F4845E-5368-0AB0-2231-A7150786E968}"/>
               </a:ext>
             </a:extLst>
           </p:cNvPr>
@@ -4250,14 +9238,194 @@
         </p:nvSpPr>
         <p:spPr>
           <a:xfrm>
-            <a:off x="1364413" y="154811"/>
-            <a:ext cx="9692640" cy="1325562"/>
+            <a:off x="829536" y="835285"/>
+            <a:ext cx="9627826" cy="1702737"/>
           </a:xfrm>
         </p:spPr>
         <p:txBody>
-          <a:bodyPr/>
+          <a:bodyPr>
+            <a:normAutofit fontScale="90000"/>
+          </a:bodyPr>
           <a:lstStyle/>
           <a:p>
+            <a:r>
+              <a:rPr lang="en-US" dirty="0"/>
+              <a:t>Load Performance &amp; Storage</a:t>
+            </a:r>
+            <a:br>
+              <a:rPr lang="en-US" b="1" dirty="0"/>
+            </a:br>
+            <a:br>
+              <a:rPr lang="en-US" b="1" dirty="0"/>
+            </a:br>
+            <a:r>
+              <a:rPr lang="en-US" sz="2700" dirty="0"/>
+              <a:t>SQL Server loads faster, but PostgreSQL is more space-efficient.</a:t>
+            </a:r>
+            <a:endParaRPr lang="en-AE" b="1" dirty="0"/>
+          </a:p>
+        </p:txBody>
+      </p:sp>
+      <p:cxnSp>
+        <p:nvCxnSpPr>
+          <p:cNvPr id="17" name="Straight Connector 16">
+            <a:extLst>
+              <a:ext uri="{FF2B5EF4-FFF2-40B4-BE49-F238E27FC236}">
+                <a16:creationId xmlns:a16="http://schemas.microsoft.com/office/drawing/2014/main" id="{15F71155-3BDE-04D0-6358-742892EBD6DE}"/>
+              </a:ext>
+            </a:extLst>
+          </p:cNvPr>
+          <p:cNvCxnSpPr/>
+          <p:nvPr/>
+        </p:nvCxnSpPr>
+        <p:spPr>
+          <a:xfrm>
+            <a:off x="659579" y="1686654"/>
+            <a:ext cx="8596668" cy="0"/>
+          </a:xfrm>
+          <a:prstGeom prst="line">
+            <a:avLst/>
+          </a:prstGeom>
+        </p:spPr>
+        <p:style>
+          <a:lnRef idx="3">
+            <a:schemeClr val="accent6"/>
+          </a:lnRef>
+          <a:fillRef idx="0">
+            <a:schemeClr val="accent6"/>
+          </a:fillRef>
+          <a:effectRef idx="2">
+            <a:schemeClr val="accent6"/>
+          </a:effectRef>
+          <a:fontRef idx="minor">
+            <a:schemeClr val="tx1"/>
+          </a:fontRef>
+        </p:style>
+      </p:cxnSp>
+      <p:graphicFrame>
+        <p:nvGraphicFramePr>
+          <p:cNvPr id="5" name="Chart 4">
+            <a:extLst>
+              <a:ext uri="{FF2B5EF4-FFF2-40B4-BE49-F238E27FC236}">
+                <a16:creationId xmlns:a16="http://schemas.microsoft.com/office/drawing/2014/main" id="{50A8C038-4260-DF93-1561-0A0059A8587D}"/>
+              </a:ext>
+            </a:extLst>
+          </p:cNvPr>
+          <p:cNvGraphicFramePr/>
+          <p:nvPr/>
+        </p:nvGraphicFramePr>
+        <p:xfrm>
+          <a:off x="659579" y="2921907"/>
+          <a:ext cx="4751457" cy="2506313"/>
+        </p:xfrm>
+        <a:graphic>
+          <a:graphicData uri="http://schemas.openxmlformats.org/drawingml/2006/chart">
+            <c:chart xmlns:c="http://schemas.openxmlformats.org/drawingml/2006/chart" xmlns:r="http://schemas.openxmlformats.org/officeDocument/2006/relationships" r:id="rId2"/>
+          </a:graphicData>
+        </a:graphic>
+      </p:graphicFrame>
+      <p:graphicFrame>
+        <p:nvGraphicFramePr>
+          <p:cNvPr id="6" name="Chart 5">
+            <a:extLst>
+              <a:ext uri="{FF2B5EF4-FFF2-40B4-BE49-F238E27FC236}">
+                <a16:creationId xmlns:a16="http://schemas.microsoft.com/office/drawing/2014/main" id="{CFCAB5B2-8175-3568-4600-DBAD470BC103}"/>
+              </a:ext>
+            </a:extLst>
+          </p:cNvPr>
+          <p:cNvGraphicFramePr/>
+          <p:nvPr/>
+        </p:nvGraphicFramePr>
+        <p:xfrm>
+          <a:off x="5642262" y="2832312"/>
+          <a:ext cx="5108029" cy="2595911"/>
+        </p:xfrm>
+        <a:graphic>
+          <a:graphicData uri="http://schemas.openxmlformats.org/drawingml/2006/chart">
+            <c:chart xmlns:c="http://schemas.openxmlformats.org/drawingml/2006/chart" xmlns:r="http://schemas.openxmlformats.org/officeDocument/2006/relationships" r:id="rId3"/>
+          </a:graphicData>
+        </a:graphic>
+      </p:graphicFrame>
+      <p:sp>
+        <p:nvSpPr>
+          <p:cNvPr id="8" name="TextBox 7">
+            <a:extLst>
+              <a:ext uri="{FF2B5EF4-FFF2-40B4-BE49-F238E27FC236}">
+                <a16:creationId xmlns:a16="http://schemas.microsoft.com/office/drawing/2014/main" id="{B59D9AEA-F475-9D28-01A8-C0DF9B3B8EBE}"/>
+              </a:ext>
+            </a:extLst>
+          </p:cNvPr>
+          <p:cNvSpPr txBox="1"/>
+          <p:nvPr/>
+        </p:nvSpPr>
+        <p:spPr>
+          <a:xfrm>
+            <a:off x="748862" y="5627439"/>
+            <a:ext cx="6101254" cy="646331"/>
+          </a:xfrm>
+          <a:prstGeom prst="rect">
+            <a:avLst/>
+          </a:prstGeom>
+          <a:noFill/>
+        </p:spPr>
+        <p:txBody>
+          <a:bodyPr wrap="square">
+            <a:spAutoFit/>
+          </a:bodyPr>
+          <a:lstStyle/>
+          <a:p>
+            <a:r>
+              <a:rPr lang="en-US" dirty="0"/>
+              <a:t>Load time (sec): PG 644.3, SQL 486.2</a:t>
+            </a:r>
+          </a:p>
+          <a:p>
+            <a:r>
+              <a:rPr lang="en-AE" dirty="0"/>
+              <a:t>32.5% difference</a:t>
+            </a:r>
+            <a:endParaRPr lang="en-US" dirty="0"/>
+          </a:p>
+        </p:txBody>
+      </p:sp>
+      <p:sp>
+        <p:nvSpPr>
+          <p:cNvPr id="10" name="TextBox 9">
+            <a:extLst>
+              <a:ext uri="{FF2B5EF4-FFF2-40B4-BE49-F238E27FC236}">
+                <a16:creationId xmlns:a16="http://schemas.microsoft.com/office/drawing/2014/main" id="{9E52A510-E14C-36D0-1D4E-022D51067B2F}"/>
+              </a:ext>
+            </a:extLst>
+          </p:cNvPr>
+          <p:cNvSpPr txBox="1"/>
+          <p:nvPr/>
+        </p:nvSpPr>
+        <p:spPr>
+          <a:xfrm>
+            <a:off x="6030309" y="5627439"/>
+            <a:ext cx="6101254" cy="646331"/>
+          </a:xfrm>
+          <a:prstGeom prst="rect">
+            <a:avLst/>
+          </a:prstGeom>
+          <a:noFill/>
+        </p:spPr>
+        <p:txBody>
+          <a:bodyPr wrap="square">
+            <a:spAutoFit/>
+          </a:bodyPr>
+          <a:lstStyle/>
+          <a:p>
+            <a:r>
+              <a:rPr lang="en-US" dirty="0"/>
+              <a:t>Database size (GiB): PG 2.39, SQL 2.70</a:t>
+            </a:r>
+          </a:p>
+          <a:p>
+            <a:r>
+              <a:rPr lang="en-AE" dirty="0"/>
+              <a:t>11.5% difference</a:t>
+            </a:r>
             <a:endParaRPr lang="en-US" dirty="0"/>
           </a:p>
         </p:txBody>
@@ -4265,7 +9433,7 @@
     </p:spTree>
     <p:extLst>
       <p:ext uri="{BB962C8B-B14F-4D97-AF65-F5344CB8AC3E}">
-        <p14:creationId xmlns:p14="http://schemas.microsoft.com/office/powerpoint/2010/main" val="1576158035"/>
+        <p14:creationId xmlns:p14="http://schemas.microsoft.com/office/powerpoint/2010/main" val="3435271245"/>
       </p:ext>
     </p:extLst>
   </p:cSld>
@@ -4275,7 +9443,1857 @@
 </p:sld>
 </file>
 
-<file path=ppt/slides/slide11.xml><?xml version="1.0" encoding="utf-8"?>
+<file path=ppt/slides/slide14.xml><?xml version="1.0" encoding="utf-8"?>
+<p:sld xmlns:a="http://schemas.openxmlformats.org/drawingml/2006/main" xmlns:r="http://schemas.openxmlformats.org/officeDocument/2006/relationships" xmlns:p="http://schemas.openxmlformats.org/presentationml/2006/main">
+  <p:cSld>
+    <p:spTree>
+      <p:nvGrpSpPr>
+        <p:cNvPr id="1" name="">
+          <a:extLst>
+            <a:ext uri="{FF2B5EF4-FFF2-40B4-BE49-F238E27FC236}">
+              <a16:creationId xmlns:a16="http://schemas.microsoft.com/office/drawing/2014/main" id="{B2A7F0E0-E1CC-1990-9C41-9D23B9D40F35}"/>
+            </a:ext>
+          </a:extLst>
+        </p:cNvPr>
+        <p:cNvGrpSpPr/>
+        <p:nvPr/>
+      </p:nvGrpSpPr>
+      <p:grpSpPr>
+        <a:xfrm>
+          <a:off x="0" y="0"/>
+          <a:ext cx="0" cy="0"/>
+          <a:chOff x="0" y="0"/>
+          <a:chExt cx="0" cy="0"/>
+        </a:xfrm>
+      </p:grpSpPr>
+      <p:sp>
+        <p:nvSpPr>
+          <p:cNvPr id="2" name="Title 1">
+            <a:extLst>
+              <a:ext uri="{FF2B5EF4-FFF2-40B4-BE49-F238E27FC236}">
+                <a16:creationId xmlns:a16="http://schemas.microsoft.com/office/drawing/2014/main" id="{1D1F15CB-43EE-F0ED-951D-FC57FD55E9FF}"/>
+              </a:ext>
+            </a:extLst>
+          </p:cNvPr>
+          <p:cNvSpPr>
+            <a:spLocks noGrp="1"/>
+          </p:cNvSpPr>
+          <p:nvPr>
+            <p:ph type="title"/>
+          </p:nvPr>
+        </p:nvSpPr>
+        <p:spPr>
+          <a:xfrm>
+            <a:off x="829536" y="835285"/>
+            <a:ext cx="9627826" cy="1702737"/>
+          </a:xfrm>
+        </p:spPr>
+        <p:txBody>
+          <a:bodyPr>
+            <a:normAutofit fontScale="90000"/>
+          </a:bodyPr>
+          <a:lstStyle/>
+          <a:p>
+            <a:r>
+              <a:rPr lang="en-US" dirty="0"/>
+              <a:t>Query Throughput &amp; Latency</a:t>
+            </a:r>
+            <a:br>
+              <a:rPr lang="en-US" b="1" dirty="0"/>
+            </a:br>
+            <a:br>
+              <a:rPr lang="en-US" b="1" dirty="0"/>
+            </a:br>
+            <a:r>
+              <a:rPr lang="en-US" sz="2700" dirty="0"/>
+              <a:t>PostgreSQL sustains higher throughput with lower p95 latency.</a:t>
+            </a:r>
+            <a:endParaRPr lang="en-AE" b="1" dirty="0"/>
+          </a:p>
+        </p:txBody>
+      </p:sp>
+      <p:cxnSp>
+        <p:nvCxnSpPr>
+          <p:cNvPr id="17" name="Straight Connector 16">
+            <a:extLst>
+              <a:ext uri="{FF2B5EF4-FFF2-40B4-BE49-F238E27FC236}">
+                <a16:creationId xmlns:a16="http://schemas.microsoft.com/office/drawing/2014/main" id="{118FB77C-628E-48A8-091C-ABB3625FBA76}"/>
+              </a:ext>
+            </a:extLst>
+          </p:cNvPr>
+          <p:cNvCxnSpPr/>
+          <p:nvPr/>
+        </p:nvCxnSpPr>
+        <p:spPr>
+          <a:xfrm>
+            <a:off x="659579" y="1686654"/>
+            <a:ext cx="8596668" cy="0"/>
+          </a:xfrm>
+          <a:prstGeom prst="line">
+            <a:avLst/>
+          </a:prstGeom>
+        </p:spPr>
+        <p:style>
+          <a:lnRef idx="3">
+            <a:schemeClr val="accent6"/>
+          </a:lnRef>
+          <a:fillRef idx="0">
+            <a:schemeClr val="accent6"/>
+          </a:fillRef>
+          <a:effectRef idx="2">
+            <a:schemeClr val="accent6"/>
+          </a:effectRef>
+          <a:fontRef idx="minor">
+            <a:schemeClr val="tx1"/>
+          </a:fontRef>
+        </p:style>
+      </p:cxnSp>
+      <p:graphicFrame>
+        <p:nvGraphicFramePr>
+          <p:cNvPr id="5" name="Chart 4">
+            <a:extLst>
+              <a:ext uri="{FF2B5EF4-FFF2-40B4-BE49-F238E27FC236}">
+                <a16:creationId xmlns:a16="http://schemas.microsoft.com/office/drawing/2014/main" id="{03C373BB-B141-D0F6-2FB1-E7A2E9D5534E}"/>
+              </a:ext>
+            </a:extLst>
+          </p:cNvPr>
+          <p:cNvGraphicFramePr/>
+          <p:nvPr/>
+        </p:nvGraphicFramePr>
+        <p:xfrm>
+          <a:off x="659579" y="2921907"/>
+          <a:ext cx="4751457" cy="2506313"/>
+        </p:xfrm>
+        <a:graphic>
+          <a:graphicData uri="http://schemas.openxmlformats.org/drawingml/2006/chart">
+            <c:chart xmlns:c="http://schemas.openxmlformats.org/drawingml/2006/chart" xmlns:r="http://schemas.openxmlformats.org/officeDocument/2006/relationships" r:id="rId2"/>
+          </a:graphicData>
+        </a:graphic>
+      </p:graphicFrame>
+      <p:graphicFrame>
+        <p:nvGraphicFramePr>
+          <p:cNvPr id="6" name="Chart 5">
+            <a:extLst>
+              <a:ext uri="{FF2B5EF4-FFF2-40B4-BE49-F238E27FC236}">
+                <a16:creationId xmlns:a16="http://schemas.microsoft.com/office/drawing/2014/main" id="{DB9960AF-8A19-ECD6-A864-0696523BB2C0}"/>
+              </a:ext>
+            </a:extLst>
+          </p:cNvPr>
+          <p:cNvGraphicFramePr/>
+          <p:nvPr/>
+        </p:nvGraphicFramePr>
+        <p:xfrm>
+          <a:off x="5642262" y="2832312"/>
+          <a:ext cx="5108029" cy="2595911"/>
+        </p:xfrm>
+        <a:graphic>
+          <a:graphicData uri="http://schemas.openxmlformats.org/drawingml/2006/chart">
+            <c:chart xmlns:c="http://schemas.openxmlformats.org/drawingml/2006/chart" xmlns:r="http://schemas.openxmlformats.org/officeDocument/2006/relationships" r:id="rId3"/>
+          </a:graphicData>
+        </a:graphic>
+      </p:graphicFrame>
+      <p:sp>
+        <p:nvSpPr>
+          <p:cNvPr id="8" name="TextBox 7">
+            <a:extLst>
+              <a:ext uri="{FF2B5EF4-FFF2-40B4-BE49-F238E27FC236}">
+                <a16:creationId xmlns:a16="http://schemas.microsoft.com/office/drawing/2014/main" id="{67E1DE5A-02F5-44DC-9289-678B5A8539C8}"/>
+              </a:ext>
+            </a:extLst>
+          </p:cNvPr>
+          <p:cNvSpPr txBox="1"/>
+          <p:nvPr/>
+        </p:nvSpPr>
+        <p:spPr>
+          <a:xfrm>
+            <a:off x="748862" y="5627439"/>
+            <a:ext cx="6101254" cy="646331"/>
+          </a:xfrm>
+          <a:prstGeom prst="rect">
+            <a:avLst/>
+          </a:prstGeom>
+          <a:noFill/>
+        </p:spPr>
+        <p:txBody>
+          <a:bodyPr wrap="square">
+            <a:spAutoFit/>
+          </a:bodyPr>
+          <a:lstStyle/>
+          <a:p>
+            <a:r>
+              <a:rPr lang="en-US" dirty="0"/>
+              <a:t>Throughput (TPS): PG 2779.4 vs SQL 2599.6 </a:t>
+            </a:r>
+          </a:p>
+          <a:p>
+            <a:r>
+              <a:rPr lang="en-US" dirty="0"/>
+              <a:t>6.9% difference </a:t>
+            </a:r>
+          </a:p>
+        </p:txBody>
+      </p:sp>
+      <p:sp>
+        <p:nvSpPr>
+          <p:cNvPr id="10" name="TextBox 9">
+            <a:extLst>
+              <a:ext uri="{FF2B5EF4-FFF2-40B4-BE49-F238E27FC236}">
+                <a16:creationId xmlns:a16="http://schemas.microsoft.com/office/drawing/2014/main" id="{FAB58725-C77B-6C83-EE15-EF84236068AE}"/>
+              </a:ext>
+            </a:extLst>
+          </p:cNvPr>
+          <p:cNvSpPr txBox="1"/>
+          <p:nvPr/>
+        </p:nvSpPr>
+        <p:spPr>
+          <a:xfrm>
+            <a:off x="6030309" y="5627439"/>
+            <a:ext cx="6101254" cy="1200329"/>
+          </a:xfrm>
+          <a:prstGeom prst="rect">
+            <a:avLst/>
+          </a:prstGeom>
+          <a:noFill/>
+        </p:spPr>
+        <p:txBody>
+          <a:bodyPr wrap="square">
+            <a:spAutoFit/>
+          </a:bodyPr>
+          <a:lstStyle/>
+          <a:p>
+            <a:r>
+              <a:rPr lang="en-US" dirty="0"/>
+              <a:t>p95 latency (</a:t>
+            </a:r>
+            <a:r>
+              <a:rPr lang="en-US" dirty="0" err="1"/>
+              <a:t>ms</a:t>
+            </a:r>
+            <a:r>
+              <a:rPr lang="en-US" dirty="0"/>
+              <a:t>): PG 3.173 vs SQL 3.312 </a:t>
+            </a:r>
+          </a:p>
+          <a:p>
+            <a:r>
+              <a:rPr lang="en-US" dirty="0"/>
+              <a:t>4.2% difference</a:t>
+            </a:r>
+          </a:p>
+          <a:p>
+            <a:r>
+              <a:rPr lang="en-US" dirty="0"/>
+              <a:t>lower is better</a:t>
+            </a:r>
+          </a:p>
+          <a:p>
+            <a:endParaRPr lang="en-US" dirty="0"/>
+          </a:p>
+        </p:txBody>
+      </p:sp>
+    </p:spTree>
+    <p:extLst>
+      <p:ext uri="{BB962C8B-B14F-4D97-AF65-F5344CB8AC3E}">
+        <p14:creationId xmlns:p14="http://schemas.microsoft.com/office/powerpoint/2010/main" val="1712138358"/>
+      </p:ext>
+    </p:extLst>
+  </p:cSld>
+  <p:clrMapOvr>
+    <a:masterClrMapping/>
+  </p:clrMapOvr>
+</p:sld>
+</file>
+
+<file path=ppt/slides/slide15.xml><?xml version="1.0" encoding="utf-8"?>
+<p:sld xmlns:a="http://schemas.openxmlformats.org/drawingml/2006/main" xmlns:r="http://schemas.openxmlformats.org/officeDocument/2006/relationships" xmlns:p="http://schemas.openxmlformats.org/presentationml/2006/main">
+  <p:cSld>
+    <p:spTree>
+      <p:nvGrpSpPr>
+        <p:cNvPr id="1" name="">
+          <a:extLst>
+            <a:ext uri="{FF2B5EF4-FFF2-40B4-BE49-F238E27FC236}">
+              <a16:creationId xmlns:a16="http://schemas.microsoft.com/office/drawing/2014/main" id="{F70248F2-62D9-0C1A-F3FA-ABA7582A1CF9}"/>
+            </a:ext>
+          </a:extLst>
+        </p:cNvPr>
+        <p:cNvGrpSpPr/>
+        <p:nvPr/>
+      </p:nvGrpSpPr>
+      <p:grpSpPr>
+        <a:xfrm>
+          <a:off x="0" y="0"/>
+          <a:ext cx="0" cy="0"/>
+          <a:chOff x="0" y="0"/>
+          <a:chExt cx="0" cy="0"/>
+        </a:xfrm>
+      </p:grpSpPr>
+      <p:sp>
+        <p:nvSpPr>
+          <p:cNvPr id="3" name="Title 2">
+            <a:extLst>
+              <a:ext uri="{FF2B5EF4-FFF2-40B4-BE49-F238E27FC236}">
+                <a16:creationId xmlns:a16="http://schemas.microsoft.com/office/drawing/2014/main" id="{ADF64E7D-4100-307B-6F6C-B0E20B39BDEE}"/>
+              </a:ext>
+            </a:extLst>
+          </p:cNvPr>
+          <p:cNvSpPr>
+            <a:spLocks noGrp="1"/>
+          </p:cNvSpPr>
+          <p:nvPr>
+            <p:ph type="title"/>
+          </p:nvPr>
+        </p:nvSpPr>
+        <p:spPr>
+          <a:xfrm>
+            <a:off x="659579" y="365760"/>
+            <a:ext cx="10294933" cy="1325562"/>
+          </a:xfrm>
+        </p:spPr>
+        <p:txBody>
+          <a:bodyPr>
+            <a:normAutofit/>
+          </a:bodyPr>
+          <a:lstStyle/>
+          <a:p>
+            <a:r>
+              <a:rPr lang="en-US" sz="4000" dirty="0"/>
+              <a:t>PostgreSQL vs. SQL Server</a:t>
+            </a:r>
+            <a:br>
+              <a:rPr lang="en-US" sz="4000" dirty="0"/>
+            </a:br>
+            <a:r>
+              <a:rPr lang="en-US" sz="4000" dirty="0"/>
+              <a:t>Key Takeaways</a:t>
+            </a:r>
+            <a:endParaRPr lang="en-AE" sz="4000" dirty="0"/>
+          </a:p>
+        </p:txBody>
+      </p:sp>
+      <p:sp>
+        <p:nvSpPr>
+          <p:cNvPr id="4" name="Content Placeholder 3">
+            <a:extLst>
+              <a:ext uri="{FF2B5EF4-FFF2-40B4-BE49-F238E27FC236}">
+                <a16:creationId xmlns:a16="http://schemas.microsoft.com/office/drawing/2014/main" id="{C302CAE0-CE5B-D7AC-4351-57643A410050}"/>
+              </a:ext>
+            </a:extLst>
+          </p:cNvPr>
+          <p:cNvSpPr>
+            <a:spLocks noGrp="1"/>
+          </p:cNvSpPr>
+          <p:nvPr>
+            <p:ph idx="1"/>
+          </p:nvPr>
+        </p:nvSpPr>
+        <p:spPr>
+          <a:xfrm>
+            <a:off x="834501" y="1828800"/>
+            <a:ext cx="9022731" cy="4351337"/>
+          </a:xfrm>
+        </p:spPr>
+        <p:txBody>
+          <a:bodyPr>
+            <a:normAutofit/>
+          </a:bodyPr>
+          <a:lstStyle/>
+          <a:p>
+            <a:r>
+              <a:rPr lang="en-US" dirty="0"/>
+              <a:t>The best choice depends on your primary workload: data ingestion or queries.</a:t>
+            </a:r>
+          </a:p>
+          <a:p>
+            <a:r>
+              <a:rPr lang="en-US" dirty="0"/>
+              <a:t>SQL Server Excels at Ingestion: It's the winner for bulk data loading, finishing the task over 32% faster.</a:t>
+            </a:r>
+          </a:p>
+          <a:p>
+            <a:r>
+              <a:rPr lang="en-US" dirty="0"/>
+              <a:t>PostgreSQL Excels at Queries: It handles a mixed read/write workload better, delivering ~7% more transactions per second with lower latency.</a:t>
+            </a:r>
+          </a:p>
+          <a:p>
+            <a:r>
+              <a:rPr lang="en-US" dirty="0"/>
+              <a:t>Storage Efficiency: PostgreSQL provides a more compact on-disk footprint for this dataset, saving over 11% space.</a:t>
+            </a:r>
+          </a:p>
+        </p:txBody>
+      </p:sp>
+      <p:sp>
+        <p:nvSpPr>
+          <p:cNvPr id="9" name="TextBox 8">
+            <a:extLst>
+              <a:ext uri="{FF2B5EF4-FFF2-40B4-BE49-F238E27FC236}">
+                <a16:creationId xmlns:a16="http://schemas.microsoft.com/office/drawing/2014/main" id="{1D4CBC3E-AA4E-D475-395E-76A0194E738C}"/>
+              </a:ext>
+            </a:extLst>
+          </p:cNvPr>
+          <p:cNvSpPr txBox="1"/>
+          <p:nvPr/>
+        </p:nvSpPr>
+        <p:spPr>
+          <a:xfrm>
+            <a:off x="1444841" y="4828531"/>
+            <a:ext cx="8412391" cy="923330"/>
+          </a:xfrm>
+          <a:prstGeom prst="rect">
+            <a:avLst/>
+          </a:prstGeom>
+        </p:spPr>
+        <p:style>
+          <a:lnRef idx="3">
+            <a:schemeClr val="lt1"/>
+          </a:lnRef>
+          <a:fillRef idx="1">
+            <a:schemeClr val="accent2"/>
+          </a:fillRef>
+          <a:effectRef idx="1">
+            <a:schemeClr val="accent2"/>
+          </a:effectRef>
+          <a:fontRef idx="minor">
+            <a:schemeClr val="lt1"/>
+          </a:fontRef>
+        </p:style>
+        <p:txBody>
+          <a:bodyPr wrap="square">
+            <a:spAutoFit/>
+          </a:bodyPr>
+          <a:lstStyle/>
+          <a:p>
+            <a:r>
+              <a:rPr lang="en-US" b="1" dirty="0"/>
+              <a:t>Final Decision:</a:t>
+            </a:r>
+            <a:r>
+              <a:rPr lang="en-US" dirty="0"/>
+              <a:t> For workloads such as this, prioritize SQL Server if rapid data ingestion is critical. Prioritize PostgreSQL if read-heavy query performance and storage efficiency are more important.</a:t>
+            </a:r>
+            <a:endParaRPr lang="en-AE" b="1" dirty="0"/>
+          </a:p>
+        </p:txBody>
+      </p:sp>
+      <p:cxnSp>
+        <p:nvCxnSpPr>
+          <p:cNvPr id="5" name="Straight Connector 4">
+            <a:extLst>
+              <a:ext uri="{FF2B5EF4-FFF2-40B4-BE49-F238E27FC236}">
+                <a16:creationId xmlns:a16="http://schemas.microsoft.com/office/drawing/2014/main" id="{186F734B-6889-CE74-9588-1543EB4A5BF8}"/>
+              </a:ext>
+            </a:extLst>
+          </p:cNvPr>
+          <p:cNvCxnSpPr/>
+          <p:nvPr/>
+        </p:nvCxnSpPr>
+        <p:spPr>
+          <a:xfrm>
+            <a:off x="659579" y="1686654"/>
+            <a:ext cx="8596668" cy="0"/>
+          </a:xfrm>
+          <a:prstGeom prst="line">
+            <a:avLst/>
+          </a:prstGeom>
+        </p:spPr>
+        <p:style>
+          <a:lnRef idx="3">
+            <a:schemeClr val="accent6"/>
+          </a:lnRef>
+          <a:fillRef idx="0">
+            <a:schemeClr val="accent6"/>
+          </a:fillRef>
+          <a:effectRef idx="2">
+            <a:schemeClr val="accent6"/>
+          </a:effectRef>
+          <a:fontRef idx="minor">
+            <a:schemeClr val="tx1"/>
+          </a:fontRef>
+        </p:style>
+      </p:cxnSp>
+    </p:spTree>
+    <p:extLst>
+      <p:ext uri="{BB962C8B-B14F-4D97-AF65-F5344CB8AC3E}">
+        <p14:creationId xmlns:p14="http://schemas.microsoft.com/office/powerpoint/2010/main" val="1022601582"/>
+      </p:ext>
+    </p:extLst>
+  </p:cSld>
+  <p:clrMapOvr>
+    <a:masterClrMapping/>
+  </p:clrMapOvr>
+</p:sld>
+</file>
+
+<file path=ppt/slides/slide16.xml><?xml version="1.0" encoding="utf-8"?>
+<p:sld xmlns:a="http://schemas.openxmlformats.org/drawingml/2006/main" xmlns:r="http://schemas.openxmlformats.org/officeDocument/2006/relationships" xmlns:p="http://schemas.openxmlformats.org/presentationml/2006/main">
+  <p:cSld>
+    <p:spTree>
+      <p:nvGrpSpPr>
+        <p:cNvPr id="1" name="">
+          <a:extLst>
+            <a:ext uri="{FF2B5EF4-FFF2-40B4-BE49-F238E27FC236}">
+              <a16:creationId xmlns:a16="http://schemas.microsoft.com/office/drawing/2014/main" id="{D3C7FC0A-B074-2FF7-6C71-E5AEDF4430A9}"/>
+            </a:ext>
+          </a:extLst>
+        </p:cNvPr>
+        <p:cNvGrpSpPr/>
+        <p:nvPr/>
+      </p:nvGrpSpPr>
+      <p:grpSpPr>
+        <a:xfrm>
+          <a:off x="0" y="0"/>
+          <a:ext cx="0" cy="0"/>
+          <a:chOff x="0" y="0"/>
+          <a:chExt cx="0" cy="0"/>
+        </a:xfrm>
+      </p:grpSpPr>
+      <p:sp>
+        <p:nvSpPr>
+          <p:cNvPr id="3" name="Title 2">
+            <a:extLst>
+              <a:ext uri="{FF2B5EF4-FFF2-40B4-BE49-F238E27FC236}">
+                <a16:creationId xmlns:a16="http://schemas.microsoft.com/office/drawing/2014/main" id="{A8A99A9B-1C3A-0DDD-D71E-A63259250207}"/>
+              </a:ext>
+            </a:extLst>
+          </p:cNvPr>
+          <p:cNvSpPr>
+            <a:spLocks noGrp="1"/>
+          </p:cNvSpPr>
+          <p:nvPr>
+            <p:ph type="title"/>
+          </p:nvPr>
+        </p:nvSpPr>
+        <p:spPr>
+          <a:xfrm>
+            <a:off x="659579" y="365760"/>
+            <a:ext cx="10294933" cy="1325562"/>
+          </a:xfrm>
+        </p:spPr>
+        <p:txBody>
+          <a:bodyPr>
+            <a:normAutofit/>
+          </a:bodyPr>
+          <a:lstStyle/>
+          <a:p>
+            <a:r>
+              <a:rPr lang="en-US" sz="4000" dirty="0"/>
+              <a:t>Comparative Analys:</a:t>
+            </a:r>
+            <a:br>
+              <a:rPr lang="en-US" sz="4000" dirty="0"/>
+            </a:br>
+            <a:r>
+              <a:rPr lang="en-US" sz="4000" dirty="0"/>
+              <a:t>PostgreSQL vs. MongoDB</a:t>
+            </a:r>
+            <a:endParaRPr lang="en-AE" sz="4000" dirty="0"/>
+          </a:p>
+        </p:txBody>
+      </p:sp>
+      <p:sp>
+        <p:nvSpPr>
+          <p:cNvPr id="4" name="Content Placeholder 3">
+            <a:extLst>
+              <a:ext uri="{FF2B5EF4-FFF2-40B4-BE49-F238E27FC236}">
+                <a16:creationId xmlns:a16="http://schemas.microsoft.com/office/drawing/2014/main" id="{B3D75058-9D8B-F47C-6E33-6D63C7C98CF9}"/>
+              </a:ext>
+            </a:extLst>
+          </p:cNvPr>
+          <p:cNvSpPr>
+            <a:spLocks noGrp="1"/>
+          </p:cNvSpPr>
+          <p:nvPr>
+            <p:ph idx="1"/>
+          </p:nvPr>
+        </p:nvSpPr>
+        <p:spPr>
+          <a:xfrm>
+            <a:off x="763480" y="1828800"/>
+            <a:ext cx="9093752" cy="4351337"/>
+          </a:xfrm>
+        </p:spPr>
+        <p:txBody>
+          <a:bodyPr>
+            <a:normAutofit/>
+          </a:bodyPr>
+          <a:lstStyle/>
+          <a:p>
+            <a:r>
+              <a:rPr lang="en-US" dirty="0"/>
+              <a:t>We used both engines to answer the same business questions, then measured where each wins.</a:t>
+            </a:r>
+          </a:p>
+          <a:p>
+            <a:r>
+              <a:rPr lang="en-US" dirty="0"/>
+              <a:t>Goal: Repeat the same cleaning, modeling, and analytics twice to compare outcomes.</a:t>
+            </a:r>
+          </a:p>
+          <a:p>
+            <a:r>
+              <a:rPr lang="en-US" dirty="0"/>
+              <a:t>Relational Path (PostgreSQL): Modeled in 3rd Normal Form with strict keys and joins for integrity.</a:t>
+            </a:r>
+          </a:p>
+          <a:p>
+            <a:r>
+              <a:rPr lang="en-US" dirty="0"/>
+              <a:t>Document Path (MongoDB): Used basket documents embedding items plus denormalized product and campaign views for speed.</a:t>
+            </a:r>
+          </a:p>
+        </p:txBody>
+      </p:sp>
+      <p:sp>
+        <p:nvSpPr>
+          <p:cNvPr id="9" name="TextBox 8">
+            <a:extLst>
+              <a:ext uri="{FF2B5EF4-FFF2-40B4-BE49-F238E27FC236}">
+                <a16:creationId xmlns:a16="http://schemas.microsoft.com/office/drawing/2014/main" id="{9FBE5001-AE83-D84B-66FA-FDEBFDDFE7EB}"/>
+              </a:ext>
+            </a:extLst>
+          </p:cNvPr>
+          <p:cNvSpPr txBox="1"/>
+          <p:nvPr/>
+        </p:nvSpPr>
+        <p:spPr>
+          <a:xfrm>
+            <a:off x="1104160" y="4709681"/>
+            <a:ext cx="8412391" cy="923330"/>
+          </a:xfrm>
+          <a:prstGeom prst="rect">
+            <a:avLst/>
+          </a:prstGeom>
+        </p:spPr>
+        <p:style>
+          <a:lnRef idx="3">
+            <a:schemeClr val="lt1"/>
+          </a:lnRef>
+          <a:fillRef idx="1">
+            <a:schemeClr val="accent2"/>
+          </a:fillRef>
+          <a:effectRef idx="1">
+            <a:schemeClr val="accent2"/>
+          </a:effectRef>
+          <a:fontRef idx="minor">
+            <a:schemeClr val="lt1"/>
+          </a:fontRef>
+        </p:style>
+        <p:txBody>
+          <a:bodyPr wrap="square">
+            <a:spAutoFit/>
+          </a:bodyPr>
+          <a:lstStyle/>
+          <a:p>
+            <a:r>
+              <a:rPr lang="en-US" b="1" dirty="0"/>
+              <a:t>TL;DR: </a:t>
+            </a:r>
+            <a:r>
+              <a:rPr lang="en-US" dirty="0"/>
+              <a:t>PostgreSQL is best for deep multi-table analytics and governance; MongoDB is best for fast rollups inside natural aggregates like baskets and households.</a:t>
+            </a:r>
+            <a:endParaRPr lang="en-AE" dirty="0"/>
+          </a:p>
+        </p:txBody>
+      </p:sp>
+      <p:cxnSp>
+        <p:nvCxnSpPr>
+          <p:cNvPr id="10" name="Straight Connector 9">
+            <a:extLst>
+              <a:ext uri="{FF2B5EF4-FFF2-40B4-BE49-F238E27FC236}">
+                <a16:creationId xmlns:a16="http://schemas.microsoft.com/office/drawing/2014/main" id="{BF992D97-571C-5B47-E133-8D5F6A434AAB}"/>
+              </a:ext>
+            </a:extLst>
+          </p:cNvPr>
+          <p:cNvCxnSpPr/>
+          <p:nvPr/>
+        </p:nvCxnSpPr>
+        <p:spPr>
+          <a:xfrm>
+            <a:off x="659579" y="1686654"/>
+            <a:ext cx="8596668" cy="0"/>
+          </a:xfrm>
+          <a:prstGeom prst="line">
+            <a:avLst/>
+          </a:prstGeom>
+        </p:spPr>
+        <p:style>
+          <a:lnRef idx="3">
+            <a:schemeClr val="accent6"/>
+          </a:lnRef>
+          <a:fillRef idx="0">
+            <a:schemeClr val="accent6"/>
+          </a:fillRef>
+          <a:effectRef idx="2">
+            <a:schemeClr val="accent6"/>
+          </a:effectRef>
+          <a:fontRef idx="minor">
+            <a:schemeClr val="tx1"/>
+          </a:fontRef>
+        </p:style>
+      </p:cxnSp>
+    </p:spTree>
+    <p:extLst>
+      <p:ext uri="{BB962C8B-B14F-4D97-AF65-F5344CB8AC3E}">
+        <p14:creationId xmlns:p14="http://schemas.microsoft.com/office/powerpoint/2010/main" val="3703347779"/>
+      </p:ext>
+    </p:extLst>
+  </p:cSld>
+  <p:clrMapOvr>
+    <a:masterClrMapping/>
+  </p:clrMapOvr>
+</p:sld>
+</file>
+
+<file path=ppt/slides/slide17.xml><?xml version="1.0" encoding="utf-8"?>
+<p:sld xmlns:a="http://schemas.openxmlformats.org/drawingml/2006/main" xmlns:r="http://schemas.openxmlformats.org/officeDocument/2006/relationships" xmlns:p="http://schemas.openxmlformats.org/presentationml/2006/main">
+  <p:cSld>
+    <p:spTree>
+      <p:nvGrpSpPr>
+        <p:cNvPr id="1" name=""/>
+        <p:cNvGrpSpPr/>
+        <p:nvPr/>
+      </p:nvGrpSpPr>
+      <p:grpSpPr>
+        <a:xfrm>
+          <a:off x="0" y="0"/>
+          <a:ext cx="0" cy="0"/>
+          <a:chOff x="0" y="0"/>
+          <a:chExt cx="0" cy="0"/>
+        </a:xfrm>
+      </p:grpSpPr>
+      <p:sp>
+        <p:nvSpPr>
+          <p:cNvPr id="2" name="Title 1">
+            <a:extLst>
+              <a:ext uri="{FF2B5EF4-FFF2-40B4-BE49-F238E27FC236}">
+                <a16:creationId xmlns:a16="http://schemas.microsoft.com/office/drawing/2014/main" id="{B9CDF484-58D1-6FF1-FF86-282E4B65671E}"/>
+              </a:ext>
+            </a:extLst>
+          </p:cNvPr>
+          <p:cNvSpPr>
+            <a:spLocks noGrp="1"/>
+          </p:cNvSpPr>
+          <p:nvPr>
+            <p:ph type="title"/>
+          </p:nvPr>
+        </p:nvSpPr>
+        <p:spPr>
+          <a:xfrm>
+            <a:off x="825231" y="393990"/>
+            <a:ext cx="9623462" cy="671303"/>
+          </a:xfrm>
+        </p:spPr>
+        <p:txBody>
+          <a:bodyPr>
+            <a:normAutofit fontScale="90000"/>
+          </a:bodyPr>
+          <a:lstStyle/>
+          <a:p>
+            <a:r>
+              <a:rPr lang="en-US" dirty="0"/>
+              <a:t>A section within the Mongo ETL pipeline</a:t>
+            </a:r>
+          </a:p>
+        </p:txBody>
+      </p:sp>
+      <p:pic>
+        <p:nvPicPr>
+          <p:cNvPr id="4" name="Content Placeholder 3">
+            <a:extLst>
+              <a:ext uri="{FF2B5EF4-FFF2-40B4-BE49-F238E27FC236}">
+                <a16:creationId xmlns:a16="http://schemas.microsoft.com/office/drawing/2014/main" id="{063BD1C9-5C7B-D72E-13B5-9E831A3DF910}"/>
+              </a:ext>
+            </a:extLst>
+          </p:cNvPr>
+          <p:cNvPicPr>
+            <a:picLocks noGrp="1" noChangeAspect="1"/>
+          </p:cNvPicPr>
+          <p:nvPr>
+            <p:ph idx="1"/>
+          </p:nvPr>
+        </p:nvPicPr>
+        <p:blipFill>
+          <a:blip r:embed="rId2"/>
+          <a:stretch>
+            <a:fillRect/>
+          </a:stretch>
+        </p:blipFill>
+        <p:spPr>
+          <a:xfrm>
+            <a:off x="0" y="1065293"/>
+            <a:ext cx="11166047" cy="5123633"/>
+          </a:xfrm>
+          <a:prstGeom prst="rect">
+            <a:avLst/>
+          </a:prstGeom>
+        </p:spPr>
+      </p:pic>
+    </p:spTree>
+    <p:extLst>
+      <p:ext uri="{BB962C8B-B14F-4D97-AF65-F5344CB8AC3E}">
+        <p14:creationId xmlns:p14="http://schemas.microsoft.com/office/powerpoint/2010/main" val="3560880249"/>
+      </p:ext>
+    </p:extLst>
+  </p:cSld>
+  <p:clrMapOvr>
+    <a:masterClrMapping/>
+  </p:clrMapOvr>
+</p:sld>
+</file>
+
+<file path=ppt/slides/slide18.xml><?xml version="1.0" encoding="utf-8"?>
+<p:sld xmlns:a="http://schemas.openxmlformats.org/drawingml/2006/main" xmlns:r="http://schemas.openxmlformats.org/officeDocument/2006/relationships" xmlns:p="http://schemas.openxmlformats.org/presentationml/2006/main">
+  <p:cSld>
+    <p:spTree>
+      <p:nvGrpSpPr>
+        <p:cNvPr id="1" name="">
+          <a:extLst>
+            <a:ext uri="{FF2B5EF4-FFF2-40B4-BE49-F238E27FC236}">
+              <a16:creationId xmlns:a16="http://schemas.microsoft.com/office/drawing/2014/main" id="{C26F152F-9F64-12D8-18CB-67310AC134C1}"/>
+            </a:ext>
+          </a:extLst>
+        </p:cNvPr>
+        <p:cNvGrpSpPr/>
+        <p:nvPr/>
+      </p:nvGrpSpPr>
+      <p:grpSpPr>
+        <a:xfrm>
+          <a:off x="0" y="0"/>
+          <a:ext cx="0" cy="0"/>
+          <a:chOff x="0" y="0"/>
+          <a:chExt cx="0" cy="0"/>
+        </a:xfrm>
+      </p:grpSpPr>
+      <p:sp>
+        <p:nvSpPr>
+          <p:cNvPr id="3" name="Title 2">
+            <a:extLst>
+              <a:ext uri="{FF2B5EF4-FFF2-40B4-BE49-F238E27FC236}">
+                <a16:creationId xmlns:a16="http://schemas.microsoft.com/office/drawing/2014/main" id="{0177324A-8DA3-5967-7DBA-58A6B8B804A3}"/>
+              </a:ext>
+            </a:extLst>
+          </p:cNvPr>
+          <p:cNvSpPr>
+            <a:spLocks noGrp="1"/>
+          </p:cNvSpPr>
+          <p:nvPr>
+            <p:ph type="title"/>
+          </p:nvPr>
+        </p:nvSpPr>
+        <p:spPr>
+          <a:xfrm>
+            <a:off x="659579" y="365760"/>
+            <a:ext cx="10294933" cy="1325562"/>
+          </a:xfrm>
+        </p:spPr>
+        <p:txBody>
+          <a:bodyPr>
+            <a:normAutofit/>
+          </a:bodyPr>
+          <a:lstStyle/>
+          <a:p>
+            <a:r>
+              <a:rPr lang="en-US" dirty="0"/>
+              <a:t>Modeling and ETL</a:t>
+            </a:r>
+          </a:p>
+        </p:txBody>
+      </p:sp>
+      <p:sp>
+        <p:nvSpPr>
+          <p:cNvPr id="4" name="Content Placeholder 3">
+            <a:extLst>
+              <a:ext uri="{FF2B5EF4-FFF2-40B4-BE49-F238E27FC236}">
+                <a16:creationId xmlns:a16="http://schemas.microsoft.com/office/drawing/2014/main" id="{778EFA9D-8EF3-BFE8-AF20-23DC8F57ACCE}"/>
+              </a:ext>
+            </a:extLst>
+          </p:cNvPr>
+          <p:cNvSpPr>
+            <a:spLocks noGrp="1"/>
+          </p:cNvSpPr>
+          <p:nvPr>
+            <p:ph sz="half" idx="1"/>
+          </p:nvPr>
+        </p:nvSpPr>
+        <p:spPr>
+          <a:xfrm>
+            <a:off x="1128707" y="2791901"/>
+            <a:ext cx="4480560" cy="4351337"/>
+          </a:xfrm>
+        </p:spPr>
+        <p:txBody>
+          <a:bodyPr>
+            <a:normAutofit/>
+          </a:bodyPr>
+          <a:lstStyle/>
+          <a:p>
+            <a:pPr marL="0" indent="0">
+              <a:buNone/>
+            </a:pPr>
+            <a:r>
+              <a:rPr lang="en-US" b="1" dirty="0"/>
+              <a:t>PostgreSQL</a:t>
+            </a:r>
+          </a:p>
+          <a:p>
+            <a:r>
+              <a:rPr lang="en-US" dirty="0"/>
+              <a:t>Facts and dimensions split.</a:t>
+            </a:r>
+          </a:p>
+          <a:p>
+            <a:r>
+              <a:rPr lang="en-US" dirty="0"/>
+              <a:t>Foreign keys enforce data quality.</a:t>
+            </a:r>
+          </a:p>
+          <a:p>
+            <a:r>
+              <a:rPr lang="en-US" dirty="0"/>
+              <a:t>COPY for robust bulk loading.</a:t>
+            </a:r>
+          </a:p>
+          <a:p>
+            <a:r>
+              <a:rPr lang="en-US" dirty="0"/>
+              <a:t>Guarantees integrity, avoids duplication.</a:t>
+            </a:r>
+          </a:p>
+          <a:p>
+            <a:r>
+              <a:rPr lang="en-US" dirty="0"/>
+              <a:t>Complex multi-table queries with Many-many relationships.</a:t>
+            </a:r>
+          </a:p>
+          <a:p>
+            <a:pPr marL="0" indent="0">
+              <a:buNone/>
+            </a:pPr>
+            <a:endParaRPr lang="en-US" b="1" dirty="0"/>
+          </a:p>
+        </p:txBody>
+      </p:sp>
+      <p:sp>
+        <p:nvSpPr>
+          <p:cNvPr id="2" name="Content Placeholder 1">
+            <a:extLst>
+              <a:ext uri="{FF2B5EF4-FFF2-40B4-BE49-F238E27FC236}">
+                <a16:creationId xmlns:a16="http://schemas.microsoft.com/office/drawing/2014/main" id="{A53237E5-CE04-80DE-DCDB-110CF0C54869}"/>
+              </a:ext>
+            </a:extLst>
+          </p:cNvPr>
+          <p:cNvSpPr>
+            <a:spLocks noGrp="1"/>
+          </p:cNvSpPr>
+          <p:nvPr>
+            <p:ph sz="half" idx="2"/>
+          </p:nvPr>
+        </p:nvSpPr>
+        <p:spPr>
+          <a:xfrm>
+            <a:off x="5993315" y="2791901"/>
+            <a:ext cx="4480560" cy="4351337"/>
+          </a:xfrm>
+        </p:spPr>
+        <p:txBody>
+          <a:bodyPr>
+            <a:normAutofit/>
+          </a:bodyPr>
+          <a:lstStyle/>
+          <a:p>
+            <a:pPr marL="0" indent="0">
+              <a:buNone/>
+            </a:pPr>
+            <a:r>
+              <a:rPr lang="en-US" b="1" dirty="0"/>
+              <a:t>MongoDB</a:t>
+            </a:r>
+          </a:p>
+          <a:p>
+            <a:r>
+              <a:rPr lang="en-US" dirty="0"/>
+              <a:t>Baskets embed items.</a:t>
+            </a:r>
+          </a:p>
+          <a:p>
+            <a:r>
+              <a:rPr lang="en-US" dirty="0"/>
+              <a:t>Campaigns embed target households.</a:t>
+            </a:r>
+          </a:p>
+          <a:p>
+            <a:r>
+              <a:rPr lang="en-US" dirty="0"/>
+              <a:t>Shifts integrity to ETL but simplifies reads.</a:t>
+            </a:r>
+          </a:p>
+          <a:p>
+            <a:r>
+              <a:rPr lang="en-US" dirty="0"/>
+              <a:t>Stores repeated attributes to cut future joins.</a:t>
+            </a:r>
+          </a:p>
+          <a:p>
+            <a:r>
+              <a:rPr lang="en-US" dirty="0"/>
+              <a:t>Suitable for dynamically changing data.</a:t>
+            </a:r>
+          </a:p>
+          <a:p>
+            <a:r>
+              <a:rPr lang="en-US" dirty="0"/>
+              <a:t>Suitable for one-many relationships</a:t>
+            </a:r>
+          </a:p>
+          <a:p>
+            <a:endParaRPr lang="en-AE" dirty="0"/>
+          </a:p>
+        </p:txBody>
+      </p:sp>
+      <p:sp>
+        <p:nvSpPr>
+          <p:cNvPr id="6" name="TextBox 5">
+            <a:extLst>
+              <a:ext uri="{FF2B5EF4-FFF2-40B4-BE49-F238E27FC236}">
+                <a16:creationId xmlns:a16="http://schemas.microsoft.com/office/drawing/2014/main" id="{6E43D2E3-4303-3BBB-4786-35759147835F}"/>
+              </a:ext>
+            </a:extLst>
+          </p:cNvPr>
+          <p:cNvSpPr txBox="1"/>
+          <p:nvPr/>
+        </p:nvSpPr>
+        <p:spPr>
+          <a:xfrm>
+            <a:off x="861133" y="1918446"/>
+            <a:ext cx="7137647" cy="646331"/>
+          </a:xfrm>
+          <a:prstGeom prst="rect">
+            <a:avLst/>
+          </a:prstGeom>
+          <a:noFill/>
+        </p:spPr>
+        <p:txBody>
+          <a:bodyPr wrap="square">
+            <a:spAutoFit/>
+          </a:bodyPr>
+          <a:lstStyle/>
+          <a:p>
+            <a:r>
+              <a:rPr lang="en-US" sz="1800" b="1" dirty="0"/>
+              <a:t>Normalize in SQL for integrity; embed in Mongo for speed on one-to-many.</a:t>
+            </a:r>
+            <a:endParaRPr lang="en-AE" dirty="0"/>
+          </a:p>
+        </p:txBody>
+      </p:sp>
+      <p:cxnSp>
+        <p:nvCxnSpPr>
+          <p:cNvPr id="7" name="Straight Connector 6">
+            <a:extLst>
+              <a:ext uri="{FF2B5EF4-FFF2-40B4-BE49-F238E27FC236}">
+                <a16:creationId xmlns:a16="http://schemas.microsoft.com/office/drawing/2014/main" id="{E2BB0608-2B2D-FA56-4CDA-6A4DAE2D0E7B}"/>
+              </a:ext>
+            </a:extLst>
+          </p:cNvPr>
+          <p:cNvCxnSpPr/>
+          <p:nvPr/>
+        </p:nvCxnSpPr>
+        <p:spPr>
+          <a:xfrm>
+            <a:off x="659579" y="1686654"/>
+            <a:ext cx="8596668" cy="0"/>
+          </a:xfrm>
+          <a:prstGeom prst="line">
+            <a:avLst/>
+          </a:prstGeom>
+        </p:spPr>
+        <p:style>
+          <a:lnRef idx="3">
+            <a:schemeClr val="accent6"/>
+          </a:lnRef>
+          <a:fillRef idx="0">
+            <a:schemeClr val="accent6"/>
+          </a:fillRef>
+          <a:effectRef idx="2">
+            <a:schemeClr val="accent6"/>
+          </a:effectRef>
+          <a:fontRef idx="minor">
+            <a:schemeClr val="tx1"/>
+          </a:fontRef>
+        </p:style>
+      </p:cxnSp>
+    </p:spTree>
+    <p:extLst>
+      <p:ext uri="{BB962C8B-B14F-4D97-AF65-F5344CB8AC3E}">
+        <p14:creationId xmlns:p14="http://schemas.microsoft.com/office/powerpoint/2010/main" val="2095866507"/>
+      </p:ext>
+    </p:extLst>
+  </p:cSld>
+  <p:clrMapOvr>
+    <a:masterClrMapping/>
+  </p:clrMapOvr>
+</p:sld>
+</file>
+
+<file path=ppt/slides/slide19.xml><?xml version="1.0" encoding="utf-8"?>
+<p:sld xmlns:a="http://schemas.openxmlformats.org/drawingml/2006/main" xmlns:r="http://schemas.openxmlformats.org/officeDocument/2006/relationships" xmlns:p="http://schemas.openxmlformats.org/presentationml/2006/main">
+  <p:cSld>
+    <p:spTree>
+      <p:nvGrpSpPr>
+        <p:cNvPr id="1" name="">
+          <a:extLst>
+            <a:ext uri="{FF2B5EF4-FFF2-40B4-BE49-F238E27FC236}">
+              <a16:creationId xmlns:a16="http://schemas.microsoft.com/office/drawing/2014/main" id="{44CFC8F9-7126-EF4C-9403-8AA9B8FE82B8}"/>
+            </a:ext>
+          </a:extLst>
+        </p:cNvPr>
+        <p:cNvGrpSpPr/>
+        <p:nvPr/>
+      </p:nvGrpSpPr>
+      <p:grpSpPr>
+        <a:xfrm>
+          <a:off x="0" y="0"/>
+          <a:ext cx="0" cy="0"/>
+          <a:chOff x="0" y="0"/>
+          <a:chExt cx="0" cy="0"/>
+        </a:xfrm>
+      </p:grpSpPr>
+      <p:sp>
+        <p:nvSpPr>
+          <p:cNvPr id="3" name="Title 2">
+            <a:extLst>
+              <a:ext uri="{FF2B5EF4-FFF2-40B4-BE49-F238E27FC236}">
+                <a16:creationId xmlns:a16="http://schemas.microsoft.com/office/drawing/2014/main" id="{20B3802C-A67C-2B56-4EAA-D31E4E87316A}"/>
+              </a:ext>
+            </a:extLst>
+          </p:cNvPr>
+          <p:cNvSpPr>
+            <a:spLocks noGrp="1"/>
+          </p:cNvSpPr>
+          <p:nvPr>
+            <p:ph type="title"/>
+          </p:nvPr>
+        </p:nvSpPr>
+        <p:spPr>
+          <a:xfrm>
+            <a:off x="659579" y="365760"/>
+            <a:ext cx="10294933" cy="1325562"/>
+          </a:xfrm>
+        </p:spPr>
+        <p:txBody>
+          <a:bodyPr>
+            <a:normAutofit/>
+          </a:bodyPr>
+          <a:lstStyle/>
+          <a:p>
+            <a:r>
+              <a:rPr lang="en-US" sz="4000" dirty="0"/>
+              <a:t>Analytics Patterns &amp; Performance</a:t>
+            </a:r>
+          </a:p>
+        </p:txBody>
+      </p:sp>
+      <p:sp>
+        <p:nvSpPr>
+          <p:cNvPr id="4" name="Content Placeholder 3">
+            <a:extLst>
+              <a:ext uri="{FF2B5EF4-FFF2-40B4-BE49-F238E27FC236}">
+                <a16:creationId xmlns:a16="http://schemas.microsoft.com/office/drawing/2014/main" id="{56290C43-D81D-ED00-74F9-1508B545E7C9}"/>
+              </a:ext>
+            </a:extLst>
+          </p:cNvPr>
+          <p:cNvSpPr>
+            <a:spLocks noGrp="1"/>
+          </p:cNvSpPr>
+          <p:nvPr>
+            <p:ph idx="1"/>
+          </p:nvPr>
+        </p:nvSpPr>
+        <p:spPr>
+          <a:xfrm>
+            <a:off x="933398" y="1828801"/>
+            <a:ext cx="8595360" cy="754602"/>
+          </a:xfrm>
+        </p:spPr>
+        <p:txBody>
+          <a:bodyPr>
+            <a:normAutofit/>
+          </a:bodyPr>
+          <a:lstStyle/>
+          <a:p>
+            <a:pPr marL="0" indent="0">
+              <a:buNone/>
+            </a:pPr>
+            <a:r>
+              <a:rPr lang="en-US" dirty="0"/>
+              <a:t>Use the engine that matches the shape of the question. Index strategy matters more than the engine.</a:t>
+            </a:r>
+          </a:p>
+        </p:txBody>
+      </p:sp>
+      <p:sp>
+        <p:nvSpPr>
+          <p:cNvPr id="9" name="TextBox 8">
+            <a:extLst>
+              <a:ext uri="{FF2B5EF4-FFF2-40B4-BE49-F238E27FC236}">
+                <a16:creationId xmlns:a16="http://schemas.microsoft.com/office/drawing/2014/main" id="{3AC89EC4-FA1C-81B6-AA4B-7D635C771DD2}"/>
+              </a:ext>
+            </a:extLst>
+          </p:cNvPr>
+          <p:cNvSpPr txBox="1"/>
+          <p:nvPr/>
+        </p:nvSpPr>
+        <p:spPr>
+          <a:xfrm>
+            <a:off x="1116366" y="5467723"/>
+            <a:ext cx="8412391" cy="923330"/>
+          </a:xfrm>
+          <a:prstGeom prst="rect">
+            <a:avLst/>
+          </a:prstGeom>
+        </p:spPr>
+        <p:style>
+          <a:lnRef idx="3">
+            <a:schemeClr val="lt1"/>
+          </a:lnRef>
+          <a:fillRef idx="1">
+            <a:schemeClr val="accent2"/>
+          </a:fillRef>
+          <a:effectRef idx="1">
+            <a:schemeClr val="accent2"/>
+          </a:effectRef>
+          <a:fontRef idx="minor">
+            <a:schemeClr val="lt1"/>
+          </a:fontRef>
+        </p:style>
+        <p:txBody>
+          <a:bodyPr wrap="square">
+            <a:spAutoFit/>
+          </a:bodyPr>
+          <a:lstStyle/>
+          <a:p>
+            <a:r>
+              <a:rPr lang="en-US" b="1" dirty="0"/>
+              <a:t>Key Performance Lesson</a:t>
+            </a:r>
+          </a:p>
+          <a:p>
+            <a:r>
+              <a:rPr lang="en-US" dirty="0"/>
+              <a:t>Composite/compound indexes, materialized views (Postgres), and pre-aggregation (Mongo) moved the needle more than the database choice itself.</a:t>
+            </a:r>
+            <a:endParaRPr lang="en-US" b="1" dirty="0"/>
+          </a:p>
+        </p:txBody>
+      </p:sp>
+      <p:sp>
+        <p:nvSpPr>
+          <p:cNvPr id="5" name="TextBox 4">
+            <a:extLst>
+              <a:ext uri="{FF2B5EF4-FFF2-40B4-BE49-F238E27FC236}">
+                <a16:creationId xmlns:a16="http://schemas.microsoft.com/office/drawing/2014/main" id="{D7822AAE-FFD4-ED57-4F3B-C0E5837E8962}"/>
+              </a:ext>
+            </a:extLst>
+          </p:cNvPr>
+          <p:cNvSpPr txBox="1"/>
+          <p:nvPr/>
+        </p:nvSpPr>
+        <p:spPr>
+          <a:xfrm>
+            <a:off x="933398" y="2605401"/>
+            <a:ext cx="3993709" cy="2308324"/>
+          </a:xfrm>
+          <a:prstGeom prst="rect">
+            <a:avLst/>
+          </a:prstGeom>
+          <a:noFill/>
+        </p:spPr>
+        <p:txBody>
+          <a:bodyPr wrap="square">
+            <a:spAutoFit/>
+          </a:bodyPr>
+          <a:lstStyle/>
+          <a:p>
+            <a:pPr>
+              <a:buNone/>
+            </a:pPr>
+            <a:r>
+              <a:rPr lang="en-US" b="1" dirty="0"/>
+              <a:t>MongoDB Wins For:</a:t>
+            </a:r>
+          </a:p>
+          <a:p>
+            <a:pPr>
+              <a:buNone/>
+            </a:pPr>
+            <a:endParaRPr lang="en-US" b="1" dirty="0"/>
+          </a:p>
+          <a:p>
+            <a:pPr marL="285750" indent="-285750">
+              <a:buFont typeface="Arial" panose="020B0604020202020204" pitchFamily="34" charset="0"/>
+              <a:buChar char="•"/>
+            </a:pPr>
+            <a:r>
+              <a:rPr lang="en-US" b="1" dirty="0"/>
+              <a:t>Basket Metrics:</a:t>
+            </a:r>
+            <a:r>
+              <a:rPr lang="en-US" dirty="0"/>
+              <a:t> Fast sums of arrays inside single documents (total, item count, recency).</a:t>
+            </a:r>
+          </a:p>
+          <a:p>
+            <a:pPr marL="285750" indent="-285750">
+              <a:buFont typeface="Arial" panose="020B0604020202020204" pitchFamily="34" charset="0"/>
+              <a:buChar char="•"/>
+            </a:pPr>
+            <a:r>
+              <a:rPr lang="en-US" b="1" dirty="0"/>
+              <a:t>Household Rollups:</a:t>
+            </a:r>
+            <a:r>
+              <a:rPr lang="en-US" dirty="0"/>
+              <a:t> Quick `$sum` on embedded items without joins.</a:t>
+            </a:r>
+          </a:p>
+        </p:txBody>
+      </p:sp>
+      <p:sp>
+        <p:nvSpPr>
+          <p:cNvPr id="7" name="TextBox 6">
+            <a:extLst>
+              <a:ext uri="{FF2B5EF4-FFF2-40B4-BE49-F238E27FC236}">
+                <a16:creationId xmlns:a16="http://schemas.microsoft.com/office/drawing/2014/main" id="{B1043C09-AF5E-3CD4-049B-FE72516B8C74}"/>
+              </a:ext>
+            </a:extLst>
+          </p:cNvPr>
+          <p:cNvSpPr txBox="1"/>
+          <p:nvPr/>
+        </p:nvSpPr>
+        <p:spPr>
+          <a:xfrm>
+            <a:off x="5231077" y="2605401"/>
+            <a:ext cx="4640891" cy="2585323"/>
+          </a:xfrm>
+          <a:prstGeom prst="rect">
+            <a:avLst/>
+          </a:prstGeom>
+          <a:noFill/>
+        </p:spPr>
+        <p:txBody>
+          <a:bodyPr wrap="square">
+            <a:spAutoFit/>
+          </a:bodyPr>
+          <a:lstStyle/>
+          <a:p>
+            <a:pPr>
+              <a:buNone/>
+            </a:pPr>
+            <a:r>
+              <a:rPr lang="en-US" b="1" dirty="0"/>
+              <a:t>PostgreSQL Wins For:</a:t>
+            </a:r>
+          </a:p>
+          <a:p>
+            <a:pPr>
+              <a:buNone/>
+            </a:pPr>
+            <a:endParaRPr lang="en-US" b="1" dirty="0"/>
+          </a:p>
+          <a:p>
+            <a:pPr marL="285750" indent="-285750">
+              <a:buFont typeface="Arial" panose="020B0604020202020204" pitchFamily="34" charset="0"/>
+              <a:buChar char="•"/>
+            </a:pPr>
+            <a:r>
+              <a:rPr lang="en-US" b="1" dirty="0"/>
+              <a:t>Category Growth:</a:t>
+            </a:r>
+            <a:r>
+              <a:rPr lang="en-US" dirty="0"/>
+              <a:t> Cleaner joins and `GROUP BY` across large fact tables.</a:t>
+            </a:r>
+          </a:p>
+          <a:p>
+            <a:pPr marL="285750" indent="-285750">
+              <a:buFont typeface="Arial" panose="020B0604020202020204" pitchFamily="34" charset="0"/>
+              <a:buChar char="•"/>
+            </a:pPr>
+            <a:r>
+              <a:rPr lang="en-US" b="1" dirty="0"/>
+              <a:t>Promotion Impact:</a:t>
+            </a:r>
+            <a:r>
+              <a:rPr lang="en-US" dirty="0"/>
+              <a:t> Straightforward joins between items and promotions.</a:t>
+            </a:r>
+          </a:p>
+          <a:p>
+            <a:pPr marL="285750" indent="-285750">
+              <a:buFont typeface="Arial" panose="020B0604020202020204" pitchFamily="34" charset="0"/>
+              <a:buChar char="•"/>
+            </a:pPr>
+            <a:r>
+              <a:rPr lang="en-US" b="1" dirty="0"/>
+              <a:t>A/B Testing:</a:t>
+            </a:r>
+            <a:r>
+              <a:rPr lang="en-US" dirty="0"/>
+              <a:t> Transparent and auditable campaign target vs. control analysis.</a:t>
+            </a:r>
+          </a:p>
+        </p:txBody>
+      </p:sp>
+      <p:cxnSp>
+        <p:nvCxnSpPr>
+          <p:cNvPr id="8" name="Straight Connector 7">
+            <a:extLst>
+              <a:ext uri="{FF2B5EF4-FFF2-40B4-BE49-F238E27FC236}">
+                <a16:creationId xmlns:a16="http://schemas.microsoft.com/office/drawing/2014/main" id="{D939FB8A-D4AD-F993-3EC2-E43F5CED484A}"/>
+              </a:ext>
+            </a:extLst>
+          </p:cNvPr>
+          <p:cNvCxnSpPr/>
+          <p:nvPr/>
+        </p:nvCxnSpPr>
+        <p:spPr>
+          <a:xfrm>
+            <a:off x="659579" y="1686654"/>
+            <a:ext cx="8596668" cy="0"/>
+          </a:xfrm>
+          <a:prstGeom prst="line">
+            <a:avLst/>
+          </a:prstGeom>
+        </p:spPr>
+        <p:style>
+          <a:lnRef idx="3">
+            <a:schemeClr val="accent6"/>
+          </a:lnRef>
+          <a:fillRef idx="0">
+            <a:schemeClr val="accent6"/>
+          </a:fillRef>
+          <a:effectRef idx="2">
+            <a:schemeClr val="accent6"/>
+          </a:effectRef>
+          <a:fontRef idx="minor">
+            <a:schemeClr val="tx1"/>
+          </a:fontRef>
+        </p:style>
+      </p:cxnSp>
+    </p:spTree>
+    <p:extLst>
+      <p:ext uri="{BB962C8B-B14F-4D97-AF65-F5344CB8AC3E}">
+        <p14:creationId xmlns:p14="http://schemas.microsoft.com/office/powerpoint/2010/main" val="185314818"/>
+      </p:ext>
+    </p:extLst>
+  </p:cSld>
+  <p:clrMapOvr>
+    <a:masterClrMapping/>
+  </p:clrMapOvr>
+</p:sld>
+</file>
+
+<file path=ppt/slides/slide2.xml><?xml version="1.0" encoding="utf-8"?>
+<p:sld xmlns:a="http://schemas.openxmlformats.org/drawingml/2006/main" xmlns:r="http://schemas.openxmlformats.org/officeDocument/2006/relationships" xmlns:p="http://schemas.openxmlformats.org/presentationml/2006/main">
+  <p:cSld>
+    <p:spTree>
+      <p:nvGrpSpPr>
+        <p:cNvPr id="1" name=""/>
+        <p:cNvGrpSpPr/>
+        <p:nvPr/>
+      </p:nvGrpSpPr>
+      <p:grpSpPr>
+        <a:xfrm>
+          <a:off x="0" y="0"/>
+          <a:ext cx="0" cy="0"/>
+          <a:chOff x="0" y="0"/>
+          <a:chExt cx="0" cy="0"/>
+        </a:xfrm>
+      </p:grpSpPr>
+      <p:sp>
+        <p:nvSpPr>
+          <p:cNvPr id="2" name="Title 1">
+            <a:extLst>
+              <a:ext uri="{FF2B5EF4-FFF2-40B4-BE49-F238E27FC236}">
+                <a16:creationId xmlns:a16="http://schemas.microsoft.com/office/drawing/2014/main" id="{01037D6A-B962-35C3-97C9-6EC5324707BA}"/>
+              </a:ext>
+            </a:extLst>
+          </p:cNvPr>
+          <p:cNvSpPr>
+            <a:spLocks noGrp="1"/>
+          </p:cNvSpPr>
+          <p:nvPr>
+            <p:ph type="title"/>
+          </p:nvPr>
+        </p:nvSpPr>
+        <p:spPr>
+          <a:xfrm>
+            <a:off x="677334" y="463205"/>
+            <a:ext cx="8596668" cy="691299"/>
+          </a:xfrm>
+        </p:spPr>
+        <p:txBody>
+          <a:bodyPr>
+            <a:normAutofit fontScale="90000"/>
+          </a:bodyPr>
+          <a:lstStyle/>
+          <a:p>
+            <a:r>
+              <a:rPr lang="en-US" dirty="0"/>
+              <a:t>Project Scope &amp; Dataset</a:t>
+            </a:r>
+          </a:p>
+        </p:txBody>
+      </p:sp>
+      <p:sp>
+        <p:nvSpPr>
+          <p:cNvPr id="3" name="Content Placeholder 2">
+            <a:extLst>
+              <a:ext uri="{FF2B5EF4-FFF2-40B4-BE49-F238E27FC236}">
+                <a16:creationId xmlns:a16="http://schemas.microsoft.com/office/drawing/2014/main" id="{8623301C-12A3-660C-312D-E339890D458D}"/>
+              </a:ext>
+            </a:extLst>
+          </p:cNvPr>
+          <p:cNvSpPr>
+            <a:spLocks noGrp="1"/>
+          </p:cNvSpPr>
+          <p:nvPr>
+            <p:ph idx="1"/>
+          </p:nvPr>
+        </p:nvSpPr>
+        <p:spPr>
+          <a:xfrm>
+            <a:off x="677334" y="1774090"/>
+            <a:ext cx="8596668" cy="3880773"/>
+          </a:xfrm>
+        </p:spPr>
+        <p:txBody>
+          <a:bodyPr>
+            <a:normAutofit fontScale="85000" lnSpcReduction="10000"/>
+          </a:bodyPr>
+          <a:lstStyle/>
+          <a:p>
+            <a:pPr>
+              <a:lnSpc>
+                <a:spcPct val="150000"/>
+              </a:lnSpc>
+            </a:pPr>
+            <a:r>
+              <a:rPr lang="en-US" sz="1900" b="1" dirty="0"/>
+              <a:t>Goal</a:t>
+            </a:r>
+            <a:r>
+              <a:rPr lang="en-US" sz="1900" dirty="0"/>
+              <a:t>– Build a reproducible, SQL-ready pipeline that turns dunnhumby’s the </a:t>
+            </a:r>
+            <a:r>
+              <a:rPr lang="en-US" sz="1900" i="1" dirty="0"/>
+              <a:t>Complete Journey</a:t>
+            </a:r>
+            <a:r>
+              <a:rPr lang="en-US" sz="1900" dirty="0"/>
+              <a:t> household-level transactions dataset, spanning 2 years, into actionable insights for business leaders.</a:t>
+            </a:r>
+          </a:p>
+          <a:p>
+            <a:pPr>
+              <a:lnSpc>
+                <a:spcPct val="150000"/>
+              </a:lnSpc>
+            </a:pPr>
+            <a:r>
+              <a:rPr lang="en-US" sz="1900" b="1" dirty="0">
+                <a:solidFill>
+                  <a:srgbClr val="0070C0"/>
+                </a:solidFill>
+              </a:rPr>
+              <a:t>Business questions</a:t>
+            </a:r>
+            <a:r>
+              <a:rPr lang="en-US" sz="1900" dirty="0">
+                <a:solidFill>
+                  <a:srgbClr val="0070C0"/>
+                </a:solidFill>
+              </a:rPr>
+              <a:t> </a:t>
+            </a:r>
+            <a:r>
+              <a:rPr lang="en-US" sz="1900" dirty="0"/>
+              <a:t>– </a:t>
+            </a:r>
+          </a:p>
+          <a:p>
+            <a:pPr lvl="2">
+              <a:lnSpc>
+                <a:spcPct val="150000"/>
+              </a:lnSpc>
+            </a:pPr>
+            <a:r>
+              <a:rPr lang="en-US" sz="1900" dirty="0"/>
+              <a:t>Where is spend shifting?</a:t>
+            </a:r>
+          </a:p>
+          <a:p>
+            <a:pPr lvl="2">
+              <a:lnSpc>
+                <a:spcPct val="150000"/>
+              </a:lnSpc>
+            </a:pPr>
+            <a:r>
+              <a:rPr lang="en-US" sz="1900" dirty="0"/>
+              <a:t>Which customers drive growth? </a:t>
+            </a:r>
+          </a:p>
+          <a:p>
+            <a:pPr lvl="2">
+              <a:lnSpc>
+                <a:spcPct val="150000"/>
+              </a:lnSpc>
+            </a:pPr>
+            <a:r>
+              <a:rPr lang="en-US" sz="1900" dirty="0"/>
+              <a:t>Do promotions lift sales?  </a:t>
+            </a:r>
+          </a:p>
+          <a:p>
+            <a:pPr>
+              <a:lnSpc>
+                <a:spcPct val="150000"/>
+              </a:lnSpc>
+            </a:pPr>
+            <a:r>
+              <a:rPr lang="en-US" sz="1900" b="1" dirty="0"/>
+              <a:t>Dataset in Scope </a:t>
+            </a:r>
+            <a:r>
+              <a:rPr lang="en-US" sz="1900" dirty="0"/>
+              <a:t>– Two-year history of every item purchased by 2,500 households, enriched with campaign, coupon, in-store display, and demographic overlays.</a:t>
+            </a:r>
+          </a:p>
+          <a:p>
+            <a:endParaRPr lang="en-US" sz="1900" dirty="0"/>
+          </a:p>
+          <a:p>
+            <a:endParaRPr lang="en-US" dirty="0"/>
+          </a:p>
+        </p:txBody>
+      </p:sp>
+      <p:cxnSp>
+        <p:nvCxnSpPr>
+          <p:cNvPr id="16" name="Straight Connector 15">
+            <a:extLst>
+              <a:ext uri="{FF2B5EF4-FFF2-40B4-BE49-F238E27FC236}">
+                <a16:creationId xmlns:a16="http://schemas.microsoft.com/office/drawing/2014/main" id="{8DD9685D-B385-69C2-654B-EAFE24F64597}"/>
+              </a:ext>
+            </a:extLst>
+          </p:cNvPr>
+          <p:cNvCxnSpPr/>
+          <p:nvPr/>
+        </p:nvCxnSpPr>
+        <p:spPr>
+          <a:xfrm>
+            <a:off x="677334" y="1291472"/>
+            <a:ext cx="8596668" cy="0"/>
+          </a:xfrm>
+          <a:prstGeom prst="line">
+            <a:avLst/>
+          </a:prstGeom>
+        </p:spPr>
+        <p:style>
+          <a:lnRef idx="3">
+            <a:schemeClr val="accent6"/>
+          </a:lnRef>
+          <a:fillRef idx="0">
+            <a:schemeClr val="accent6"/>
+          </a:fillRef>
+          <a:effectRef idx="2">
+            <a:schemeClr val="accent6"/>
+          </a:effectRef>
+          <a:fontRef idx="minor">
+            <a:schemeClr val="tx1"/>
+          </a:fontRef>
+        </p:style>
+      </p:cxnSp>
+    </p:spTree>
+    <p:extLst>
+      <p:ext uri="{BB962C8B-B14F-4D97-AF65-F5344CB8AC3E}">
+        <p14:creationId xmlns:p14="http://schemas.microsoft.com/office/powerpoint/2010/main" val="1272682080"/>
+      </p:ext>
+    </p:extLst>
+  </p:cSld>
+  <p:clrMapOvr>
+    <a:masterClrMapping/>
+  </p:clrMapOvr>
+</p:sld>
+</file>
+
+<file path=ppt/slides/slide20.xml><?xml version="1.0" encoding="utf-8"?>
+<p:sld xmlns:a="http://schemas.openxmlformats.org/drawingml/2006/main" xmlns:r="http://schemas.openxmlformats.org/officeDocument/2006/relationships" xmlns:p="http://schemas.openxmlformats.org/presentationml/2006/main">
+  <p:cSld>
+    <p:spTree>
+      <p:nvGrpSpPr>
+        <p:cNvPr id="1" name=""/>
+        <p:cNvGrpSpPr/>
+        <p:nvPr/>
+      </p:nvGrpSpPr>
+      <p:grpSpPr>
+        <a:xfrm>
+          <a:off x="0" y="0"/>
+          <a:ext cx="0" cy="0"/>
+          <a:chOff x="0" y="0"/>
+          <a:chExt cx="0" cy="0"/>
+        </a:xfrm>
+      </p:grpSpPr>
+      <p:sp>
+        <p:nvSpPr>
+          <p:cNvPr id="2" name="Title 1">
+            <a:extLst>
+              <a:ext uri="{FF2B5EF4-FFF2-40B4-BE49-F238E27FC236}">
+                <a16:creationId xmlns:a16="http://schemas.microsoft.com/office/drawing/2014/main" id="{116C97D1-6A4B-DA30-F874-F5143C8CC620}"/>
+              </a:ext>
+            </a:extLst>
+          </p:cNvPr>
+          <p:cNvSpPr>
+            <a:spLocks noGrp="1"/>
+          </p:cNvSpPr>
+          <p:nvPr>
+            <p:ph type="title"/>
+          </p:nvPr>
+        </p:nvSpPr>
+        <p:spPr>
+          <a:xfrm>
+            <a:off x="772357" y="365760"/>
+            <a:ext cx="10182155" cy="1325562"/>
+          </a:xfrm>
+        </p:spPr>
+        <p:txBody>
+          <a:bodyPr>
+            <a:normAutofit/>
+          </a:bodyPr>
+          <a:lstStyle/>
+          <a:p>
+            <a:r>
+              <a:rPr lang="en-US" sz="4000" dirty="0"/>
+              <a:t>PostgreSQL vs. MongoDB Recommendation</a:t>
+            </a:r>
+            <a:endParaRPr lang="en-AE" sz="4000" dirty="0"/>
+          </a:p>
+        </p:txBody>
+      </p:sp>
+      <p:sp>
+        <p:nvSpPr>
+          <p:cNvPr id="3" name="Content Placeholder 2">
+            <a:extLst>
+              <a:ext uri="{FF2B5EF4-FFF2-40B4-BE49-F238E27FC236}">
+                <a16:creationId xmlns:a16="http://schemas.microsoft.com/office/drawing/2014/main" id="{CD07B3FE-402E-2E61-E229-353E0A77D667}"/>
+              </a:ext>
+            </a:extLst>
+          </p:cNvPr>
+          <p:cNvSpPr>
+            <a:spLocks noGrp="1"/>
+          </p:cNvSpPr>
+          <p:nvPr>
+            <p:ph idx="1"/>
+          </p:nvPr>
+        </p:nvSpPr>
+        <p:spPr>
+          <a:xfrm>
+            <a:off x="772357" y="1979720"/>
+            <a:ext cx="9676660" cy="4351337"/>
+          </a:xfrm>
+        </p:spPr>
+        <p:txBody>
+          <a:bodyPr/>
+          <a:lstStyle/>
+          <a:p>
+            <a:r>
+              <a:rPr lang="en-US" dirty="0"/>
+              <a:t>Keep PostgreSQL as the source of truth; use MongoDB as a fast, read-optimized layer.</a:t>
+            </a:r>
+          </a:p>
+          <a:p>
+            <a:r>
+              <a:rPr lang="en-US" dirty="0"/>
+              <a:t>Proposed Architecture: A normalized warehouse in PostgreSQL; publish curated aggregate views to MongoDB collections aligned to hot queries.</a:t>
+            </a:r>
+          </a:p>
+          <a:p>
+            <a:r>
+              <a:rPr lang="en-US" dirty="0"/>
+              <a:t>PostgreSQL Use Cases: Category growth, promotion lift, rigorous campaign A/B testing, and complex joins.</a:t>
+            </a:r>
+          </a:p>
+          <a:p>
+            <a:r>
+              <a:rPr lang="en-US" dirty="0"/>
+              <a:t>MongoDB Use Cases: Basket/household rollups, real-time dashboards, and app-facing APIs needing sub-second aggregates.</a:t>
+            </a:r>
+          </a:p>
+          <a:p>
+            <a:r>
+              <a:rPr lang="en-US" b="1" dirty="0"/>
+              <a:t>The Decision:</a:t>
+            </a:r>
+            <a:r>
+              <a:rPr lang="en-US" dirty="0"/>
+              <a:t> Choose by workload. Depth and integrity go to PostgreSQL. Speed on natural aggregates goes to MongoDB. Use both to get reliable insight and fast delivery.</a:t>
+            </a:r>
+            <a:endParaRPr lang="en-AE" dirty="0"/>
+          </a:p>
+        </p:txBody>
+      </p:sp>
+      <p:cxnSp>
+        <p:nvCxnSpPr>
+          <p:cNvPr id="6" name="Straight Connector 5">
+            <a:extLst>
+              <a:ext uri="{FF2B5EF4-FFF2-40B4-BE49-F238E27FC236}">
+                <a16:creationId xmlns:a16="http://schemas.microsoft.com/office/drawing/2014/main" id="{9BE23B18-01BA-3CEF-A9A8-833871FF8360}"/>
+              </a:ext>
+            </a:extLst>
+          </p:cNvPr>
+          <p:cNvCxnSpPr/>
+          <p:nvPr/>
+        </p:nvCxnSpPr>
+        <p:spPr>
+          <a:xfrm>
+            <a:off x="659579" y="1686654"/>
+            <a:ext cx="8596668" cy="0"/>
+          </a:xfrm>
+          <a:prstGeom prst="line">
+            <a:avLst/>
+          </a:prstGeom>
+        </p:spPr>
+        <p:style>
+          <a:lnRef idx="3">
+            <a:schemeClr val="accent6"/>
+          </a:lnRef>
+          <a:fillRef idx="0">
+            <a:schemeClr val="accent6"/>
+          </a:fillRef>
+          <a:effectRef idx="2">
+            <a:schemeClr val="accent6"/>
+          </a:effectRef>
+          <a:fontRef idx="minor">
+            <a:schemeClr val="tx1"/>
+          </a:fontRef>
+        </p:style>
+      </p:cxnSp>
+    </p:spTree>
+    <p:extLst>
+      <p:ext uri="{BB962C8B-B14F-4D97-AF65-F5344CB8AC3E}">
+        <p14:creationId xmlns:p14="http://schemas.microsoft.com/office/powerpoint/2010/main" val="2516138756"/>
+      </p:ext>
+    </p:extLst>
+  </p:cSld>
+  <p:clrMapOvr>
+    <a:masterClrMapping/>
+  </p:clrMapOvr>
+</p:sld>
+</file>
+
+<file path=ppt/slides/slide21.xml><?xml version="1.0" encoding="utf-8"?>
 <p:sld xmlns:a="http://schemas.openxmlformats.org/drawingml/2006/main" xmlns:r="http://schemas.openxmlformats.org/officeDocument/2006/relationships" xmlns:p="http://schemas.openxmlformats.org/presentationml/2006/main">
   <p:cSld>
     <p:spTree>
@@ -4487,7 +11505,7 @@
 </p:sld>
 </file>
 
-<file path=ppt/slides/slide12.xml><?xml version="1.0" encoding="utf-8"?>
+<file path=ppt/slides/slide22.xml><?xml version="1.0" encoding="utf-8"?>
 <p:sld xmlns:a="http://schemas.openxmlformats.org/drawingml/2006/main" xmlns:r="http://schemas.openxmlformats.org/officeDocument/2006/relationships" xmlns:p="http://schemas.openxmlformats.org/presentationml/2006/main">
   <p:cSld>
     <p:spTree>
@@ -4592,7 +11610,7 @@
 </p:sld>
 </file>
 
-<file path=ppt/slides/slide13.xml><?xml version="1.0" encoding="utf-8"?>
+<file path=ppt/slides/slide23.xml><?xml version="1.0" encoding="utf-8"?>
 <p:sld xmlns:a="http://schemas.openxmlformats.org/drawingml/2006/main" xmlns:r="http://schemas.openxmlformats.org/officeDocument/2006/relationships" xmlns:p="http://schemas.openxmlformats.org/presentationml/2006/main">
   <p:cSld>
     <p:spTree>
@@ -4832,7 +11850,7 @@
 </p:sld>
 </file>
 
-<file path=ppt/slides/slide14.xml><?xml version="1.0" encoding="utf-8"?>
+<file path=ppt/slides/slide24.xml><?xml version="1.0" encoding="utf-8"?>
 <p:sld xmlns:a="http://schemas.openxmlformats.org/drawingml/2006/main" xmlns:r="http://schemas.openxmlformats.org/officeDocument/2006/relationships" xmlns:p="http://schemas.openxmlformats.org/presentationml/2006/main">
   <p:cSld>
     <p:spTree>
@@ -5086,7 +12104,7 @@
 </p:sld>
 </file>
 
-<file path=ppt/slides/slide15.xml><?xml version="1.0" encoding="utf-8"?>
+<file path=ppt/slides/slide25.xml><?xml version="1.0" encoding="utf-8"?>
 <p:sld xmlns:a="http://schemas.openxmlformats.org/drawingml/2006/main" xmlns:r="http://schemas.openxmlformats.org/officeDocument/2006/relationships" xmlns:p="http://schemas.openxmlformats.org/presentationml/2006/main">
   <p:cSld>
     <p:spTree>
@@ -5415,7 +12433,7 @@
 </p:sld>
 </file>
 
-<file path=ppt/slides/slide16.xml><?xml version="1.0" encoding="utf-8"?>
+<file path=ppt/slides/slide26.xml><?xml version="1.0" encoding="utf-8"?>
 <p:sld xmlns:a="http://schemas.openxmlformats.org/drawingml/2006/main" xmlns:r="http://schemas.openxmlformats.org/officeDocument/2006/relationships" xmlns:p="http://schemas.openxmlformats.org/presentationml/2006/main">
   <p:cSld>
     <p:spTree>
@@ -6049,7 +13067,7 @@
 </p:sld>
 </file>
 
-<file path=ppt/slides/slide17.xml><?xml version="1.0" encoding="utf-8"?>
+<file path=ppt/slides/slide27.xml><?xml version="1.0" encoding="utf-8"?>
 <p:sld xmlns:a="http://schemas.openxmlformats.org/drawingml/2006/main" xmlns:r="http://schemas.openxmlformats.org/officeDocument/2006/relationships" xmlns:p="http://schemas.openxmlformats.org/presentationml/2006/main">
   <p:cSld>
     <p:spTree>
@@ -6452,7 +13470,7 @@
 </p:sld>
 </file>
 
-<file path=ppt/slides/slide18.xml><?xml version="1.0" encoding="utf-8"?>
+<file path=ppt/slides/slide28.xml><?xml version="1.0" encoding="utf-8"?>
 <p:sld xmlns:a="http://schemas.openxmlformats.org/drawingml/2006/main" xmlns:r="http://schemas.openxmlformats.org/officeDocument/2006/relationships" xmlns:p="http://schemas.openxmlformats.org/presentationml/2006/main">
   <p:cSld>
     <p:spTree>
@@ -6692,7 +13710,7 @@
 </p:sld>
 </file>
 
-<file path=ppt/slides/slide19.xml><?xml version="1.0" encoding="utf-8"?>
+<file path=ppt/slides/slide29.xml><?xml version="1.0" encoding="utf-8"?>
 <p:sld xmlns:a="http://schemas.openxmlformats.org/drawingml/2006/main" xmlns:r="http://schemas.openxmlformats.org/officeDocument/2006/relationships" xmlns:p="http://schemas.openxmlformats.org/presentationml/2006/main">
   <p:cSld>
     <p:spTree>
@@ -7104,12 +14122,18 @@
 </p:sld>
 </file>
 
-<file path=ppt/slides/slide2.xml><?xml version="1.0" encoding="utf-8"?>
+<file path=ppt/slides/slide3.xml><?xml version="1.0" encoding="utf-8"?>
 <p:sld xmlns:a="http://schemas.openxmlformats.org/drawingml/2006/main" xmlns:r="http://schemas.openxmlformats.org/officeDocument/2006/relationships" xmlns:p="http://schemas.openxmlformats.org/presentationml/2006/main">
   <p:cSld>
     <p:spTree>
       <p:nvGrpSpPr>
-        <p:cNvPr id="1" name=""/>
+        <p:cNvPr id="1" name="">
+          <a:extLst>
+            <a:ext uri="{FF2B5EF4-FFF2-40B4-BE49-F238E27FC236}">
+              <a16:creationId xmlns:a16="http://schemas.microsoft.com/office/drawing/2014/main" id="{95C118B4-6429-6BDE-04DE-2A5DE121AE1B}"/>
+            </a:ext>
+          </a:extLst>
+        </p:cNvPr>
         <p:cNvGrpSpPr/>
         <p:nvPr/>
       </p:nvGrpSpPr>
@@ -7126,7 +14150,7 @@
           <p:cNvPr id="2" name="Title 1">
             <a:extLst>
               <a:ext uri="{FF2B5EF4-FFF2-40B4-BE49-F238E27FC236}">
-                <a16:creationId xmlns:a16="http://schemas.microsoft.com/office/drawing/2014/main" id="{01037D6A-B962-35C3-97C9-6EC5324707BA}"/>
+                <a16:creationId xmlns:a16="http://schemas.microsoft.com/office/drawing/2014/main" id="{E6A12E11-0029-C3FB-188E-9948169C67C7}"/>
               </a:ext>
             </a:extLst>
           </p:cNvPr>
@@ -7151,7 +14175,7 @@
           <a:p>
             <a:r>
               <a:rPr lang="en-US" dirty="0"/>
-              <a:t>Project Scope &amp; Dataset</a:t>
+              <a:t>Schema &amp; Workstreams</a:t>
             </a:r>
           </a:p>
         </p:txBody>
@@ -7161,7 +14185,7 @@
           <p:cNvPr id="3" name="Content Placeholder 2">
             <a:extLst>
               <a:ext uri="{FF2B5EF4-FFF2-40B4-BE49-F238E27FC236}">
-                <a16:creationId xmlns:a16="http://schemas.microsoft.com/office/drawing/2014/main" id="{8623301C-12A3-660C-312D-E339890D458D}"/>
+                <a16:creationId xmlns:a16="http://schemas.microsoft.com/office/drawing/2014/main" id="{E107DF54-0DA9-EE59-8930-6E8746793BE7}"/>
               </a:ext>
             </a:extLst>
           </p:cNvPr>
@@ -7175,12 +14199,12 @@
         <p:spPr>
           <a:xfrm>
             <a:off x="677334" y="1774090"/>
-            <a:ext cx="8596668" cy="3880773"/>
+            <a:ext cx="8596668" cy="4412105"/>
           </a:xfrm>
         </p:spPr>
         <p:txBody>
           <a:bodyPr>
-            <a:normAutofit fontScale="85000" lnSpcReduction="10000"/>
+            <a:normAutofit fontScale="92500" lnSpcReduction="10000"/>
           </a:bodyPr>
           <a:lstStyle/>
           <a:p>
@@ -7190,20 +14214,16 @@
               </a:lnSpc>
             </a:pPr>
             <a:r>
-              <a:rPr lang="en-US" sz="1900" b="1" dirty="0"/>
-              <a:t>Goal</a:t>
-            </a:r>
-            <a:r>
-              <a:rPr lang="en-US" sz="1900" dirty="0"/>
-              <a:t>– Build a reproducible, SQL-ready pipeline that turns dunnhumby’s the </a:t>
-            </a:r>
-            <a:r>
-              <a:rPr lang="en-US" sz="1900" i="1" dirty="0"/>
-              <a:t>Complete Journey</a:t>
-            </a:r>
-            <a:r>
-              <a:rPr lang="en-US" sz="1900" dirty="0"/>
-              <a:t> household-level transactions dataset, spanning 2 years, into actionable insights for business leaders.</a:t>
+              <a:rPr lang="en-US" sz="1600" b="1" dirty="0"/>
+              <a:t>Schema</a:t>
+            </a:r>
+            <a:r>
+              <a:rPr lang="en-US" sz="1600" dirty="0"/>
+              <a:t>– star model — facts (transactions, campaigns) + dimensions (households, products, stores, promos)</a:t>
+            </a:r>
+            <a:r>
+              <a:rPr lang="en-US" sz="1600" i="1" dirty="0"/>
+              <a:t> </a:t>
             </a:r>
           </a:p>
           <a:p>
@@ -7213,15 +14233,15 @@
               </a:lnSpc>
             </a:pPr>
             <a:r>
-              <a:rPr lang="en-US" sz="1900" b="1" dirty="0">
+              <a:rPr lang="en-US" sz="1600" b="1" dirty="0">
                 <a:solidFill>
                   <a:srgbClr val="0070C0"/>
                 </a:solidFill>
               </a:rPr>
-              <a:t>Business questions</a:t>
-            </a:r>
-            <a:r>
-              <a:rPr lang="en-US" sz="1900" dirty="0">
+              <a:t>Platforms</a:t>
+            </a:r>
+            <a:r>
+              <a:rPr lang="en-US" sz="1600" dirty="0">
                 <a:solidFill>
                   <a:srgbClr val="0070C0"/>
                 </a:solidFill>
@@ -7229,41 +14249,16 @@
               <a:t> </a:t>
             </a:r>
             <a:r>
-              <a:rPr lang="en-US" sz="1900" dirty="0"/>
-              <a:t>– </a:t>
-            </a:r>
-          </a:p>
-          <a:p>
-            <a:pPr lvl="2">
-              <a:lnSpc>
-                <a:spcPct val="150000"/>
-              </a:lnSpc>
-            </a:pPr>
-            <a:r>
-              <a:rPr lang="en-US" sz="1900" dirty="0"/>
-              <a:t>Where is spend shifting?</a:t>
-            </a:r>
-          </a:p>
-          <a:p>
-            <a:pPr lvl="2">
-              <a:lnSpc>
-                <a:spcPct val="150000"/>
-              </a:lnSpc>
-            </a:pPr>
-            <a:r>
-              <a:rPr lang="en-US" sz="1900" dirty="0"/>
-              <a:t>Which customers drive growth? </a:t>
-            </a:r>
-          </a:p>
-          <a:p>
-            <a:pPr lvl="2">
-              <a:lnSpc>
-                <a:spcPct val="150000"/>
-              </a:lnSpc>
-            </a:pPr>
-            <a:r>
-              <a:rPr lang="en-US" sz="1900" dirty="0"/>
-              <a:t>Do promotions lift sales?  </a:t>
+              <a:rPr lang="en-US" sz="1600" dirty="0"/>
+              <a:t>– Postgres, MySQL, SQL Server (Relational), and </a:t>
+            </a:r>
+            <a:r>
+              <a:rPr lang="en-US" sz="1600" dirty="0" err="1"/>
+              <a:t>Mongodb</a:t>
+            </a:r>
+            <a:r>
+              <a:rPr lang="en-US" sz="1600" dirty="0"/>
+              <a:t> (NoSQL) </a:t>
             </a:r>
           </a:p>
           <a:p>
@@ -7273,18 +14268,112 @@
               </a:lnSpc>
             </a:pPr>
             <a:r>
-              <a:rPr lang="en-US" sz="1900" b="1" dirty="0"/>
-              <a:t>Dataset in Scope </a:t>
-            </a:r>
-            <a:r>
-              <a:rPr lang="en-US" sz="1900" dirty="0"/>
-              <a:t>– Two-year history of every item purchased by 2,500 households, enriched with campaign, coupon, in-store display, and demographic overlays.</a:t>
-            </a:r>
-          </a:p>
-          <a:p>
-            <a:endParaRPr lang="en-US" sz="1900" dirty="0"/>
-          </a:p>
-          <a:p>
+              <a:rPr lang="en-US" sz="1600" b="1" dirty="0"/>
+              <a:t>Workstreams</a:t>
+            </a:r>
+            <a:r>
+              <a:rPr lang="en-US" sz="1600" dirty="0"/>
+              <a:t>– </a:t>
+            </a:r>
+          </a:p>
+          <a:p>
+            <a:pPr lvl="2" fontAlgn="base">
+              <a:lnSpc>
+                <a:spcPct val="140000"/>
+              </a:lnSpc>
+            </a:pPr>
+            <a:r>
+              <a:rPr lang="en-US" altLang="en-US" b="1" dirty="0">
+                <a:solidFill>
+                  <a:srgbClr val="0070C0"/>
+                </a:solidFill>
+              </a:rPr>
+              <a:t>Data engineering </a:t>
+            </a:r>
+            <a:r>
+              <a:rPr lang="en-US" altLang="en-US" b="1" dirty="0"/>
+              <a:t>– </a:t>
+            </a:r>
+            <a:r>
+              <a:rPr lang="en-US" altLang="en-US" dirty="0"/>
+              <a:t>Stage raw CSVs, clean data-quality issues, and load into three RDBMS engines (PostgreSQL 14, MySQL 8, SQL Server 2022), and one NoSQL </a:t>
+            </a:r>
+            <a:r>
+              <a:rPr lang="en-US" altLang="en-US" dirty="0" err="1"/>
+              <a:t>Mongodb</a:t>
+            </a:r>
+            <a:r>
+              <a:rPr lang="en-US" altLang="en-US" dirty="0"/>
+              <a:t> 8.0 engine.</a:t>
+            </a:r>
+          </a:p>
+          <a:p>
+            <a:pPr lvl="2" fontAlgn="base">
+              <a:lnSpc>
+                <a:spcPct val="140000"/>
+              </a:lnSpc>
+            </a:pPr>
+            <a:r>
+              <a:rPr lang="en-US" altLang="en-US" b="1" dirty="0">
+                <a:solidFill>
+                  <a:srgbClr val="0070C0"/>
+                </a:solidFill>
+              </a:rPr>
+              <a:t>Data modeling </a:t>
+            </a:r>
+            <a:r>
+              <a:rPr lang="en-US" altLang="en-US" dirty="0"/>
+              <a:t>– Design schema tables and an ERD linking all tables covering transactions, households, products, and promotions.</a:t>
+            </a:r>
+          </a:p>
+          <a:p>
+            <a:pPr lvl="2" fontAlgn="base">
+              <a:lnSpc>
+                <a:spcPct val="140000"/>
+              </a:lnSpc>
+            </a:pPr>
+            <a:r>
+              <a:rPr lang="en-US" altLang="en-US" b="1" dirty="0">
+                <a:solidFill>
+                  <a:srgbClr val="0070C0"/>
+                </a:solidFill>
+              </a:rPr>
+              <a:t>Analytics &amp; visualization </a:t>
+            </a:r>
+            <a:r>
+              <a:rPr lang="en-US" altLang="en-US" b="1" dirty="0"/>
+              <a:t>– </a:t>
+            </a:r>
+            <a:r>
+              <a:rPr lang="en-US" altLang="en-US" dirty="0"/>
+              <a:t>Run EDA notebooks to surface spending trends, demographic segments, category lift, and campaign effectiveness.</a:t>
+            </a:r>
+          </a:p>
+          <a:p>
+            <a:pPr lvl="2" fontAlgn="base">
+              <a:lnSpc>
+                <a:spcPct val="140000"/>
+              </a:lnSpc>
+            </a:pPr>
+            <a:r>
+              <a:rPr lang="en-US" altLang="en-US" b="1" dirty="0">
+                <a:solidFill>
+                  <a:srgbClr val="0070C0"/>
+                </a:solidFill>
+              </a:rPr>
+              <a:t>Benchmarking</a:t>
+            </a:r>
+            <a:r>
+              <a:rPr lang="en-US" altLang="en-US" b="1" dirty="0"/>
+              <a:t> – </a:t>
+            </a:r>
+            <a:r>
+              <a:rPr lang="en-US" altLang="en-US" dirty="0"/>
+              <a:t>Compare query latency, index efficiency, and storage footprint across the three databases.</a:t>
+            </a:r>
+          </a:p>
+          <a:p>
+            <a:pPr lvl="2"/>
             <a:endParaRPr lang="en-US" dirty="0"/>
           </a:p>
         </p:txBody>
@@ -7294,7 +14383,7 @@
           <p:cNvPr id="16" name="Straight Connector 15">
             <a:extLst>
               <a:ext uri="{FF2B5EF4-FFF2-40B4-BE49-F238E27FC236}">
-                <a16:creationId xmlns:a16="http://schemas.microsoft.com/office/drawing/2014/main" id="{8DD9685D-B385-69C2-654B-EAFE24F64597}"/>
+                <a16:creationId xmlns:a16="http://schemas.microsoft.com/office/drawing/2014/main" id="{56D011EF-1070-8BDC-8F3A-089449BD0971}"/>
               </a:ext>
             </a:extLst>
           </p:cNvPr>
@@ -7328,7 +14417,7 @@
     </p:spTree>
     <p:extLst>
       <p:ext uri="{BB962C8B-B14F-4D97-AF65-F5344CB8AC3E}">
-        <p14:creationId xmlns:p14="http://schemas.microsoft.com/office/powerpoint/2010/main" val="1272682080"/>
+        <p14:creationId xmlns:p14="http://schemas.microsoft.com/office/powerpoint/2010/main" val="784428169"/>
       </p:ext>
     </p:extLst>
   </p:cSld>
@@ -7338,7 +14427,7 @@
 </p:sld>
 </file>
 
-<file path=ppt/slides/slide20.xml><?xml version="1.0" encoding="utf-8"?>
+<file path=ppt/slides/slide30.xml><?xml version="1.0" encoding="utf-8"?>
 <p:sld xmlns:a="http://schemas.openxmlformats.org/drawingml/2006/main" xmlns:r="http://schemas.openxmlformats.org/officeDocument/2006/relationships" xmlns:p="http://schemas.openxmlformats.org/presentationml/2006/main">
   <p:cSld>
     <p:spTree>
@@ -7475,7 +14564,7 @@
 </p:sld>
 </file>
 
-<file path=ppt/slides/slide21.xml><?xml version="1.0" encoding="utf-8"?>
+<file path=ppt/slides/slide31.xml><?xml version="1.0" encoding="utf-8"?>
 <p:sld xmlns:a="http://schemas.openxmlformats.org/drawingml/2006/main" xmlns:r="http://schemas.openxmlformats.org/officeDocument/2006/relationships" xmlns:p="http://schemas.openxmlformats.org/presentationml/2006/main">
   <p:cSld>
     <p:spTree>
@@ -7996,7 +15085,7 @@
 </p:sld>
 </file>
 
-<file path=ppt/slides/slide22.xml><?xml version="1.0" encoding="utf-8"?>
+<file path=ppt/slides/slide32.xml><?xml version="1.0" encoding="utf-8"?>
 <p:sld xmlns:a="http://schemas.openxmlformats.org/drawingml/2006/main" xmlns:r="http://schemas.openxmlformats.org/officeDocument/2006/relationships" xmlns:p="http://schemas.openxmlformats.org/presentationml/2006/main">
   <p:cSld>
     <p:spTree>
@@ -8330,7 +15419,7 @@
 </p:sld>
 </file>
 
-<file path=ppt/slides/slide23.xml><?xml version="1.0" encoding="utf-8"?>
+<file path=ppt/slides/slide33.xml><?xml version="1.0" encoding="utf-8"?>
 <p:sld xmlns:a="http://schemas.openxmlformats.org/drawingml/2006/main" xmlns:r="http://schemas.openxmlformats.org/officeDocument/2006/relationships" xmlns:p="http://schemas.openxmlformats.org/presentationml/2006/main">
   <p:cSld>
     <p:spTree>
@@ -8620,7 +15709,7 @@
 </p:sld>
 </file>
 
-<file path=ppt/slides/slide24.xml><?xml version="1.0" encoding="utf-8"?>
+<file path=ppt/slides/slide34.xml><?xml version="1.0" encoding="utf-8"?>
 <p:sld xmlns:a="http://schemas.openxmlformats.org/drawingml/2006/main" xmlns:r="http://schemas.openxmlformats.org/officeDocument/2006/relationships" xmlns:p="http://schemas.openxmlformats.org/presentationml/2006/main">
   <p:cSld>
     <p:spTree>
@@ -8896,7 +15985,7 @@
 </p:sld>
 </file>
 
-<file path=ppt/slides/slide25.xml><?xml version="1.0" encoding="utf-8"?>
+<file path=ppt/slides/slide35.xml><?xml version="1.0" encoding="utf-8"?>
 <p:sld xmlns:a="http://schemas.openxmlformats.org/drawingml/2006/main" xmlns:r="http://schemas.openxmlformats.org/officeDocument/2006/relationships" xmlns:p="http://schemas.openxmlformats.org/presentationml/2006/main">
   <p:cSld>
     <p:spTree>
@@ -9076,7 +16165,7 @@
 </p:sld>
 </file>
 
-<file path=ppt/slides/slide26.xml><?xml version="1.0" encoding="utf-8"?>
+<file path=ppt/slides/slide36.xml><?xml version="1.0" encoding="utf-8"?>
 <p:sld xmlns:a="http://schemas.openxmlformats.org/drawingml/2006/main" xmlns:r="http://schemas.openxmlformats.org/officeDocument/2006/relationships" xmlns:p="http://schemas.openxmlformats.org/presentationml/2006/main">
   <p:cSld>
     <p:spTree>
@@ -9256,7 +16345,7 @@
 </p:sld>
 </file>
 
-<file path=ppt/slides/slide27.xml><?xml version="1.0" encoding="utf-8"?>
+<file path=ppt/slides/slide37.xml><?xml version="1.0" encoding="utf-8"?>
 <p:sld xmlns:a="http://schemas.openxmlformats.org/drawingml/2006/main" xmlns:r="http://schemas.openxmlformats.org/officeDocument/2006/relationships" xmlns:p="http://schemas.openxmlformats.org/presentationml/2006/main">
   <p:cSld>
     <p:spTree>
@@ -9458,7 +16547,7 @@
 </p:sld>
 </file>
 
-<file path=ppt/slides/slide28.xml><?xml version="1.0" encoding="utf-8"?>
+<file path=ppt/slides/slide38.xml><?xml version="1.0" encoding="utf-8"?>
 <p:sld xmlns:a="http://schemas.openxmlformats.org/drawingml/2006/main" xmlns:r="http://schemas.openxmlformats.org/officeDocument/2006/relationships" xmlns:p="http://schemas.openxmlformats.org/presentationml/2006/main">
   <p:cSld>
     <p:spTree>
@@ -9936,7 +17025,7 @@
 </p:sld>
 </file>
 
-<file path=ppt/slides/slide29.xml><?xml version="1.0" encoding="utf-8"?>
+<file path=ppt/slides/slide39.xml><?xml version="1.0" encoding="utf-8"?>
 <p:sld xmlns:a="http://schemas.openxmlformats.org/drawingml/2006/main" xmlns:r="http://schemas.openxmlformats.org/officeDocument/2006/relationships" xmlns:p="http://schemas.openxmlformats.org/presentationml/2006/main">
   <p:cSld>
     <p:spTree>
@@ -10209,7 +17298,7 @@
 </p:sld>
 </file>
 
-<file path=ppt/slides/slide3.xml><?xml version="1.0" encoding="utf-8"?>
+<file path=ppt/slides/slide4.xml><?xml version="1.0" encoding="utf-8"?>
 <p:sld xmlns:a="http://schemas.openxmlformats.org/drawingml/2006/main" xmlns:r="http://schemas.openxmlformats.org/officeDocument/2006/relationships" xmlns:p="http://schemas.openxmlformats.org/presentationml/2006/main">
   <p:cSld>
     <p:spTree>
@@ -10217,7 +17306,7 @@
         <p:cNvPr id="1" name="">
           <a:extLst>
             <a:ext uri="{FF2B5EF4-FFF2-40B4-BE49-F238E27FC236}">
-              <a16:creationId xmlns:a16="http://schemas.microsoft.com/office/drawing/2014/main" id="{95C118B4-6429-6BDE-04DE-2A5DE121AE1B}"/>
+              <a16:creationId xmlns:a16="http://schemas.microsoft.com/office/drawing/2014/main" id="{C1FBBADC-50AB-2ABA-3D8C-D7484F570311}"/>
             </a:ext>
           </a:extLst>
         </p:cNvPr>
@@ -10237,7 +17326,7 @@
           <p:cNvPr id="2" name="Title 1">
             <a:extLst>
               <a:ext uri="{FF2B5EF4-FFF2-40B4-BE49-F238E27FC236}">
-                <a16:creationId xmlns:a16="http://schemas.microsoft.com/office/drawing/2014/main" id="{E6A12E11-0029-C3FB-188E-9948169C67C7}"/>
+                <a16:creationId xmlns:a16="http://schemas.microsoft.com/office/drawing/2014/main" id="{368DD1A6-BD4B-5376-B296-968273BCD9F7}"/>
               </a:ext>
             </a:extLst>
           </p:cNvPr>
@@ -10262,7 +17351,7 @@
           <a:p>
             <a:r>
               <a:rPr lang="en-US" dirty="0"/>
-              <a:t>Schema &amp; Benchmarking Setup</a:t>
+              <a:t>The trifecta of comparative analysis </a:t>
             </a:r>
           </a:p>
         </p:txBody>
@@ -10272,7 +17361,7 @@
           <p:cNvPr id="3" name="Content Placeholder 2">
             <a:extLst>
               <a:ext uri="{FF2B5EF4-FFF2-40B4-BE49-F238E27FC236}">
-                <a16:creationId xmlns:a16="http://schemas.microsoft.com/office/drawing/2014/main" id="{E107DF54-0DA9-EE59-8930-6E8746793BE7}"/>
+                <a16:creationId xmlns:a16="http://schemas.microsoft.com/office/drawing/2014/main" id="{E9F174B9-C04F-4C12-6860-B08E527D123A}"/>
               </a:ext>
             </a:extLst>
           </p:cNvPr>
@@ -10291,7 +17380,7 @@
         </p:spPr>
         <p:txBody>
           <a:bodyPr>
-            <a:normAutofit fontScale="92500" lnSpcReduction="10000"/>
+            <a:normAutofit/>
           </a:bodyPr>
           <a:lstStyle/>
           <a:p>
@@ -10301,16 +17390,16 @@
               </a:lnSpc>
             </a:pPr>
             <a:r>
-              <a:rPr lang="en-US" sz="1600" b="1" dirty="0"/>
-              <a:t>Schema</a:t>
-            </a:r>
-            <a:r>
-              <a:rPr lang="en-US" sz="1600" dirty="0"/>
-              <a:t>– star model — facts (transactions, campaigns) + dimensions (households, products, stores, promos)</a:t>
-            </a:r>
-            <a:r>
-              <a:rPr lang="en-US" sz="1600" i="1" dirty="0"/>
-              <a:t> </a:t>
+              <a:rPr lang="en-US" altLang="en-US" b="1" dirty="0">
+                <a:solidFill>
+                  <a:srgbClr val="0070C0"/>
+                </a:solidFill>
+              </a:rPr>
+              <a:t>Composite Key vs Surrogate Key </a:t>
+            </a:r>
+            <a:r>
+              <a:rPr lang="en-US" altLang="en-US" b="1" dirty="0"/>
+              <a:t>– MySQL implementation</a:t>
             </a:r>
           </a:p>
           <a:p>
@@ -10320,131 +17409,52 @@
               </a:lnSpc>
             </a:pPr>
             <a:r>
-              <a:rPr lang="en-US" sz="1600" b="1" dirty="0">
+              <a:rPr lang="en-US" altLang="en-US" b="1" dirty="0">
                 <a:solidFill>
                   <a:srgbClr val="0070C0"/>
                 </a:solidFill>
               </a:rPr>
-              <a:t>Platforms</a:t>
-            </a:r>
-            <a:r>
-              <a:rPr lang="en-US" sz="1600" dirty="0">
+              <a:t>PostgreSQL server vs Microsoft SQL Server </a:t>
+            </a:r>
+            <a:r>
+              <a:rPr lang="en-US" altLang="en-US" dirty="0"/>
+              <a:t>– </a:t>
+            </a:r>
+            <a:r>
+              <a:rPr lang="en-US" altLang="en-US" b="1" dirty="0"/>
+              <a:t>Composite Key</a:t>
+            </a:r>
+          </a:p>
+          <a:p>
+            <a:pPr>
+              <a:lnSpc>
+                <a:spcPct val="150000"/>
+              </a:lnSpc>
+            </a:pPr>
+            <a:r>
+              <a:rPr lang="en-US" altLang="en-US" b="1" dirty="0">
+                <a:solidFill>
+                  <a:srgbClr val="0070C0"/>
+                </a:solidFill>
+              </a:rPr>
+              <a:t>PostgreSQL vs </a:t>
+            </a:r>
+            <a:r>
+              <a:rPr lang="en-US" altLang="en-US" b="1" dirty="0" err="1">
+                <a:solidFill>
+                  <a:srgbClr val="0070C0"/>
+                </a:solidFill>
+              </a:rPr>
+              <a:t>Mongodb</a:t>
+            </a:r>
+            <a:r>
+              <a:rPr lang="en-US" altLang="en-US" b="1" dirty="0">
                 <a:solidFill>
                   <a:srgbClr val="0070C0"/>
                 </a:solidFill>
               </a:rPr>
               <a:t> </a:t>
             </a:r>
-            <a:r>
-              <a:rPr lang="en-US" sz="1600" dirty="0"/>
-              <a:t>– Postgres, MySQL and SQL Server</a:t>
-            </a:r>
-          </a:p>
-          <a:p>
-            <a:pPr>
-              <a:lnSpc>
-                <a:spcPct val="150000"/>
-              </a:lnSpc>
-            </a:pPr>
-            <a:r>
-              <a:rPr lang="en-US" sz="1600" b="1" dirty="0"/>
-              <a:t>Workstreams</a:t>
-            </a:r>
-            <a:r>
-              <a:rPr lang="en-US" sz="1600" dirty="0"/>
-              <a:t>– </a:t>
-            </a:r>
-          </a:p>
-          <a:p>
-            <a:pPr lvl="2" fontAlgn="base">
-              <a:lnSpc>
-                <a:spcPct val="140000"/>
-              </a:lnSpc>
-            </a:pPr>
-            <a:r>
-              <a:rPr lang="en-US" altLang="en-US" b="1" dirty="0">
-                <a:solidFill>
-                  <a:srgbClr val="0070C0"/>
-                </a:solidFill>
-              </a:rPr>
-              <a:t>Data engineering </a:t>
-            </a:r>
-            <a:r>
-              <a:rPr lang="en-US" altLang="en-US" b="1" dirty="0"/>
-              <a:t>– </a:t>
-            </a:r>
-            <a:r>
-              <a:rPr lang="en-US" altLang="en-US" dirty="0"/>
-              <a:t>Stage raw CSVs, clean data-quality issues, and load into three RDBMS engines (PostgreSQL 14, MySQL 8, SQL Server 2022).</a:t>
-            </a:r>
-          </a:p>
-          <a:p>
-            <a:pPr lvl="2" fontAlgn="base">
-              <a:lnSpc>
-                <a:spcPct val="140000"/>
-              </a:lnSpc>
-            </a:pPr>
-            <a:r>
-              <a:rPr lang="en-US" altLang="en-US" b="1" dirty="0">
-                <a:solidFill>
-                  <a:srgbClr val="0070C0"/>
-                </a:solidFill>
-              </a:rPr>
-              <a:t>Data modeling </a:t>
-            </a:r>
-            <a:r>
-              <a:rPr lang="en-US" altLang="en-US" dirty="0"/>
-              <a:t>– Design schema tables and an ERD linking all tables covering transactions, households, products, and promotions.</a:t>
-            </a:r>
-          </a:p>
-          <a:p>
-            <a:pPr lvl="2" fontAlgn="base">
-              <a:lnSpc>
-                <a:spcPct val="140000"/>
-              </a:lnSpc>
-            </a:pPr>
-            <a:r>
-              <a:rPr lang="en-US" altLang="en-US" b="1" dirty="0">
-                <a:solidFill>
-                  <a:srgbClr val="0070C0"/>
-                </a:solidFill>
-              </a:rPr>
-              <a:t>Analytics &amp; visualization </a:t>
-            </a:r>
-            <a:r>
-              <a:rPr lang="en-US" altLang="en-US" b="1" dirty="0"/>
-              <a:t>– </a:t>
-            </a:r>
-            <a:r>
-              <a:rPr lang="en-US" altLang="en-US" dirty="0"/>
-              <a:t>Run EDA notebooks to surface spending trends, demographic segments, category lift, and campaign effectiveness.</a:t>
-            </a:r>
-          </a:p>
-          <a:p>
-            <a:pPr lvl="2" fontAlgn="base">
-              <a:lnSpc>
-                <a:spcPct val="140000"/>
-              </a:lnSpc>
-            </a:pPr>
-            <a:r>
-              <a:rPr lang="en-US" altLang="en-US" b="1" dirty="0">
-                <a:solidFill>
-                  <a:srgbClr val="0070C0"/>
-                </a:solidFill>
-              </a:rPr>
-              <a:t>Benchmarking</a:t>
-            </a:r>
-            <a:r>
-              <a:rPr lang="en-US" altLang="en-US" b="1" dirty="0"/>
-              <a:t> – </a:t>
-            </a:r>
-            <a:r>
-              <a:rPr lang="en-US" altLang="en-US" dirty="0"/>
-              <a:t>Compare query latency, index efficiency, and storage footprint across the three databases.</a:t>
-            </a:r>
-          </a:p>
-          <a:p>
-            <a:pPr lvl="2"/>
             <a:endParaRPr lang="en-US" dirty="0"/>
           </a:p>
         </p:txBody>
@@ -10454,7 +17464,7 @@
           <p:cNvPr id="16" name="Straight Connector 15">
             <a:extLst>
               <a:ext uri="{FF2B5EF4-FFF2-40B4-BE49-F238E27FC236}">
-                <a16:creationId xmlns:a16="http://schemas.microsoft.com/office/drawing/2014/main" id="{56D011EF-1070-8BDC-8F3A-089449BD0971}"/>
+                <a16:creationId xmlns:a16="http://schemas.microsoft.com/office/drawing/2014/main" id="{56ECE0E0-1AE8-3425-696D-E1D7433D4404}"/>
               </a:ext>
             </a:extLst>
           </p:cNvPr>
@@ -10488,7 +17498,7 @@
     </p:spTree>
     <p:extLst>
       <p:ext uri="{BB962C8B-B14F-4D97-AF65-F5344CB8AC3E}">
-        <p14:creationId xmlns:p14="http://schemas.microsoft.com/office/powerpoint/2010/main" val="784428169"/>
+        <p14:creationId xmlns:p14="http://schemas.microsoft.com/office/powerpoint/2010/main" val="2414398601"/>
       </p:ext>
     </p:extLst>
   </p:cSld>
@@ -10498,7 +17508,7 @@
 </p:sld>
 </file>
 
-<file path=ppt/slides/slide30.xml><?xml version="1.0" encoding="utf-8"?>
+<file path=ppt/slides/slide40.xml><?xml version="1.0" encoding="utf-8"?>
 <p:sld xmlns:a="http://schemas.openxmlformats.org/drawingml/2006/main" xmlns:r="http://schemas.openxmlformats.org/officeDocument/2006/relationships" xmlns:p="http://schemas.openxmlformats.org/presentationml/2006/main">
   <p:cSld>
     <p:spTree>
@@ -10864,7 +17874,7 @@
 </p:sld>
 </file>
 
-<file path=ppt/slides/slide31.xml><?xml version="1.0" encoding="utf-8"?>
+<file path=ppt/slides/slide41.xml><?xml version="1.0" encoding="utf-8"?>
 <p:sld xmlns:a="http://schemas.openxmlformats.org/drawingml/2006/main" xmlns:r="http://schemas.openxmlformats.org/officeDocument/2006/relationships" xmlns:p="http://schemas.openxmlformats.org/presentationml/2006/main">
   <p:cSld>
     <p:spTree>
@@ -12770,7 +19780,7 @@
 </p:sld>
 </file>
 
-<file path=ppt/slides/slide32.xml><?xml version="1.0" encoding="utf-8"?>
+<file path=ppt/slides/slide42.xml><?xml version="1.0" encoding="utf-8"?>
 <p:sld xmlns:a="http://schemas.openxmlformats.org/drawingml/2006/main" xmlns:r="http://schemas.openxmlformats.org/officeDocument/2006/relationships" xmlns:p="http://schemas.openxmlformats.org/presentationml/2006/main">
   <p:cSld>
     <p:spTree>
@@ -13053,7 +20063,7 @@
 </p:sld>
 </file>
 
-<file path=ppt/slides/slide4.xml><?xml version="1.0" encoding="utf-8"?>
+<file path=ppt/slides/slide5.xml><?xml version="1.0" encoding="utf-8"?>
 <p:sld xmlns:a="http://schemas.openxmlformats.org/drawingml/2006/main" xmlns:r="http://schemas.openxmlformats.org/officeDocument/2006/relationships" xmlns:p="http://schemas.openxmlformats.org/presentationml/2006/main">
   <p:cSld>
     <p:spTree>
@@ -13600,7 +20610,7 @@
 </p:sld>
 </file>
 
-<file path=ppt/slides/slide5.xml><?xml version="1.0" encoding="utf-8"?>
+<file path=ppt/slides/slide6.xml><?xml version="1.0" encoding="utf-8"?>
 <p:sld xmlns:a="http://schemas.openxmlformats.org/drawingml/2006/main" xmlns:r="http://schemas.openxmlformats.org/officeDocument/2006/relationships" xmlns:p="http://schemas.openxmlformats.org/presentationml/2006/main">
   <p:cSld>
     <p:spTree>
@@ -14281,7 +21291,7 @@
 </p:sld>
 </file>
 
-<file path=ppt/slides/slide6.xml><?xml version="1.0" encoding="utf-8"?>
+<file path=ppt/slides/slide7.xml><?xml version="1.0" encoding="utf-8"?>
 <p:sld xmlns:a="http://schemas.openxmlformats.org/drawingml/2006/main" xmlns:r="http://schemas.openxmlformats.org/officeDocument/2006/relationships" xmlns:p="http://schemas.openxmlformats.org/presentationml/2006/main">
   <p:cSld>
     <p:spTree>
@@ -14819,7 +21829,7 @@
 </p:sld>
 </file>
 
-<file path=ppt/slides/slide7.xml><?xml version="1.0" encoding="utf-8"?>
+<file path=ppt/slides/slide8.xml><?xml version="1.0" encoding="utf-8"?>
 <p:sld xmlns:a="http://schemas.openxmlformats.org/drawingml/2006/main" xmlns:r="http://schemas.openxmlformats.org/officeDocument/2006/relationships" xmlns:p="http://schemas.openxmlformats.org/presentationml/2006/main">
   <p:cSld>
     <p:spTree>
@@ -14872,7 +21882,7 @@
           <a:p>
             <a:r>
               <a:rPr lang="en-US" dirty="0"/>
-              <a:t>EDA</a:t>
+              <a:t>Retail exploratory analysis</a:t>
             </a:r>
           </a:p>
         </p:txBody>
@@ -15376,7 +22386,7 @@
 </p:sld>
 </file>
 
-<file path=ppt/slides/slide8.xml><?xml version="1.0" encoding="utf-8"?>
+<file path=ppt/slides/slide9.xml><?xml version="1.0" encoding="utf-8"?>
 <p:sld xmlns:a="http://schemas.openxmlformats.org/drawingml/2006/main" xmlns:r="http://schemas.openxmlformats.org/officeDocument/2006/relationships" xmlns:p="http://schemas.openxmlformats.org/presentationml/2006/main">
   <p:cSld>
     <p:spTree>
@@ -15429,7 +22439,7 @@
           <a:p>
             <a:r>
               <a:rPr lang="en-US" dirty="0"/>
-              <a:t>Benchmarking: Query Setup</a:t>
+              <a:t>Benchmarking: Query Setup – CK Vs SK</a:t>
             </a:r>
           </a:p>
         </p:txBody>
@@ -16011,641 +23021,6 @@
     <p:extLst>
       <p:ext uri="{BB962C8B-B14F-4D97-AF65-F5344CB8AC3E}">
         <p14:creationId xmlns:p14="http://schemas.microsoft.com/office/powerpoint/2010/main" val="2922880706"/>
-      </p:ext>
-    </p:extLst>
-  </p:cSld>
-  <p:clrMapOvr>
-    <a:masterClrMapping/>
-  </p:clrMapOvr>
-</p:sld>
-</file>
-
-<file path=ppt/slides/slide9.xml><?xml version="1.0" encoding="utf-8"?>
-<p:sld xmlns:a="http://schemas.openxmlformats.org/drawingml/2006/main" xmlns:r="http://schemas.openxmlformats.org/officeDocument/2006/relationships" xmlns:p="http://schemas.openxmlformats.org/presentationml/2006/main">
-  <p:cSld>
-    <p:spTree>
-      <p:nvGrpSpPr>
-        <p:cNvPr id="1" name="">
-          <a:extLst>
-            <a:ext uri="{FF2B5EF4-FFF2-40B4-BE49-F238E27FC236}">
-              <a16:creationId xmlns:a16="http://schemas.microsoft.com/office/drawing/2014/main" id="{B8839AD4-D36B-5A78-4364-CC9B653F2FBB}"/>
-            </a:ext>
-          </a:extLst>
-        </p:cNvPr>
-        <p:cNvGrpSpPr/>
-        <p:nvPr/>
-      </p:nvGrpSpPr>
-      <p:grpSpPr>
-        <a:xfrm>
-          <a:off x="0" y="0"/>
-          <a:ext cx="0" cy="0"/>
-          <a:chOff x="0" y="0"/>
-          <a:chExt cx="0" cy="0"/>
-        </a:xfrm>
-      </p:grpSpPr>
-      <p:sp>
-        <p:nvSpPr>
-          <p:cNvPr id="2" name="Title 1">
-            <a:extLst>
-              <a:ext uri="{FF2B5EF4-FFF2-40B4-BE49-F238E27FC236}">
-                <a16:creationId xmlns:a16="http://schemas.microsoft.com/office/drawing/2014/main" id="{ADCEEA77-6FBE-F64A-873F-369025083789}"/>
-              </a:ext>
-            </a:extLst>
-          </p:cNvPr>
-          <p:cNvSpPr>
-            <a:spLocks noGrp="1"/>
-          </p:cNvSpPr>
-          <p:nvPr>
-            <p:ph type="title"/>
-          </p:nvPr>
-        </p:nvSpPr>
-        <p:spPr>
-          <a:xfrm>
-            <a:off x="593359" y="463205"/>
-            <a:ext cx="9744960" cy="691299"/>
-          </a:xfrm>
-        </p:spPr>
-        <p:txBody>
-          <a:bodyPr>
-            <a:normAutofit fontScale="90000"/>
-          </a:bodyPr>
-          <a:lstStyle/>
-          <a:p>
-            <a:r>
-              <a:rPr lang="en-US" dirty="0"/>
-              <a:t>Benchmarking: Results &amp; Takeaways</a:t>
-            </a:r>
-          </a:p>
-        </p:txBody>
-      </p:sp>
-      <p:cxnSp>
-        <p:nvCxnSpPr>
-          <p:cNvPr id="16" name="Straight Connector 15">
-            <a:extLst>
-              <a:ext uri="{FF2B5EF4-FFF2-40B4-BE49-F238E27FC236}">
-                <a16:creationId xmlns:a16="http://schemas.microsoft.com/office/drawing/2014/main" id="{7D2AC169-1FF4-58CC-4A79-3A40554049EF}"/>
-              </a:ext>
-            </a:extLst>
-          </p:cNvPr>
-          <p:cNvCxnSpPr/>
-          <p:nvPr/>
-        </p:nvCxnSpPr>
-        <p:spPr>
-          <a:xfrm>
-            <a:off x="677334" y="1291472"/>
-            <a:ext cx="8596668" cy="0"/>
-          </a:xfrm>
-          <a:prstGeom prst="line">
-            <a:avLst/>
-          </a:prstGeom>
-        </p:spPr>
-        <p:style>
-          <a:lnRef idx="3">
-            <a:schemeClr val="accent6"/>
-          </a:lnRef>
-          <a:fillRef idx="0">
-            <a:schemeClr val="accent6"/>
-          </a:fillRef>
-          <a:effectRef idx="2">
-            <a:schemeClr val="accent6"/>
-          </a:effectRef>
-          <a:fontRef idx="minor">
-            <a:schemeClr val="tx1"/>
-          </a:fontRef>
-        </p:style>
-      </p:cxnSp>
-      <p:sp>
-        <p:nvSpPr>
-          <p:cNvPr id="15" name="Content Placeholder 2">
-            <a:extLst>
-              <a:ext uri="{FF2B5EF4-FFF2-40B4-BE49-F238E27FC236}">
-                <a16:creationId xmlns:a16="http://schemas.microsoft.com/office/drawing/2014/main" id="{1A3BD983-5A8F-4E40-C02A-AD6C417AC353}"/>
-              </a:ext>
-            </a:extLst>
-          </p:cNvPr>
-          <p:cNvSpPr txBox="1">
-            <a:spLocks/>
-          </p:cNvSpPr>
-          <p:nvPr/>
-        </p:nvSpPr>
-        <p:spPr>
-          <a:xfrm>
-            <a:off x="677334" y="1428441"/>
-            <a:ext cx="8596668" cy="3880773"/>
-          </a:xfrm>
-          <a:prstGeom prst="rect">
-            <a:avLst/>
-          </a:prstGeom>
-        </p:spPr>
-        <p:txBody>
-          <a:bodyPr vert="horz" lIns="91440" tIns="45720" rIns="91440" bIns="45720" rtlCol="0">
-            <a:normAutofit/>
-          </a:bodyPr>
-          <a:lstStyle>
-            <a:lvl1pPr marL="182880" indent="-182880" algn="l" defTabSz="914400" rtl="0" eaLnBrk="1" latinLnBrk="0" hangingPunct="1">
-              <a:lnSpc>
-                <a:spcPct val="95000"/>
-              </a:lnSpc>
-              <a:spcBef>
-                <a:spcPts val="1400"/>
-              </a:spcBef>
-              <a:spcAft>
-                <a:spcPts val="200"/>
-              </a:spcAft>
-              <a:buClr>
-                <a:schemeClr val="accent1"/>
-              </a:buClr>
-              <a:buSzPct val="80000"/>
-              <a:buFont typeface="Arial" pitchFamily="34" charset="0"/>
-              <a:buChar char="•"/>
-              <a:defRPr sz="1800" kern="1200" spc="10" baseline="0">
-                <a:solidFill>
-                  <a:schemeClr val="tx1"/>
-                </a:solidFill>
-                <a:latin typeface="+mn-lt"/>
-                <a:ea typeface="+mn-ea"/>
-                <a:cs typeface="+mn-cs"/>
-              </a:defRPr>
-            </a:lvl1pPr>
-            <a:lvl2pPr marL="457200" indent="-182880" algn="l" defTabSz="914400" rtl="0" eaLnBrk="1" latinLnBrk="0" hangingPunct="1">
-              <a:lnSpc>
-                <a:spcPct val="90000"/>
-              </a:lnSpc>
-              <a:spcBef>
-                <a:spcPts val="300"/>
-              </a:spcBef>
-              <a:spcAft>
-                <a:spcPts val="300"/>
-              </a:spcAft>
-              <a:buClr>
-                <a:schemeClr val="accent1"/>
-              </a:buClr>
-              <a:buFont typeface="Wingdings 2" pitchFamily="18" charset="2"/>
-              <a:buChar char=""/>
-              <a:defRPr sz="1600" kern="1200">
-                <a:solidFill>
-                  <a:schemeClr val="tx1">
-                    <a:lumMod val="85000"/>
-                    <a:lumOff val="15000"/>
-                  </a:schemeClr>
-                </a:solidFill>
-                <a:latin typeface="+mn-lt"/>
-                <a:ea typeface="+mn-ea"/>
-                <a:cs typeface="+mn-cs"/>
-              </a:defRPr>
-            </a:lvl2pPr>
-            <a:lvl3pPr marL="731520" indent="-182880" algn="l" defTabSz="914400" rtl="0" eaLnBrk="1" latinLnBrk="0" hangingPunct="1">
-              <a:lnSpc>
-                <a:spcPct val="90000"/>
-              </a:lnSpc>
-              <a:spcBef>
-                <a:spcPts val="300"/>
-              </a:spcBef>
-              <a:spcAft>
-                <a:spcPts val="300"/>
-              </a:spcAft>
-              <a:buClr>
-                <a:schemeClr val="accent1"/>
-              </a:buClr>
-              <a:buFont typeface="Wingdings 2" pitchFamily="18" charset="2"/>
-              <a:buChar char=""/>
-              <a:defRPr sz="1400" kern="1200">
-                <a:solidFill>
-                  <a:schemeClr val="tx1">
-                    <a:lumMod val="85000"/>
-                    <a:lumOff val="15000"/>
-                  </a:schemeClr>
-                </a:solidFill>
-                <a:latin typeface="+mn-lt"/>
-                <a:ea typeface="+mn-ea"/>
-                <a:cs typeface="+mn-cs"/>
-              </a:defRPr>
-            </a:lvl3pPr>
-            <a:lvl4pPr marL="1005840" indent="-182880" algn="l" defTabSz="914400" rtl="0" eaLnBrk="1" latinLnBrk="0" hangingPunct="1">
-              <a:lnSpc>
-                <a:spcPct val="90000"/>
-              </a:lnSpc>
-              <a:spcBef>
-                <a:spcPts val="300"/>
-              </a:spcBef>
-              <a:spcAft>
-                <a:spcPts val="300"/>
-              </a:spcAft>
-              <a:buClr>
-                <a:schemeClr val="accent1"/>
-              </a:buClr>
-              <a:buFont typeface="Wingdings 2" pitchFamily="18" charset="2"/>
-              <a:buChar char=""/>
-              <a:defRPr sz="1400" kern="1200">
-                <a:solidFill>
-                  <a:schemeClr val="tx1">
-                    <a:lumMod val="85000"/>
-                    <a:lumOff val="15000"/>
-                  </a:schemeClr>
-                </a:solidFill>
-                <a:latin typeface="+mn-lt"/>
-                <a:ea typeface="+mn-ea"/>
-                <a:cs typeface="+mn-cs"/>
-              </a:defRPr>
-            </a:lvl4pPr>
-            <a:lvl5pPr marL="1280160" indent="-182880" algn="l" defTabSz="914400" rtl="0" eaLnBrk="1" latinLnBrk="0" hangingPunct="1">
-              <a:lnSpc>
-                <a:spcPct val="90000"/>
-              </a:lnSpc>
-              <a:spcBef>
-                <a:spcPts val="300"/>
-              </a:spcBef>
-              <a:spcAft>
-                <a:spcPts val="300"/>
-              </a:spcAft>
-              <a:buClr>
-                <a:schemeClr val="accent1"/>
-              </a:buClr>
-              <a:buFont typeface="Wingdings 2" pitchFamily="18" charset="2"/>
-              <a:buChar char=""/>
-              <a:defRPr sz="1400" kern="1200">
-                <a:solidFill>
-                  <a:schemeClr val="tx1">
-                    <a:lumMod val="85000"/>
-                    <a:lumOff val="15000"/>
-                  </a:schemeClr>
-                </a:solidFill>
-                <a:latin typeface="+mn-lt"/>
-                <a:ea typeface="+mn-ea"/>
-                <a:cs typeface="+mn-cs"/>
-              </a:defRPr>
-            </a:lvl5pPr>
-            <a:lvl6pPr marL="1600000" indent="-228600" algn="l" defTabSz="914400" rtl="0" eaLnBrk="1" latinLnBrk="0" hangingPunct="1">
-              <a:lnSpc>
-                <a:spcPct val="90000"/>
-              </a:lnSpc>
-              <a:spcBef>
-                <a:spcPts val="300"/>
-              </a:spcBef>
-              <a:spcAft>
-                <a:spcPts val="300"/>
-              </a:spcAft>
-              <a:buClr>
-                <a:schemeClr val="accent1"/>
-              </a:buClr>
-              <a:buFont typeface="Wingdings 2" pitchFamily="18" charset="2"/>
-              <a:buChar char=""/>
-              <a:defRPr sz="1400" kern="1200">
-                <a:solidFill>
-                  <a:schemeClr val="tx1">
-                    <a:lumMod val="85000"/>
-                    <a:lumOff val="15000"/>
-                  </a:schemeClr>
-                </a:solidFill>
-                <a:latin typeface="+mn-lt"/>
-                <a:ea typeface="+mn-ea"/>
-                <a:cs typeface="+mn-cs"/>
-              </a:defRPr>
-            </a:lvl6pPr>
-            <a:lvl7pPr marL="1900000" indent="-228600" algn="l" defTabSz="914400" rtl="0" eaLnBrk="1" latinLnBrk="0" hangingPunct="1">
-              <a:lnSpc>
-                <a:spcPct val="90000"/>
-              </a:lnSpc>
-              <a:spcBef>
-                <a:spcPts val="300"/>
-              </a:spcBef>
-              <a:spcAft>
-                <a:spcPts val="300"/>
-              </a:spcAft>
-              <a:buClr>
-                <a:schemeClr val="accent1"/>
-              </a:buClr>
-              <a:buFont typeface="Wingdings 2" pitchFamily="18" charset="2"/>
-              <a:buChar char=""/>
-              <a:defRPr sz="1400" kern="1200">
-                <a:solidFill>
-                  <a:schemeClr val="tx1">
-                    <a:lumMod val="85000"/>
-                    <a:lumOff val="15000"/>
-                  </a:schemeClr>
-                </a:solidFill>
-                <a:latin typeface="+mn-lt"/>
-                <a:ea typeface="+mn-ea"/>
-                <a:cs typeface="+mn-cs"/>
-              </a:defRPr>
-            </a:lvl7pPr>
-            <a:lvl8pPr marL="2200000" indent="-228600" algn="l" defTabSz="914400" rtl="0" eaLnBrk="1" latinLnBrk="0" hangingPunct="1">
-              <a:lnSpc>
-                <a:spcPct val="90000"/>
-              </a:lnSpc>
-              <a:spcBef>
-                <a:spcPts val="300"/>
-              </a:spcBef>
-              <a:spcAft>
-                <a:spcPts val="300"/>
-              </a:spcAft>
-              <a:buClr>
-                <a:schemeClr val="accent1"/>
-              </a:buClr>
-              <a:buFont typeface="Wingdings 2" pitchFamily="18" charset="2"/>
-              <a:buChar char=""/>
-              <a:defRPr sz="1400" kern="1200">
-                <a:solidFill>
-                  <a:schemeClr val="tx1">
-                    <a:lumMod val="85000"/>
-                    <a:lumOff val="15000"/>
-                  </a:schemeClr>
-                </a:solidFill>
-                <a:latin typeface="+mn-lt"/>
-                <a:ea typeface="+mn-ea"/>
-                <a:cs typeface="+mn-cs"/>
-              </a:defRPr>
-            </a:lvl8pPr>
-            <a:lvl9pPr marL="2500000" indent="-228600" algn="l" defTabSz="914400" rtl="0" eaLnBrk="1" latinLnBrk="0" hangingPunct="1">
-              <a:lnSpc>
-                <a:spcPct val="90000"/>
-              </a:lnSpc>
-              <a:spcBef>
-                <a:spcPts val="300"/>
-              </a:spcBef>
-              <a:spcAft>
-                <a:spcPts val="300"/>
-              </a:spcAft>
-              <a:buClr>
-                <a:schemeClr val="accent1"/>
-              </a:buClr>
-              <a:buFont typeface="Wingdings 2" pitchFamily="18" charset="2"/>
-              <a:buChar char=""/>
-              <a:defRPr sz="1400" kern="1200">
-                <a:solidFill>
-                  <a:schemeClr val="tx1">
-                    <a:lumMod val="85000"/>
-                    <a:lumOff val="15000"/>
-                  </a:schemeClr>
-                </a:solidFill>
-                <a:latin typeface="+mn-lt"/>
-                <a:ea typeface="+mn-ea"/>
-                <a:cs typeface="+mn-cs"/>
-              </a:defRPr>
-            </a:lvl9pPr>
-          </a:lstStyle>
-          <a:p>
-            <a:r>
-              <a:rPr lang="en-US" sz="1400" b="1" dirty="0"/>
-              <a:t>Findings</a:t>
-            </a:r>
-            <a:endParaRPr lang="en-US" sz="1400" dirty="0"/>
-          </a:p>
-          <a:p>
-            <a:pPr lvl="3"/>
-            <a:r>
-              <a:rPr lang="en-US" dirty="0"/>
-              <a:t>SK schema consistently </a:t>
-            </a:r>
-            <a:r>
-              <a:rPr lang="en-US" b="1" dirty="0"/>
-              <a:t>faster</a:t>
-            </a:r>
-            <a:r>
-              <a:rPr lang="en-US" dirty="0"/>
-              <a:t> (joins &amp; aggregations)</a:t>
-            </a:r>
-          </a:p>
-          <a:p>
-            <a:pPr lvl="3"/>
-            <a:r>
-              <a:rPr lang="en-US" dirty="0"/>
-              <a:t>CK joins = heavier (multi-column overhead)</a:t>
-            </a:r>
-          </a:p>
-          <a:p>
-            <a:pPr lvl="3"/>
-            <a:r>
-              <a:rPr lang="en-US" dirty="0"/>
-              <a:t>SK indexes = smaller, scale better</a:t>
-            </a:r>
-          </a:p>
-          <a:p>
-            <a:pPr marL="0" indent="0">
-              <a:buNone/>
-            </a:pPr>
-            <a:endParaRPr lang="en-US" dirty="0"/>
-          </a:p>
-        </p:txBody>
-      </p:sp>
-      <p:pic>
-        <p:nvPicPr>
-          <p:cNvPr id="4" name="Picture 3">
-            <a:extLst>
-              <a:ext uri="{FF2B5EF4-FFF2-40B4-BE49-F238E27FC236}">
-                <a16:creationId xmlns:a16="http://schemas.microsoft.com/office/drawing/2014/main" id="{6AECD656-A9F9-ABE7-514A-F426543CC777}"/>
-              </a:ext>
-            </a:extLst>
-          </p:cNvPr>
-          <p:cNvPicPr>
-            <a:picLocks noChangeAspect="1"/>
-          </p:cNvPicPr>
-          <p:nvPr/>
-        </p:nvPicPr>
-        <p:blipFill>
-          <a:blip r:embed="rId3"/>
-          <a:stretch>
-            <a:fillRect/>
-          </a:stretch>
-        </p:blipFill>
-        <p:spPr>
-          <a:xfrm>
-            <a:off x="1329758" y="4057897"/>
-            <a:ext cx="8710366" cy="2695313"/>
-          </a:xfrm>
-          <a:prstGeom prst="rect">
-            <a:avLst/>
-          </a:prstGeom>
-        </p:spPr>
-      </p:pic>
-      <p:pic>
-        <p:nvPicPr>
-          <p:cNvPr id="5" name="Picture 4">
-            <a:extLst>
-              <a:ext uri="{FF2B5EF4-FFF2-40B4-BE49-F238E27FC236}">
-                <a16:creationId xmlns:a16="http://schemas.microsoft.com/office/drawing/2014/main" id="{DCC183AC-05E3-D614-6A5F-FDC1042DF90D}"/>
-              </a:ext>
-            </a:extLst>
-          </p:cNvPr>
-          <p:cNvPicPr>
-            <a:picLocks noChangeAspect="1"/>
-          </p:cNvPicPr>
-          <p:nvPr/>
-        </p:nvPicPr>
-        <p:blipFill>
-          <a:blip r:embed="rId4"/>
-          <a:stretch>
-            <a:fillRect/>
-          </a:stretch>
-        </p:blipFill>
-        <p:spPr>
-          <a:xfrm>
-            <a:off x="4975668" y="2425900"/>
-            <a:ext cx="3501796" cy="1382065"/>
-          </a:xfrm>
-          <a:prstGeom prst="rect">
-            <a:avLst/>
-          </a:prstGeom>
-        </p:spPr>
-      </p:pic>
-      <p:sp>
-        <p:nvSpPr>
-          <p:cNvPr id="6" name="TextBox 5">
-            <a:extLst>
-              <a:ext uri="{FF2B5EF4-FFF2-40B4-BE49-F238E27FC236}">
-                <a16:creationId xmlns:a16="http://schemas.microsoft.com/office/drawing/2014/main" id="{09E32ACE-2C7B-0EF8-A4FC-33C55C523731}"/>
-              </a:ext>
-            </a:extLst>
-          </p:cNvPr>
-          <p:cNvSpPr txBox="1"/>
-          <p:nvPr/>
-        </p:nvSpPr>
-        <p:spPr>
-          <a:xfrm>
-            <a:off x="1329758" y="2974745"/>
-            <a:ext cx="2525805" cy="394082"/>
-          </a:xfrm>
-          <a:prstGeom prst="rect">
-            <a:avLst/>
-          </a:prstGeom>
-          <a:noFill/>
-        </p:spPr>
-        <p:txBody>
-          <a:bodyPr wrap="square" rtlCol="0">
-            <a:spAutoFit/>
-          </a:bodyPr>
-          <a:lstStyle/>
-          <a:p>
-            <a:pPr defTabSz="914400">
-              <a:lnSpc>
-                <a:spcPct val="150000"/>
-              </a:lnSpc>
-              <a:spcBef>
-                <a:spcPts val="1400"/>
-              </a:spcBef>
-              <a:spcAft>
-                <a:spcPts val="200"/>
-              </a:spcAft>
-              <a:buClr>
-                <a:schemeClr val="accent1"/>
-              </a:buClr>
-              <a:buSzPct val="80000"/>
-            </a:pPr>
-            <a:r>
-              <a:rPr lang="en-US" sz="1500" b="1" spc="10" dirty="0">
-                <a:solidFill>
-                  <a:srgbClr val="0070C0"/>
-                </a:solidFill>
-              </a:rPr>
-              <a:t>Project Deliverables</a:t>
-            </a:r>
-          </a:p>
-        </p:txBody>
-      </p:sp>
-      <p:sp>
-        <p:nvSpPr>
-          <p:cNvPr id="7" name="Arrow: Right 6">
-            <a:extLst>
-              <a:ext uri="{FF2B5EF4-FFF2-40B4-BE49-F238E27FC236}">
-                <a16:creationId xmlns:a16="http://schemas.microsoft.com/office/drawing/2014/main" id="{514F1529-3829-B972-58D4-28DEDAB72F17}"/>
-              </a:ext>
-            </a:extLst>
-          </p:cNvPr>
-          <p:cNvSpPr/>
-          <p:nvPr/>
-        </p:nvSpPr>
-        <p:spPr>
-          <a:xfrm>
-            <a:off x="3981982" y="3116932"/>
-            <a:ext cx="867266" cy="141402"/>
-          </a:xfrm>
-          <a:prstGeom prst="rightArrow">
-            <a:avLst/>
-          </a:prstGeom>
-        </p:spPr>
-        <p:style>
-          <a:lnRef idx="2">
-            <a:schemeClr val="accent1">
-              <a:shade val="15000"/>
-            </a:schemeClr>
-          </a:lnRef>
-          <a:fillRef idx="1">
-            <a:schemeClr val="accent1"/>
-          </a:fillRef>
-          <a:effectRef idx="0">
-            <a:schemeClr val="accent1"/>
-          </a:effectRef>
-          <a:fontRef idx="minor">
-            <a:schemeClr val="lt1"/>
-          </a:fontRef>
-        </p:style>
-        <p:txBody>
-          <a:bodyPr rtlCol="0" anchor="ctr"/>
-          <a:lstStyle/>
-          <a:p>
-            <a:pPr algn="ctr"/>
-            <a:endParaRPr lang="en-US"/>
-          </a:p>
-        </p:txBody>
-      </p:sp>
-      <p:sp>
-        <p:nvSpPr>
-          <p:cNvPr id="8" name="TextBox 7">
-            <a:extLst>
-              <a:ext uri="{FF2B5EF4-FFF2-40B4-BE49-F238E27FC236}">
-                <a16:creationId xmlns:a16="http://schemas.microsoft.com/office/drawing/2014/main" id="{FE6D8390-D12B-A42C-3BC2-FCD4F2330CA6}"/>
-              </a:ext>
-            </a:extLst>
-          </p:cNvPr>
-          <p:cNvSpPr txBox="1"/>
-          <p:nvPr/>
-        </p:nvSpPr>
-        <p:spPr>
-          <a:xfrm>
-            <a:off x="1329758" y="3663815"/>
-            <a:ext cx="2525805" cy="394082"/>
-          </a:xfrm>
-          <a:prstGeom prst="rect">
-            <a:avLst/>
-          </a:prstGeom>
-          <a:noFill/>
-        </p:spPr>
-        <p:txBody>
-          <a:bodyPr wrap="square" rtlCol="0">
-            <a:spAutoFit/>
-          </a:bodyPr>
-          <a:lstStyle/>
-          <a:p>
-            <a:pPr defTabSz="914400">
-              <a:lnSpc>
-                <a:spcPct val="150000"/>
-              </a:lnSpc>
-              <a:spcBef>
-                <a:spcPts val="1400"/>
-              </a:spcBef>
-              <a:spcAft>
-                <a:spcPts val="200"/>
-              </a:spcAft>
-              <a:buClr>
-                <a:schemeClr val="accent1"/>
-              </a:buClr>
-              <a:buSzPct val="80000"/>
-            </a:pPr>
-            <a:r>
-              <a:rPr lang="en-US" sz="1500" b="1" spc="10" dirty="0">
-                <a:solidFill>
-                  <a:srgbClr val="0070C0"/>
-                </a:solidFill>
-              </a:rPr>
-              <a:t>Benchmark Scenarios</a:t>
-            </a:r>
-          </a:p>
-        </p:txBody>
-      </p:sp>
-    </p:spTree>
-    <p:extLst>
-      <p:ext uri="{BB962C8B-B14F-4D97-AF65-F5344CB8AC3E}">
-        <p14:creationId xmlns:p14="http://schemas.microsoft.com/office/powerpoint/2010/main" val="66368808"/>
       </p:ext>
     </p:extLst>
   </p:cSld>
